--- a/Sessio_7/EBB_2019_Session_7-Hypothesis_test_continous_variables.pptx
+++ b/Sessio_7/EBB_2019_Session_7-Hypothesis_test_continous_variables.pptx
@@ -5,7 +5,7 @@
     <p:sldMasterId id="2147483648" r:id="rId1"/>
   </p:sldMasterIdLst>
   <p:notesMasterIdLst>
-    <p:notesMasterId r:id="rId63"/>
+    <p:notesMasterId r:id="rId67"/>
   </p:notesMasterIdLst>
   <p:sldIdLst>
     <p:sldId id="341" r:id="rId2"/>
@@ -23,52 +23,56 @@
     <p:sldId id="412" r:id="rId14"/>
     <p:sldId id="413" r:id="rId15"/>
     <p:sldId id="414" r:id="rId16"/>
-    <p:sldId id="415" r:id="rId17"/>
-    <p:sldId id="416" r:id="rId18"/>
-    <p:sldId id="417" r:id="rId19"/>
-    <p:sldId id="494" r:id="rId20"/>
-    <p:sldId id="418" r:id="rId21"/>
-    <p:sldId id="419" r:id="rId22"/>
-    <p:sldId id="420" r:id="rId23"/>
-    <p:sldId id="421" r:id="rId24"/>
-    <p:sldId id="422" r:id="rId25"/>
-    <p:sldId id="423" r:id="rId26"/>
-    <p:sldId id="424" r:id="rId27"/>
-    <p:sldId id="455" r:id="rId28"/>
-    <p:sldId id="456" r:id="rId29"/>
-    <p:sldId id="457" r:id="rId30"/>
-    <p:sldId id="458" r:id="rId31"/>
-    <p:sldId id="459" r:id="rId32"/>
-    <p:sldId id="460" r:id="rId33"/>
-    <p:sldId id="461" r:id="rId34"/>
-    <p:sldId id="462" r:id="rId35"/>
-    <p:sldId id="463" r:id="rId36"/>
-    <p:sldId id="495" r:id="rId37"/>
-    <p:sldId id="464" r:id="rId38"/>
-    <p:sldId id="465" r:id="rId39"/>
-    <p:sldId id="466" r:id="rId40"/>
-    <p:sldId id="467" r:id="rId41"/>
-    <p:sldId id="468" r:id="rId42"/>
-    <p:sldId id="496" r:id="rId43"/>
-    <p:sldId id="469" r:id="rId44"/>
+    <p:sldId id="498" r:id="rId17"/>
+    <p:sldId id="415" r:id="rId18"/>
+    <p:sldId id="416" r:id="rId19"/>
+    <p:sldId id="417" r:id="rId20"/>
+    <p:sldId id="494" r:id="rId21"/>
+    <p:sldId id="418" r:id="rId22"/>
+    <p:sldId id="419" r:id="rId23"/>
+    <p:sldId id="420" r:id="rId24"/>
+    <p:sldId id="421" r:id="rId25"/>
+    <p:sldId id="422" r:id="rId26"/>
+    <p:sldId id="423" r:id="rId27"/>
+    <p:sldId id="424" r:id="rId28"/>
+    <p:sldId id="455" r:id="rId29"/>
+    <p:sldId id="456" r:id="rId30"/>
+    <p:sldId id="457" r:id="rId31"/>
+    <p:sldId id="458" r:id="rId32"/>
+    <p:sldId id="459" r:id="rId33"/>
+    <p:sldId id="460" r:id="rId34"/>
+    <p:sldId id="461" r:id="rId35"/>
+    <p:sldId id="462" r:id="rId36"/>
+    <p:sldId id="463" r:id="rId37"/>
+    <p:sldId id="495" r:id="rId38"/>
+    <p:sldId id="464" r:id="rId39"/>
+    <p:sldId id="465" r:id="rId40"/>
+    <p:sldId id="466" r:id="rId41"/>
+    <p:sldId id="467" r:id="rId42"/>
+    <p:sldId id="468" r:id="rId43"/>
+    <p:sldId id="496" r:id="rId44"/>
     <p:sldId id="470" r:id="rId45"/>
     <p:sldId id="486" r:id="rId46"/>
     <p:sldId id="487" r:id="rId47"/>
     <p:sldId id="488" r:id="rId48"/>
     <p:sldId id="489" r:id="rId49"/>
     <p:sldId id="490" r:id="rId50"/>
-    <p:sldId id="477" r:id="rId51"/>
-    <p:sldId id="478" r:id="rId52"/>
-    <p:sldId id="479" r:id="rId53"/>
-    <p:sldId id="480" r:id="rId54"/>
-    <p:sldId id="481" r:id="rId55"/>
-    <p:sldId id="482" r:id="rId56"/>
-    <p:sldId id="483" r:id="rId57"/>
-    <p:sldId id="497" r:id="rId58"/>
-    <p:sldId id="491" r:id="rId59"/>
-    <p:sldId id="492" r:id="rId60"/>
-    <p:sldId id="493" r:id="rId61"/>
-    <p:sldId id="476" r:id="rId62"/>
+    <p:sldId id="491" r:id="rId51"/>
+    <p:sldId id="492" r:id="rId52"/>
+    <p:sldId id="497" r:id="rId53"/>
+    <p:sldId id="477" r:id="rId54"/>
+    <p:sldId id="500" r:id="rId55"/>
+    <p:sldId id="478" r:id="rId56"/>
+    <p:sldId id="479" r:id="rId57"/>
+    <p:sldId id="480" r:id="rId58"/>
+    <p:sldId id="481" r:id="rId59"/>
+    <p:sldId id="482" r:id="rId60"/>
+    <p:sldId id="483" r:id="rId61"/>
+    <p:sldId id="501" r:id="rId62"/>
+    <p:sldId id="502" r:id="rId63"/>
+    <p:sldId id="503" r:id="rId64"/>
+    <p:sldId id="499" r:id="rId65"/>
+    <p:sldId id="476" r:id="rId66"/>
   </p:sldIdLst>
   <p:sldSz cx="9906000" cy="6858000" type="A4"/>
   <p:notesSz cx="7099300" cy="10234613"/>
@@ -316,7 +320,7 @@
               <a:pPr>
                 <a:defRPr/>
               </a:pPr>
-              <a:t>29/1/2019</a:t>
+              <a:t>4/2/2019</a:t>
             </a:fld>
             <a:endParaRPr lang="ca-ES"/>
           </a:p>
@@ -857,7 +861,7 @@
               <a:pPr>
                 <a:defRPr/>
               </a:pPr>
-              <a:t>51</a:t>
+              <a:t>55</a:t>
             </a:fld>
             <a:endParaRPr lang="es-ES" altLang="ca-ES"/>
           </a:p>
@@ -926,7 +930,7 @@
     </p:spTree>
     <p:extLst>
       <p:ext uri="{BB962C8B-B14F-4D97-AF65-F5344CB8AC3E}">
-        <p14:creationId xmlns:p14="http://schemas.microsoft.com/office/powerpoint/2010/main" val="4141303887"/>
+        <p14:creationId xmlns:p14="http://schemas.microsoft.com/office/powerpoint/2010/main" val="996693575"/>
       </p:ext>
     </p:extLst>
   </p:cSld>
@@ -984,7 +988,7 @@
               <a:pPr>
                 <a:defRPr/>
               </a:pPr>
-              <a:t>52</a:t>
+              <a:t>56</a:t>
             </a:fld>
             <a:endParaRPr lang="es-ES" altLang="ca-ES"/>
           </a:p>
@@ -1053,7 +1057,7 @@
     </p:spTree>
     <p:extLst>
       <p:ext uri="{BB962C8B-B14F-4D97-AF65-F5344CB8AC3E}">
-        <p14:creationId xmlns:p14="http://schemas.microsoft.com/office/powerpoint/2010/main" val="2519733096"/>
+        <p14:creationId xmlns:p14="http://schemas.microsoft.com/office/powerpoint/2010/main" val="160185014"/>
       </p:ext>
     </p:extLst>
   </p:cSld>
@@ -1111,7 +1115,7 @@
               <a:pPr>
                 <a:defRPr/>
               </a:pPr>
-              <a:t>53</a:t>
+              <a:t>57</a:t>
             </a:fld>
             <a:endParaRPr lang="es-ES" altLang="ca-ES"/>
           </a:p>
@@ -1180,7 +1184,7 @@
     </p:spTree>
     <p:extLst>
       <p:ext uri="{BB962C8B-B14F-4D97-AF65-F5344CB8AC3E}">
-        <p14:creationId xmlns:p14="http://schemas.microsoft.com/office/powerpoint/2010/main" val="207322129"/>
+        <p14:creationId xmlns:p14="http://schemas.microsoft.com/office/powerpoint/2010/main" val="1923722724"/>
       </p:ext>
     </p:extLst>
   </p:cSld>
@@ -1238,7 +1242,7 @@
               <a:pPr>
                 <a:defRPr/>
               </a:pPr>
-              <a:t>54</a:t>
+              <a:t>58</a:t>
             </a:fld>
             <a:endParaRPr lang="es-ES" altLang="ca-ES"/>
           </a:p>
@@ -1326,7 +1330,7 @@
     </p:spTree>
     <p:extLst>
       <p:ext uri="{BB962C8B-B14F-4D97-AF65-F5344CB8AC3E}">
-        <p14:creationId xmlns:p14="http://schemas.microsoft.com/office/powerpoint/2010/main" val="613680362"/>
+        <p14:creationId xmlns:p14="http://schemas.microsoft.com/office/powerpoint/2010/main" val="4257041009"/>
       </p:ext>
     </p:extLst>
   </p:cSld>
@@ -1384,7 +1388,7 @@
               <a:pPr>
                 <a:defRPr/>
               </a:pPr>
-              <a:t>55</a:t>
+              <a:t>59</a:t>
             </a:fld>
             <a:endParaRPr lang="es-ES" altLang="ca-ES"/>
           </a:p>
@@ -1453,7 +1457,7 @@
     </p:spTree>
     <p:extLst>
       <p:ext uri="{BB962C8B-B14F-4D97-AF65-F5344CB8AC3E}">
-        <p14:creationId xmlns:p14="http://schemas.microsoft.com/office/powerpoint/2010/main" val="1548763406"/>
+        <p14:creationId xmlns:p14="http://schemas.microsoft.com/office/powerpoint/2010/main" val="3049058852"/>
       </p:ext>
     </p:extLst>
   </p:cSld>
@@ -1511,7 +1515,7 @@
               <a:pPr>
                 <a:defRPr/>
               </a:pPr>
-              <a:t>61</a:t>
+              <a:t>65</a:t>
             </a:fld>
             <a:endParaRPr lang="es-ES" altLang="ca-ES"/>
           </a:p>
@@ -1755,7 +1759,7 @@
               <a:pPr>
                 <a:defRPr/>
               </a:pPr>
-              <a:t>22</a:t>
+              <a:t>23</a:t>
             </a:fld>
             <a:endParaRPr lang="ca-ES"/>
           </a:p>
@@ -1811,7 +1815,7 @@
             <a:fld id="{E519459B-5848-4D97-B763-6D62BA3DB8F4}" type="slidenum">
               <a:rPr lang="ca-ES"/>
               <a:pPr/>
-              <a:t>23</a:t>
+              <a:t>24</a:t>
             </a:fld>
             <a:endParaRPr lang="ca-ES"/>
           </a:p>
@@ -1905,7 +1909,7 @@
             <a:fld id="{E519459B-5848-4D97-B763-6D62BA3DB8F4}" type="slidenum">
               <a:rPr lang="ca-ES"/>
               <a:pPr/>
-              <a:t>24</a:t>
+              <a:t>25</a:t>
             </a:fld>
             <a:endParaRPr lang="ca-ES"/>
           </a:p>
@@ -1999,7 +2003,7 @@
             <a:fld id="{E519459B-5848-4D97-B763-6D62BA3DB8F4}" type="slidenum">
               <a:rPr lang="ca-ES"/>
               <a:pPr/>
-              <a:t>30</a:t>
+              <a:t>31</a:t>
             </a:fld>
             <a:endParaRPr lang="ca-ES"/>
           </a:p>
@@ -2093,7 +2097,7 @@
             <a:fld id="{E519459B-5848-4D97-B763-6D62BA3DB8F4}" type="slidenum">
               <a:rPr lang="ca-ES"/>
               <a:pPr/>
-              <a:t>37</a:t>
+              <a:t>38</a:t>
             </a:fld>
             <a:endParaRPr lang="ca-ES"/>
           </a:p>
@@ -6036,8 +6040,8 @@
         </p:nvSpPr>
         <p:spPr bwMode="auto">
           <a:xfrm>
-            <a:off x="992560" y="1050326"/>
-            <a:ext cx="7847012" cy="5816977"/>
+            <a:off x="992560" y="1050327"/>
+            <a:ext cx="8568952" cy="6001643"/>
           </a:xfrm>
           <a:prstGeom prst="rect">
             <a:avLst/>
@@ -6051,7 +6055,7 @@
           </a:ln>
         </p:spPr>
         <p:txBody>
-          <a:bodyPr>
+          <a:bodyPr wrap="square">
             <a:spAutoFit/>
           </a:bodyPr>
           <a:lstStyle/>
@@ -6106,7 +6110,7 @@
               <a:buAutoNum type="arabicPeriod"/>
             </a:pPr>
             <a:r>
-              <a:rPr lang="ca-ES" altLang="ca-ES" sz="2400" u="none" dirty="0">
+              <a:rPr lang="ca-ES" altLang="ca-ES" sz="2400" b="1" u="none" dirty="0">
                 <a:solidFill>
                   <a:srgbClr val="990099"/>
                 </a:solidFill>
@@ -6130,7 +6134,7 @@
                 </a:solidFill>
                 <a:latin typeface="Verdana" pitchFamily="34" charset="0"/>
               </a:rPr>
-              <a:t>TWO GROUPS </a:t>
+              <a:t>ONE GROUP </a:t>
             </a:r>
             <a:r>
               <a:rPr lang="ca-ES" altLang="ca-ES" sz="2400" u="none" dirty="0">
@@ -6139,7 +6143,7 @@
                 </a:solidFill>
                 <a:latin typeface="Verdana" pitchFamily="34" charset="0"/>
               </a:rPr>
-              <a:t>COMPARISON IN INDEPENDENT SAMPLES</a:t>
+              <a:t>COMPARISON</a:t>
             </a:r>
           </a:p>
           <a:p>
@@ -6166,7 +6170,7 @@
                 </a:solidFill>
                 <a:latin typeface="Verdana" pitchFamily="34" charset="0"/>
               </a:rPr>
-              <a:t>COMPARISON IN DEPENDENT SAMPLES</a:t>
+              <a:t>COMPARISON IN INDEPENDENT SAMPLES</a:t>
             </a:r>
           </a:p>
           <a:p>
@@ -6184,7 +6188,7 @@
                 </a:solidFill>
                 <a:latin typeface="Verdana" pitchFamily="34" charset="0"/>
               </a:rPr>
-              <a:t>MORE THAN TWO GROUPS </a:t>
+              <a:t>TWO GROUPS </a:t>
             </a:r>
             <a:r>
               <a:rPr lang="ca-ES" altLang="ca-ES" sz="2400" u="none" dirty="0">
@@ -6193,7 +6197,7 @@
                 </a:solidFill>
                 <a:latin typeface="Verdana" pitchFamily="34" charset="0"/>
               </a:rPr>
-              <a:t>COMPARISON IN INDEPENDENT SAMPLES</a:t>
+              <a:t>COMPARISON IN DEPENDENT SAMPLES</a:t>
             </a:r>
           </a:p>
           <a:p>
@@ -6220,7 +6224,25 @@
                 </a:solidFill>
                 <a:latin typeface="Verdana" pitchFamily="34" charset="0"/>
               </a:rPr>
-              <a:t>COMPARISON IN DEPENDENT SAMPLES</a:t>
+              <a:t>COMPARISON IN INDEPENDENT SAMPLES</a:t>
+            </a:r>
+          </a:p>
+          <a:p>
+            <a:pPr marL="342900" indent="-342900">
+              <a:spcBef>
+                <a:spcPct val="50000"/>
+              </a:spcBef>
+              <a:buFont typeface="Arial" pitchFamily="34" charset="0"/>
+              <a:buAutoNum type="arabicPeriod"/>
+            </a:pPr>
+            <a:r>
+              <a:rPr lang="ca-ES" altLang="ca-ES" sz="2400" u="none" dirty="0">
+                <a:solidFill>
+                  <a:srgbClr val="DFA5D4"/>
+                </a:solidFill>
+                <a:latin typeface="Verdana" pitchFamily="34" charset="0"/>
+              </a:rPr>
+              <a:t>MULTIPLE COMPARISONS AND MULTIPLE TESTING</a:t>
             </a:r>
           </a:p>
           <a:p>
@@ -8081,6 +8103,413 @@
       </p:grpSpPr>
       <p:sp>
         <p:nvSpPr>
+          <p:cNvPr id="6146" name="Text Box 5"/>
+          <p:cNvSpPr txBox="1">
+            <a:spLocks noChangeArrowheads="1"/>
+          </p:cNvSpPr>
+          <p:nvPr/>
+        </p:nvSpPr>
+        <p:spPr bwMode="auto">
+          <a:xfrm>
+            <a:off x="992560" y="1050326"/>
+            <a:ext cx="8496944" cy="5447645"/>
+          </a:xfrm>
+          <a:prstGeom prst="rect">
+            <a:avLst/>
+          </a:prstGeom>
+          <a:noFill/>
+          <a:ln w="9525">
+            <a:noFill/>
+            <a:miter lim="800000"/>
+            <a:headEnd/>
+            <a:tailEnd/>
+          </a:ln>
+        </p:spPr>
+        <p:txBody>
+          <a:bodyPr wrap="square">
+            <a:spAutoFit/>
+          </a:bodyPr>
+          <a:lstStyle/>
+          <a:p>
+            <a:pPr marL="342900" indent="-342900">
+              <a:spcBef>
+                <a:spcPct val="50000"/>
+              </a:spcBef>
+              <a:buFont typeface="Arial" pitchFamily="34" charset="0"/>
+              <a:buAutoNum type="arabicPeriod"/>
+            </a:pPr>
+            <a:r>
+              <a:rPr lang="ca-ES" altLang="ca-ES" sz="2400" u="none" dirty="0">
+                <a:solidFill>
+                  <a:srgbClr val="DFA5D4"/>
+                </a:solidFill>
+                <a:latin typeface="Verdana" pitchFamily="34" charset="0"/>
+              </a:rPr>
+              <a:t>INTRODUCTION</a:t>
+            </a:r>
+            <a:endParaRPr lang="es-ES_tradnl" altLang="ca-ES" sz="2400" u="none" dirty="0">
+              <a:solidFill>
+                <a:srgbClr val="DFA5D4"/>
+              </a:solidFill>
+              <a:latin typeface="Verdana" pitchFamily="34" charset="0"/>
+            </a:endParaRPr>
+          </a:p>
+          <a:p>
+            <a:pPr marL="342900" indent="-342900">
+              <a:spcBef>
+                <a:spcPct val="50000"/>
+              </a:spcBef>
+              <a:buFont typeface="Arial" pitchFamily="34" charset="0"/>
+              <a:buAutoNum type="arabicPeriod"/>
+            </a:pPr>
+            <a:r>
+              <a:rPr lang="ca-ES" altLang="ca-ES" sz="2400" u="none" dirty="0">
+                <a:solidFill>
+                  <a:srgbClr val="DFA5D4"/>
+                </a:solidFill>
+                <a:latin typeface="Verdana" pitchFamily="34" charset="0"/>
+              </a:rPr>
+              <a:t>TYPE OF TEST</a:t>
+            </a:r>
+          </a:p>
+          <a:p>
+            <a:pPr marL="342900" indent="-342900">
+              <a:spcBef>
+                <a:spcPct val="50000"/>
+              </a:spcBef>
+              <a:buFont typeface="Arial" pitchFamily="34" charset="0"/>
+              <a:buAutoNum type="arabicPeriod"/>
+            </a:pPr>
+            <a:r>
+              <a:rPr lang="ca-ES" altLang="ca-ES" sz="2400" u="none" dirty="0">
+                <a:solidFill>
+                  <a:srgbClr val="DFA5D4"/>
+                </a:solidFill>
+                <a:latin typeface="Verdana" pitchFamily="34" charset="0"/>
+              </a:rPr>
+              <a:t>NORMALITY TEST</a:t>
+            </a:r>
+          </a:p>
+          <a:p>
+            <a:pPr marL="342900" indent="-342900">
+              <a:spcBef>
+                <a:spcPct val="50000"/>
+              </a:spcBef>
+              <a:buFont typeface="Arial" pitchFamily="34" charset="0"/>
+              <a:buAutoNum type="arabicPeriod"/>
+            </a:pPr>
+            <a:r>
+              <a:rPr lang="ca-ES" altLang="ca-ES" sz="2400" b="1" u="none" dirty="0">
+                <a:solidFill>
+                  <a:srgbClr val="990099"/>
+                </a:solidFill>
+                <a:latin typeface="Verdana" pitchFamily="34" charset="0"/>
+              </a:rPr>
+              <a:t>ONE GROUP </a:t>
+            </a:r>
+            <a:r>
+              <a:rPr lang="ca-ES" altLang="ca-ES" sz="2400" u="none" dirty="0">
+                <a:solidFill>
+                  <a:srgbClr val="990099"/>
+                </a:solidFill>
+                <a:latin typeface="Verdana" pitchFamily="34" charset="0"/>
+              </a:rPr>
+              <a:t>COMPARISON</a:t>
+            </a:r>
+          </a:p>
+          <a:p>
+            <a:pPr marL="342900" indent="-342900">
+              <a:spcBef>
+                <a:spcPct val="50000"/>
+              </a:spcBef>
+              <a:buFont typeface="Arial" pitchFamily="34" charset="0"/>
+              <a:buAutoNum type="arabicPeriod"/>
+            </a:pPr>
+            <a:r>
+              <a:rPr lang="ca-ES" altLang="ca-ES" sz="2400" b="1" u="none" dirty="0">
+                <a:solidFill>
+                  <a:srgbClr val="DFA5D4"/>
+                </a:solidFill>
+                <a:latin typeface="Verdana" pitchFamily="34" charset="0"/>
+              </a:rPr>
+              <a:t>TWO GROUPS </a:t>
+            </a:r>
+            <a:r>
+              <a:rPr lang="ca-ES" altLang="ca-ES" sz="2400" u="none" dirty="0">
+                <a:solidFill>
+                  <a:srgbClr val="DFA5D4"/>
+                </a:solidFill>
+                <a:latin typeface="Verdana" pitchFamily="34" charset="0"/>
+              </a:rPr>
+              <a:t>COMPARISON IN INDEPENDENT SAMPLES</a:t>
+            </a:r>
+          </a:p>
+          <a:p>
+            <a:pPr marL="342900" indent="-342900">
+              <a:spcBef>
+                <a:spcPct val="50000"/>
+              </a:spcBef>
+              <a:buFont typeface="Arial" pitchFamily="34" charset="0"/>
+              <a:buAutoNum type="arabicPeriod"/>
+            </a:pPr>
+            <a:r>
+              <a:rPr lang="ca-ES" altLang="ca-ES" sz="2400" b="1" u="none" dirty="0">
+                <a:solidFill>
+                  <a:srgbClr val="DFA5D4"/>
+                </a:solidFill>
+                <a:latin typeface="Verdana" pitchFamily="34" charset="0"/>
+              </a:rPr>
+              <a:t>TWO GROUPS </a:t>
+            </a:r>
+            <a:r>
+              <a:rPr lang="ca-ES" altLang="ca-ES" sz="2400" u="none" dirty="0">
+                <a:solidFill>
+                  <a:srgbClr val="DFA5D4"/>
+                </a:solidFill>
+                <a:latin typeface="Verdana" pitchFamily="34" charset="0"/>
+              </a:rPr>
+              <a:t>COMPARISON IN DEPENDENT SAMPLES</a:t>
+            </a:r>
+          </a:p>
+          <a:p>
+            <a:pPr marL="342900" indent="-342900">
+              <a:spcBef>
+                <a:spcPct val="50000"/>
+              </a:spcBef>
+              <a:buFont typeface="Arial" pitchFamily="34" charset="0"/>
+              <a:buAutoNum type="arabicPeriod"/>
+            </a:pPr>
+            <a:r>
+              <a:rPr lang="ca-ES" altLang="ca-ES" sz="2400" b="1" u="none" dirty="0">
+                <a:solidFill>
+                  <a:srgbClr val="DFA5D4"/>
+                </a:solidFill>
+                <a:latin typeface="Verdana" pitchFamily="34" charset="0"/>
+              </a:rPr>
+              <a:t>MORE THAN TWO GROUPS </a:t>
+            </a:r>
+            <a:r>
+              <a:rPr lang="ca-ES" altLang="ca-ES" sz="2400" u="none" dirty="0">
+                <a:solidFill>
+                  <a:srgbClr val="DFA5D4"/>
+                </a:solidFill>
+                <a:latin typeface="Verdana" pitchFamily="34" charset="0"/>
+              </a:rPr>
+              <a:t>COMPARISON IN INDEPENDENT SAMPLES</a:t>
+            </a:r>
+          </a:p>
+          <a:p>
+            <a:pPr marL="342900" indent="-342900">
+              <a:spcBef>
+                <a:spcPct val="50000"/>
+              </a:spcBef>
+              <a:buFont typeface="Arial" pitchFamily="34" charset="0"/>
+              <a:buAutoNum type="arabicPeriod"/>
+            </a:pPr>
+            <a:r>
+              <a:rPr lang="ca-ES" altLang="ca-ES" sz="2400" u="none" dirty="0">
+                <a:solidFill>
+                  <a:srgbClr val="DFA5D4"/>
+                </a:solidFill>
+                <a:latin typeface="Verdana" pitchFamily="34" charset="0"/>
+              </a:rPr>
+              <a:t>MULTIPLE COMPARISONS AND MULTIPLE TESTING</a:t>
+            </a:r>
+          </a:p>
+        </p:txBody>
+      </p:sp>
+      <p:sp>
+        <p:nvSpPr>
+          <p:cNvPr id="6147" name="Text Box 12"/>
+          <p:cNvSpPr txBox="1">
+            <a:spLocks noChangeArrowheads="1"/>
+          </p:cNvSpPr>
+          <p:nvPr/>
+        </p:nvSpPr>
+        <p:spPr bwMode="auto">
+          <a:xfrm>
+            <a:off x="1208088" y="1989138"/>
+            <a:ext cx="360362" cy="235642"/>
+          </a:xfrm>
+          <a:prstGeom prst="rect">
+            <a:avLst/>
+          </a:prstGeom>
+          <a:noFill/>
+          <a:ln w="9525">
+            <a:noFill/>
+            <a:miter lim="800000"/>
+            <a:headEnd/>
+            <a:tailEnd/>
+          </a:ln>
+        </p:spPr>
+        <p:txBody>
+          <a:bodyPr>
+            <a:spAutoFit/>
+          </a:bodyPr>
+          <a:lstStyle/>
+          <a:p>
+            <a:pPr>
+              <a:lnSpc>
+                <a:spcPct val="50000"/>
+              </a:lnSpc>
+              <a:spcBef>
+                <a:spcPct val="50000"/>
+              </a:spcBef>
+            </a:pPr>
+            <a:r>
+              <a:rPr lang="ca-ES" altLang="ca-ES" sz="1700" b="1" u="none">
+                <a:solidFill>
+                  <a:schemeClr val="bg1"/>
+                </a:solidFill>
+                <a:latin typeface="Verdana" pitchFamily="34" charset="0"/>
+              </a:rPr>
+              <a:t>3</a:t>
+            </a:r>
+            <a:endParaRPr lang="es-ES_tradnl" altLang="ca-ES" sz="1700" u="none">
+              <a:solidFill>
+                <a:schemeClr val="bg1"/>
+              </a:solidFill>
+              <a:latin typeface="Verdana" pitchFamily="34" charset="0"/>
+            </a:endParaRPr>
+          </a:p>
+        </p:txBody>
+      </p:sp>
+      <p:sp>
+        <p:nvSpPr>
+          <p:cNvPr id="6148" name="Text Box 20"/>
+          <p:cNvSpPr txBox="1">
+            <a:spLocks noChangeArrowheads="1"/>
+          </p:cNvSpPr>
+          <p:nvPr/>
+        </p:nvSpPr>
+        <p:spPr bwMode="auto">
+          <a:xfrm>
+            <a:off x="1193800" y="2854325"/>
+            <a:ext cx="360363" cy="235642"/>
+          </a:xfrm>
+          <a:prstGeom prst="rect">
+            <a:avLst/>
+          </a:prstGeom>
+          <a:noFill/>
+          <a:ln w="9525">
+            <a:noFill/>
+            <a:miter lim="800000"/>
+            <a:headEnd/>
+            <a:tailEnd/>
+          </a:ln>
+        </p:spPr>
+        <p:txBody>
+          <a:bodyPr>
+            <a:spAutoFit/>
+          </a:bodyPr>
+          <a:lstStyle/>
+          <a:p>
+            <a:pPr>
+              <a:lnSpc>
+                <a:spcPct val="50000"/>
+              </a:lnSpc>
+              <a:spcBef>
+                <a:spcPct val="50000"/>
+              </a:spcBef>
+            </a:pPr>
+            <a:r>
+              <a:rPr lang="ca-ES" altLang="ca-ES" sz="1700" b="1" u="none" dirty="0">
+                <a:solidFill>
+                  <a:schemeClr val="bg1"/>
+                </a:solidFill>
+                <a:latin typeface="Verdana" pitchFamily="34" charset="0"/>
+              </a:rPr>
+              <a:t>5</a:t>
+            </a:r>
+            <a:endParaRPr lang="es-ES_tradnl" altLang="ca-ES" sz="1700" b="1" u="none" dirty="0">
+              <a:solidFill>
+                <a:schemeClr val="bg1"/>
+              </a:solidFill>
+              <a:latin typeface="Verdana" pitchFamily="34" charset="0"/>
+            </a:endParaRPr>
+          </a:p>
+        </p:txBody>
+      </p:sp>
+      <p:sp>
+        <p:nvSpPr>
+          <p:cNvPr id="6149" name="16 CuadroTexto"/>
+          <p:cNvSpPr txBox="1">
+            <a:spLocks noChangeArrowheads="1"/>
+          </p:cNvSpPr>
+          <p:nvPr/>
+        </p:nvSpPr>
+        <p:spPr bwMode="auto">
+          <a:xfrm>
+            <a:off x="2597150" y="285750"/>
+            <a:ext cx="3651250" cy="584200"/>
+          </a:xfrm>
+          <a:prstGeom prst="rect">
+            <a:avLst/>
+          </a:prstGeom>
+          <a:noFill/>
+          <a:ln w="9525">
+            <a:noFill/>
+            <a:miter lim="800000"/>
+            <a:headEnd/>
+            <a:tailEnd/>
+          </a:ln>
+        </p:spPr>
+        <p:txBody>
+          <a:bodyPr>
+            <a:spAutoFit/>
+          </a:bodyPr>
+          <a:lstStyle/>
+          <a:p>
+            <a:r>
+              <a:rPr lang="es-ES" altLang="ca-ES" sz="3200" u="none" dirty="0">
+                <a:solidFill>
+                  <a:schemeClr val="tx2"/>
+                </a:solidFill>
+                <a:latin typeface="Verdana" pitchFamily="34" charset="0"/>
+              </a:rPr>
+              <a:t>Syllabus</a:t>
+            </a:r>
+            <a:endParaRPr lang="ca-ES" altLang="ca-ES" sz="3200" u="none" dirty="0">
+              <a:solidFill>
+                <a:schemeClr val="tx2"/>
+              </a:solidFill>
+              <a:latin typeface="Verdana" pitchFamily="34" charset="0"/>
+            </a:endParaRPr>
+          </a:p>
+        </p:txBody>
+      </p:sp>
+    </p:spTree>
+    <p:extLst>
+      <p:ext uri="{BB962C8B-B14F-4D97-AF65-F5344CB8AC3E}">
+        <p14:creationId xmlns:p14="http://schemas.microsoft.com/office/powerpoint/2010/main" val="3534292258"/>
+      </p:ext>
+    </p:extLst>
+  </p:cSld>
+  <p:clrMapOvr>
+    <a:masterClrMapping/>
+  </p:clrMapOvr>
+</p:sld>
+</file>
+
+<file path=ppt/slides/slide17.xml><?xml version="1.0" encoding="utf-8"?>
+<p:sld xmlns:a="http://schemas.openxmlformats.org/drawingml/2006/main" xmlns:r="http://schemas.openxmlformats.org/officeDocument/2006/relationships" xmlns:p="http://schemas.openxmlformats.org/presentationml/2006/main">
+  <p:cSld>
+    <p:spTree>
+      <p:nvGrpSpPr>
+        <p:cNvPr id="1" name=""/>
+        <p:cNvGrpSpPr/>
+        <p:nvPr/>
+      </p:nvGrpSpPr>
+      <p:grpSpPr>
+        <a:xfrm>
+          <a:off x="0" y="0"/>
+          <a:ext cx="0" cy="0"/>
+          <a:chOff x="0" y="0"/>
+          <a:chExt cx="0" cy="0"/>
+        </a:xfrm>
+      </p:grpSpPr>
+      <p:sp>
+        <p:nvSpPr>
           <p:cNvPr id="2" name="1 Título"/>
           <p:cNvSpPr>
             <a:spLocks noGrp="1"/>
@@ -8494,7 +8923,7 @@
 </p:sld>
 </file>
 
-<file path=ppt/slides/slide17.xml><?xml version="1.0" encoding="utf-8"?>
+<file path=ppt/slides/slide18.xml><?xml version="1.0" encoding="utf-8"?>
 <p:sld xmlns:a="http://schemas.openxmlformats.org/drawingml/2006/main" xmlns:r="http://schemas.openxmlformats.org/officeDocument/2006/relationships" xmlns:p="http://schemas.openxmlformats.org/presentationml/2006/main">
   <p:cSld>
     <p:spTree>
@@ -8588,7 +9017,7 @@
 </p:sld>
 </file>
 
-<file path=ppt/slides/slide18.xml><?xml version="1.0" encoding="utf-8"?>
+<file path=ppt/slides/slide19.xml><?xml version="1.0" encoding="utf-8"?>
 <p:sld xmlns:a="http://schemas.openxmlformats.org/drawingml/2006/main" xmlns:r="http://schemas.openxmlformats.org/officeDocument/2006/relationships" xmlns:p="http://schemas.openxmlformats.org/presentationml/2006/main">
   <p:cSld>
     <p:spTree>
@@ -8785,410 +9214,6 @@
     <p:extLst>
       <p:ext uri="{BB962C8B-B14F-4D97-AF65-F5344CB8AC3E}">
         <p14:creationId xmlns:p14="http://schemas.microsoft.com/office/powerpoint/2010/main" val="530575290"/>
-      </p:ext>
-    </p:extLst>
-  </p:cSld>
-  <p:clrMapOvr>
-    <a:masterClrMapping/>
-  </p:clrMapOvr>
-</p:sld>
-</file>
-
-<file path=ppt/slides/slide19.xml><?xml version="1.0" encoding="utf-8"?>
-<p:sld xmlns:a="http://schemas.openxmlformats.org/drawingml/2006/main" xmlns:r="http://schemas.openxmlformats.org/officeDocument/2006/relationships" xmlns:p="http://schemas.openxmlformats.org/presentationml/2006/main">
-  <p:cSld>
-    <p:spTree>
-      <p:nvGrpSpPr>
-        <p:cNvPr id="1" name=""/>
-        <p:cNvGrpSpPr/>
-        <p:nvPr/>
-      </p:nvGrpSpPr>
-      <p:grpSpPr>
-        <a:xfrm>
-          <a:off x="0" y="0"/>
-          <a:ext cx="0" cy="0"/>
-          <a:chOff x="0" y="0"/>
-          <a:chExt cx="0" cy="0"/>
-        </a:xfrm>
-      </p:grpSpPr>
-      <p:sp>
-        <p:nvSpPr>
-          <p:cNvPr id="6146" name="Text Box 5"/>
-          <p:cNvSpPr txBox="1">
-            <a:spLocks noChangeArrowheads="1"/>
-          </p:cNvSpPr>
-          <p:nvPr/>
-        </p:nvSpPr>
-        <p:spPr bwMode="auto">
-          <a:xfrm>
-            <a:off x="992560" y="1050326"/>
-            <a:ext cx="7847012" cy="5816977"/>
-          </a:xfrm>
-          <a:prstGeom prst="rect">
-            <a:avLst/>
-          </a:prstGeom>
-          <a:noFill/>
-          <a:ln w="9525">
-            <a:noFill/>
-            <a:miter lim="800000"/>
-            <a:headEnd/>
-            <a:tailEnd/>
-          </a:ln>
-        </p:spPr>
-        <p:txBody>
-          <a:bodyPr>
-            <a:spAutoFit/>
-          </a:bodyPr>
-          <a:lstStyle/>
-          <a:p>
-            <a:pPr marL="342900" indent="-342900">
-              <a:spcBef>
-                <a:spcPct val="50000"/>
-              </a:spcBef>
-              <a:buFont typeface="Arial" pitchFamily="34" charset="0"/>
-              <a:buAutoNum type="arabicPeriod"/>
-            </a:pPr>
-            <a:r>
-              <a:rPr lang="ca-ES" altLang="ca-ES" sz="2400" u="none" dirty="0">
-                <a:solidFill>
-                  <a:srgbClr val="DFA5D4"/>
-                </a:solidFill>
-                <a:latin typeface="Verdana" pitchFamily="34" charset="0"/>
-              </a:rPr>
-              <a:t>INTRODUCTION</a:t>
-            </a:r>
-            <a:endParaRPr lang="es-ES_tradnl" altLang="ca-ES" sz="2400" u="none" dirty="0">
-              <a:solidFill>
-                <a:srgbClr val="DFA5D4"/>
-              </a:solidFill>
-              <a:latin typeface="Verdana" pitchFamily="34" charset="0"/>
-            </a:endParaRPr>
-          </a:p>
-          <a:p>
-            <a:pPr marL="342900" indent="-342900">
-              <a:spcBef>
-                <a:spcPct val="50000"/>
-              </a:spcBef>
-              <a:buFont typeface="Arial" pitchFamily="34" charset="0"/>
-              <a:buAutoNum type="arabicPeriod"/>
-            </a:pPr>
-            <a:r>
-              <a:rPr lang="ca-ES" altLang="ca-ES" sz="2400" u="none" dirty="0">
-                <a:solidFill>
-                  <a:srgbClr val="DFA5D4"/>
-                </a:solidFill>
-                <a:latin typeface="Verdana" pitchFamily="34" charset="0"/>
-              </a:rPr>
-              <a:t>TYPE OF TEST</a:t>
-            </a:r>
-          </a:p>
-          <a:p>
-            <a:pPr marL="342900" indent="-342900">
-              <a:spcBef>
-                <a:spcPct val="50000"/>
-              </a:spcBef>
-              <a:buFont typeface="Arial" pitchFamily="34" charset="0"/>
-              <a:buAutoNum type="arabicPeriod"/>
-            </a:pPr>
-            <a:r>
-              <a:rPr lang="ca-ES" altLang="ca-ES" sz="2400" u="none" dirty="0">
-                <a:solidFill>
-                  <a:srgbClr val="DFA5D4"/>
-                </a:solidFill>
-                <a:latin typeface="Verdana" pitchFamily="34" charset="0"/>
-              </a:rPr>
-              <a:t>NORMALITY TEST</a:t>
-            </a:r>
-          </a:p>
-          <a:p>
-            <a:pPr marL="342900" indent="-342900">
-              <a:spcBef>
-                <a:spcPct val="50000"/>
-              </a:spcBef>
-              <a:buFont typeface="Arial" pitchFamily="34" charset="0"/>
-              <a:buAutoNum type="arabicPeriod"/>
-            </a:pPr>
-            <a:r>
-              <a:rPr lang="ca-ES" altLang="ca-ES" sz="2400" b="1" u="none" dirty="0">
-                <a:solidFill>
-                  <a:srgbClr val="990099"/>
-                </a:solidFill>
-                <a:latin typeface="Verdana" pitchFamily="34" charset="0"/>
-              </a:rPr>
-              <a:t>TWO GROUPS </a:t>
-            </a:r>
-            <a:r>
-              <a:rPr lang="ca-ES" altLang="ca-ES" sz="2400" u="none" dirty="0">
-                <a:solidFill>
-                  <a:srgbClr val="990099"/>
-                </a:solidFill>
-                <a:latin typeface="Verdana" pitchFamily="34" charset="0"/>
-              </a:rPr>
-              <a:t>COMPARISON IN INDEPENDENT SAMPLES</a:t>
-            </a:r>
-          </a:p>
-          <a:p>
-            <a:pPr marL="342900" indent="-342900">
-              <a:spcBef>
-                <a:spcPct val="50000"/>
-              </a:spcBef>
-              <a:buFont typeface="Arial" pitchFamily="34" charset="0"/>
-              <a:buAutoNum type="arabicPeriod"/>
-            </a:pPr>
-            <a:r>
-              <a:rPr lang="ca-ES" altLang="ca-ES" sz="2400" b="1" u="none" dirty="0">
-                <a:solidFill>
-                  <a:srgbClr val="DFA5D4"/>
-                </a:solidFill>
-                <a:latin typeface="Verdana" pitchFamily="34" charset="0"/>
-              </a:rPr>
-              <a:t>TWO GROUPS </a:t>
-            </a:r>
-            <a:r>
-              <a:rPr lang="ca-ES" altLang="ca-ES" sz="2400" u="none" dirty="0">
-                <a:solidFill>
-                  <a:srgbClr val="DFA5D4"/>
-                </a:solidFill>
-                <a:latin typeface="Verdana" pitchFamily="34" charset="0"/>
-              </a:rPr>
-              <a:t>COMPARISON IN DEPENDENT SAMPLES</a:t>
-            </a:r>
-          </a:p>
-          <a:p>
-            <a:pPr marL="342900" indent="-342900">
-              <a:spcBef>
-                <a:spcPct val="50000"/>
-              </a:spcBef>
-              <a:buFont typeface="Arial" pitchFamily="34" charset="0"/>
-              <a:buAutoNum type="arabicPeriod"/>
-            </a:pPr>
-            <a:r>
-              <a:rPr lang="ca-ES" altLang="ca-ES" sz="2400" b="1" u="none" dirty="0">
-                <a:solidFill>
-                  <a:srgbClr val="DFA5D4"/>
-                </a:solidFill>
-                <a:latin typeface="Verdana" pitchFamily="34" charset="0"/>
-              </a:rPr>
-              <a:t>MORE THAN TWO GROUPS </a:t>
-            </a:r>
-            <a:r>
-              <a:rPr lang="ca-ES" altLang="ca-ES" sz="2400" u="none" dirty="0">
-                <a:solidFill>
-                  <a:srgbClr val="DFA5D4"/>
-                </a:solidFill>
-                <a:latin typeface="Verdana" pitchFamily="34" charset="0"/>
-              </a:rPr>
-              <a:t>COMPARISON IN INDEPENDENT SAMPLES</a:t>
-            </a:r>
-          </a:p>
-          <a:p>
-            <a:pPr marL="342900" indent="-342900">
-              <a:spcBef>
-                <a:spcPct val="50000"/>
-              </a:spcBef>
-              <a:buFont typeface="Arial" pitchFamily="34" charset="0"/>
-              <a:buAutoNum type="arabicPeriod"/>
-            </a:pPr>
-            <a:r>
-              <a:rPr lang="ca-ES" altLang="ca-ES" sz="2400" b="1" u="none" dirty="0">
-                <a:solidFill>
-                  <a:srgbClr val="DFA5D4"/>
-                </a:solidFill>
-                <a:latin typeface="Verdana" pitchFamily="34" charset="0"/>
-              </a:rPr>
-              <a:t>MORE THAN TWO GROUPS </a:t>
-            </a:r>
-            <a:r>
-              <a:rPr lang="ca-ES" altLang="ca-ES" sz="2400" u="none" dirty="0">
-                <a:solidFill>
-                  <a:srgbClr val="DFA5D4"/>
-                </a:solidFill>
-                <a:latin typeface="Verdana" pitchFamily="34" charset="0"/>
-              </a:rPr>
-              <a:t>COMPARISON IN DEPENDENT SAMPLES</a:t>
-            </a:r>
-          </a:p>
-          <a:p>
-            <a:pPr marL="342900" indent="-342900">
-              <a:spcBef>
-                <a:spcPct val="50000"/>
-              </a:spcBef>
-              <a:buFont typeface="Arial" pitchFamily="34" charset="0"/>
-              <a:buAutoNum type="arabicPeriod"/>
-            </a:pPr>
-            <a:endParaRPr lang="ca-ES" altLang="ca-ES" sz="2400" u="none" dirty="0">
-              <a:solidFill>
-                <a:srgbClr val="DFA5D4"/>
-              </a:solidFill>
-              <a:latin typeface="Verdana" pitchFamily="34" charset="0"/>
-            </a:endParaRPr>
-          </a:p>
-        </p:txBody>
-      </p:sp>
-      <p:sp>
-        <p:nvSpPr>
-          <p:cNvPr id="6147" name="Text Box 12"/>
-          <p:cNvSpPr txBox="1">
-            <a:spLocks noChangeArrowheads="1"/>
-          </p:cNvSpPr>
-          <p:nvPr/>
-        </p:nvSpPr>
-        <p:spPr bwMode="auto">
-          <a:xfrm>
-            <a:off x="1208088" y="1989138"/>
-            <a:ext cx="360362" cy="235642"/>
-          </a:xfrm>
-          <a:prstGeom prst="rect">
-            <a:avLst/>
-          </a:prstGeom>
-          <a:noFill/>
-          <a:ln w="9525">
-            <a:noFill/>
-            <a:miter lim="800000"/>
-            <a:headEnd/>
-            <a:tailEnd/>
-          </a:ln>
-        </p:spPr>
-        <p:txBody>
-          <a:bodyPr>
-            <a:spAutoFit/>
-          </a:bodyPr>
-          <a:lstStyle/>
-          <a:p>
-            <a:pPr>
-              <a:lnSpc>
-                <a:spcPct val="50000"/>
-              </a:lnSpc>
-              <a:spcBef>
-                <a:spcPct val="50000"/>
-              </a:spcBef>
-            </a:pPr>
-            <a:r>
-              <a:rPr lang="ca-ES" altLang="ca-ES" sz="1700" b="1" u="none">
-                <a:solidFill>
-                  <a:schemeClr val="bg1"/>
-                </a:solidFill>
-                <a:latin typeface="Verdana" pitchFamily="34" charset="0"/>
-              </a:rPr>
-              <a:t>3</a:t>
-            </a:r>
-            <a:endParaRPr lang="es-ES_tradnl" altLang="ca-ES" sz="1700" u="none">
-              <a:solidFill>
-                <a:schemeClr val="bg1"/>
-              </a:solidFill>
-              <a:latin typeface="Verdana" pitchFamily="34" charset="0"/>
-            </a:endParaRPr>
-          </a:p>
-        </p:txBody>
-      </p:sp>
-      <p:sp>
-        <p:nvSpPr>
-          <p:cNvPr id="6148" name="Text Box 20"/>
-          <p:cNvSpPr txBox="1">
-            <a:spLocks noChangeArrowheads="1"/>
-          </p:cNvSpPr>
-          <p:nvPr/>
-        </p:nvSpPr>
-        <p:spPr bwMode="auto">
-          <a:xfrm>
-            <a:off x="1193800" y="2854325"/>
-            <a:ext cx="360363" cy="235642"/>
-          </a:xfrm>
-          <a:prstGeom prst="rect">
-            <a:avLst/>
-          </a:prstGeom>
-          <a:noFill/>
-          <a:ln w="9525">
-            <a:noFill/>
-            <a:miter lim="800000"/>
-            <a:headEnd/>
-            <a:tailEnd/>
-          </a:ln>
-        </p:spPr>
-        <p:txBody>
-          <a:bodyPr>
-            <a:spAutoFit/>
-          </a:bodyPr>
-          <a:lstStyle/>
-          <a:p>
-            <a:pPr>
-              <a:lnSpc>
-                <a:spcPct val="50000"/>
-              </a:lnSpc>
-              <a:spcBef>
-                <a:spcPct val="50000"/>
-              </a:spcBef>
-            </a:pPr>
-            <a:r>
-              <a:rPr lang="ca-ES" altLang="ca-ES" sz="1700" b="1" u="none" dirty="0">
-                <a:solidFill>
-                  <a:schemeClr val="bg1"/>
-                </a:solidFill>
-                <a:latin typeface="Verdana" pitchFamily="34" charset="0"/>
-              </a:rPr>
-              <a:t>5</a:t>
-            </a:r>
-            <a:endParaRPr lang="es-ES_tradnl" altLang="ca-ES" sz="1700" b="1" u="none" dirty="0">
-              <a:solidFill>
-                <a:schemeClr val="bg1"/>
-              </a:solidFill>
-              <a:latin typeface="Verdana" pitchFamily="34" charset="0"/>
-            </a:endParaRPr>
-          </a:p>
-        </p:txBody>
-      </p:sp>
-      <p:sp>
-        <p:nvSpPr>
-          <p:cNvPr id="6149" name="16 CuadroTexto"/>
-          <p:cNvSpPr txBox="1">
-            <a:spLocks noChangeArrowheads="1"/>
-          </p:cNvSpPr>
-          <p:nvPr/>
-        </p:nvSpPr>
-        <p:spPr bwMode="auto">
-          <a:xfrm>
-            <a:off x="2597150" y="285750"/>
-            <a:ext cx="3651250" cy="584200"/>
-          </a:xfrm>
-          <a:prstGeom prst="rect">
-            <a:avLst/>
-          </a:prstGeom>
-          <a:noFill/>
-          <a:ln w="9525">
-            <a:noFill/>
-            <a:miter lim="800000"/>
-            <a:headEnd/>
-            <a:tailEnd/>
-          </a:ln>
-        </p:spPr>
-        <p:txBody>
-          <a:bodyPr>
-            <a:spAutoFit/>
-          </a:bodyPr>
-          <a:lstStyle/>
-          <a:p>
-            <a:r>
-              <a:rPr lang="es-ES" altLang="ca-ES" sz="3200" u="none" dirty="0">
-                <a:solidFill>
-                  <a:schemeClr val="tx2"/>
-                </a:solidFill>
-                <a:latin typeface="Verdana" pitchFamily="34" charset="0"/>
-              </a:rPr>
-              <a:t>Syllabus</a:t>
-            </a:r>
-            <a:endParaRPr lang="ca-ES" altLang="ca-ES" sz="3200" u="none" dirty="0">
-              <a:solidFill>
-                <a:schemeClr val="tx2"/>
-              </a:solidFill>
-              <a:latin typeface="Verdana" pitchFamily="34" charset="0"/>
-            </a:endParaRPr>
-          </a:p>
-        </p:txBody>
-      </p:sp>
-    </p:spTree>
-    <p:extLst>
-      <p:ext uri="{BB962C8B-B14F-4D97-AF65-F5344CB8AC3E}">
-        <p14:creationId xmlns:p14="http://schemas.microsoft.com/office/powerpoint/2010/main" val="962471319"/>
       </p:ext>
     </p:extLst>
   </p:cSld>
@@ -9226,7 +9251,7 @@
         <p:spPr bwMode="auto">
           <a:xfrm>
             <a:off x="992188" y="1052513"/>
-            <a:ext cx="7847012" cy="5816977"/>
+            <a:ext cx="8353300" cy="6001643"/>
           </a:xfrm>
           <a:prstGeom prst="rect">
             <a:avLst/>
@@ -9240,7 +9265,7 @@
           </a:ln>
         </p:spPr>
         <p:txBody>
-          <a:bodyPr>
+          <a:bodyPr wrap="square">
             <a:spAutoFit/>
           </a:bodyPr>
           <a:lstStyle/>
@@ -9319,7 +9344,7 @@
                 </a:solidFill>
                 <a:latin typeface="Verdana" pitchFamily="34" charset="0"/>
               </a:rPr>
-              <a:t>TWO GROUPS </a:t>
+              <a:t>ONE GROUP </a:t>
             </a:r>
             <a:r>
               <a:rPr lang="ca-ES" altLang="ca-ES" sz="2400" u="none" dirty="0">
@@ -9328,7 +9353,7 @@
                 </a:solidFill>
                 <a:latin typeface="Verdana" pitchFamily="34" charset="0"/>
               </a:rPr>
-              <a:t>COMPARISON IN INDEPENDENT SAMPLES</a:t>
+              <a:t>COMPARISON</a:t>
             </a:r>
           </a:p>
           <a:p>
@@ -9355,7 +9380,7 @@
                 </a:solidFill>
                 <a:latin typeface="Verdana" pitchFamily="34" charset="0"/>
               </a:rPr>
-              <a:t>COMPARISON IN DEPENDENT SAMPLES</a:t>
+              <a:t>COMPARISON IN INDEPENDENT SAMPLES</a:t>
             </a:r>
           </a:p>
           <a:p>
@@ -9373,7 +9398,7 @@
                 </a:solidFill>
                 <a:latin typeface="Verdana" pitchFamily="34" charset="0"/>
               </a:rPr>
-              <a:t>MORE THAN TWO GROUPS </a:t>
+              <a:t>TWO GROUPS </a:t>
             </a:r>
             <a:r>
               <a:rPr lang="ca-ES" altLang="ca-ES" sz="2400" u="none" dirty="0">
@@ -9382,7 +9407,7 @@
                 </a:solidFill>
                 <a:latin typeface="Verdana" pitchFamily="34" charset="0"/>
               </a:rPr>
-              <a:t>COMPARISON IN INDEPENDENT SAMPLES</a:t>
+              <a:t>COMPARISON IN DEPENDENT SAMPLES</a:t>
             </a:r>
           </a:p>
           <a:p>
@@ -9409,7 +9434,7 @@
                 </a:solidFill>
                 <a:latin typeface="Verdana" pitchFamily="34" charset="0"/>
               </a:rPr>
-              <a:t>COMPARISON IN DEPENDENT SAMPLES</a:t>
+              <a:t>COMPARISON IN INDEPENDENT SAMPLES</a:t>
             </a:r>
           </a:p>
           <a:p>
@@ -9419,6 +9444,100 @@
               </a:spcBef>
               <a:buFont typeface="Arial" pitchFamily="34" charset="0"/>
               <a:buAutoNum type="arabicPeriod"/>
+            </a:pPr>
+            <a:r>
+              <a:rPr lang="ca-ES" altLang="ca-ES" sz="2400" u="none" cap="all" dirty="0" err="1">
+                <a:solidFill>
+                  <a:srgbClr val="993489"/>
+                </a:solidFill>
+                <a:latin typeface="Verdana" pitchFamily="34" charset="0"/>
+              </a:rPr>
+              <a:t>Multiple</a:t>
+            </a:r>
+            <a:r>
+              <a:rPr lang="ca-ES" altLang="ca-ES" sz="2400" u="none" cap="all" dirty="0">
+                <a:solidFill>
+                  <a:srgbClr val="993489"/>
+                </a:solidFill>
+                <a:latin typeface="Verdana" pitchFamily="34" charset="0"/>
+              </a:rPr>
+              <a:t> </a:t>
+            </a:r>
+            <a:r>
+              <a:rPr lang="ca-ES" altLang="ca-ES" sz="2400" u="none" cap="all" dirty="0" err="1">
+                <a:solidFill>
+                  <a:srgbClr val="993489"/>
+                </a:solidFill>
+                <a:latin typeface="Verdana" pitchFamily="34" charset="0"/>
+              </a:rPr>
+              <a:t>comparisons</a:t>
+            </a:r>
+            <a:r>
+              <a:rPr lang="ca-ES" altLang="ca-ES" sz="2400" u="none" cap="all" dirty="0">
+                <a:solidFill>
+                  <a:srgbClr val="993489"/>
+                </a:solidFill>
+                <a:latin typeface="Verdana" pitchFamily="34" charset="0"/>
+              </a:rPr>
+              <a:t> </a:t>
+            </a:r>
+            <a:r>
+              <a:rPr lang="ca-ES" altLang="ca-ES" sz="2400" u="none" cap="all" dirty="0" err="1">
+                <a:solidFill>
+                  <a:srgbClr val="993489"/>
+                </a:solidFill>
+                <a:latin typeface="Verdana" pitchFamily="34" charset="0"/>
+              </a:rPr>
+              <a:t>and</a:t>
+            </a:r>
+            <a:r>
+              <a:rPr lang="ca-ES" altLang="ca-ES" sz="2400" u="none" cap="all" dirty="0">
+                <a:solidFill>
+                  <a:srgbClr val="993489"/>
+                </a:solidFill>
+                <a:latin typeface="Verdana" pitchFamily="34" charset="0"/>
+              </a:rPr>
+              <a:t> </a:t>
+            </a:r>
+            <a:r>
+              <a:rPr lang="ca-ES" altLang="ca-ES" sz="2400" u="none" cap="all" dirty="0" err="1">
+                <a:solidFill>
+                  <a:srgbClr val="993489"/>
+                </a:solidFill>
+                <a:latin typeface="Verdana" pitchFamily="34" charset="0"/>
+              </a:rPr>
+              <a:t>mUltiple</a:t>
+            </a:r>
+            <a:r>
+              <a:rPr lang="ca-ES" altLang="ca-ES" sz="2400" u="none" cap="all" dirty="0">
+                <a:solidFill>
+                  <a:srgbClr val="993489"/>
+                </a:solidFill>
+                <a:latin typeface="Verdana" pitchFamily="34" charset="0"/>
+              </a:rPr>
+              <a:t> </a:t>
+            </a:r>
+            <a:r>
+              <a:rPr lang="ca-ES" altLang="ca-ES" sz="2400" u="none" cap="all" dirty="0" err="1">
+                <a:solidFill>
+                  <a:srgbClr val="993489"/>
+                </a:solidFill>
+                <a:latin typeface="Verdana" pitchFamily="34" charset="0"/>
+              </a:rPr>
+              <a:t>testing</a:t>
+            </a:r>
+            <a:endParaRPr lang="ca-ES" altLang="ca-ES" sz="2400" u="none" cap="all" dirty="0">
+              <a:solidFill>
+                <a:srgbClr val="993489"/>
+              </a:solidFill>
+              <a:latin typeface="Verdana" pitchFamily="34" charset="0"/>
+            </a:endParaRPr>
+          </a:p>
+          <a:p>
+            <a:pPr>
+              <a:spcBef>
+                <a:spcPct val="50000"/>
+              </a:spcBef>
             </a:pPr>
             <a:endParaRPr lang="ca-ES" altLang="ca-ES" sz="2400" u="none" dirty="0">
               <a:solidFill>
@@ -9603,6 +9722,428 @@
 </file>
 
 <file path=ppt/slides/slide20.xml><?xml version="1.0" encoding="utf-8"?>
+<p:sld xmlns:a="http://schemas.openxmlformats.org/drawingml/2006/main" xmlns:r="http://schemas.openxmlformats.org/officeDocument/2006/relationships" xmlns:p="http://schemas.openxmlformats.org/presentationml/2006/main">
+  <p:cSld>
+    <p:spTree>
+      <p:nvGrpSpPr>
+        <p:cNvPr id="1" name=""/>
+        <p:cNvGrpSpPr/>
+        <p:nvPr/>
+      </p:nvGrpSpPr>
+      <p:grpSpPr>
+        <a:xfrm>
+          <a:off x="0" y="0"/>
+          <a:ext cx="0" cy="0"/>
+          <a:chOff x="0" y="0"/>
+          <a:chExt cx="0" cy="0"/>
+        </a:xfrm>
+      </p:grpSpPr>
+      <p:sp>
+        <p:nvSpPr>
+          <p:cNvPr id="6146" name="Text Box 5"/>
+          <p:cNvSpPr txBox="1">
+            <a:spLocks noChangeArrowheads="1"/>
+          </p:cNvSpPr>
+          <p:nvPr/>
+        </p:nvSpPr>
+        <p:spPr bwMode="auto">
+          <a:xfrm>
+            <a:off x="992560" y="1050326"/>
+            <a:ext cx="8496944" cy="6001643"/>
+          </a:xfrm>
+          <a:prstGeom prst="rect">
+            <a:avLst/>
+          </a:prstGeom>
+          <a:noFill/>
+          <a:ln w="9525">
+            <a:noFill/>
+            <a:miter lim="800000"/>
+            <a:headEnd/>
+            <a:tailEnd/>
+          </a:ln>
+        </p:spPr>
+        <p:txBody>
+          <a:bodyPr wrap="square">
+            <a:spAutoFit/>
+          </a:bodyPr>
+          <a:lstStyle/>
+          <a:p>
+            <a:pPr marL="342900" indent="-342900">
+              <a:spcBef>
+                <a:spcPct val="50000"/>
+              </a:spcBef>
+              <a:buFont typeface="Arial" pitchFamily="34" charset="0"/>
+              <a:buAutoNum type="arabicPeriod"/>
+            </a:pPr>
+            <a:r>
+              <a:rPr lang="ca-ES" altLang="ca-ES" sz="2400" u="none" dirty="0">
+                <a:solidFill>
+                  <a:srgbClr val="DFA5D4"/>
+                </a:solidFill>
+                <a:latin typeface="Verdana" pitchFamily="34" charset="0"/>
+              </a:rPr>
+              <a:t>INTRODUCTION</a:t>
+            </a:r>
+            <a:endParaRPr lang="es-ES_tradnl" altLang="ca-ES" sz="2400" u="none" dirty="0">
+              <a:solidFill>
+                <a:srgbClr val="DFA5D4"/>
+              </a:solidFill>
+              <a:latin typeface="Verdana" pitchFamily="34" charset="0"/>
+            </a:endParaRPr>
+          </a:p>
+          <a:p>
+            <a:pPr marL="342900" indent="-342900">
+              <a:spcBef>
+                <a:spcPct val="50000"/>
+              </a:spcBef>
+              <a:buFont typeface="Arial" pitchFamily="34" charset="0"/>
+              <a:buAutoNum type="arabicPeriod"/>
+            </a:pPr>
+            <a:r>
+              <a:rPr lang="ca-ES" altLang="ca-ES" sz="2400" u="none" dirty="0">
+                <a:solidFill>
+                  <a:srgbClr val="DFA5D4"/>
+                </a:solidFill>
+                <a:latin typeface="Verdana" pitchFamily="34" charset="0"/>
+              </a:rPr>
+              <a:t>TYPE OF TEST</a:t>
+            </a:r>
+          </a:p>
+          <a:p>
+            <a:pPr marL="342900" indent="-342900">
+              <a:spcBef>
+                <a:spcPct val="50000"/>
+              </a:spcBef>
+              <a:buFont typeface="Arial" pitchFamily="34" charset="0"/>
+              <a:buAutoNum type="arabicPeriod"/>
+            </a:pPr>
+            <a:r>
+              <a:rPr lang="ca-ES" altLang="ca-ES" sz="2400" u="none" dirty="0">
+                <a:solidFill>
+                  <a:srgbClr val="DFA5D4"/>
+                </a:solidFill>
+                <a:latin typeface="Verdana" pitchFamily="34" charset="0"/>
+              </a:rPr>
+              <a:t>NORMALITY TEST</a:t>
+            </a:r>
+          </a:p>
+          <a:p>
+            <a:pPr marL="342900" indent="-342900">
+              <a:spcBef>
+                <a:spcPct val="50000"/>
+              </a:spcBef>
+              <a:buFont typeface="Arial" pitchFamily="34" charset="0"/>
+              <a:buAutoNum type="arabicPeriod"/>
+            </a:pPr>
+            <a:r>
+              <a:rPr lang="ca-ES" altLang="ca-ES" sz="2400" b="1" u="none" dirty="0">
+                <a:solidFill>
+                  <a:srgbClr val="DFA5D4"/>
+                </a:solidFill>
+                <a:latin typeface="Verdana" pitchFamily="34" charset="0"/>
+              </a:rPr>
+              <a:t>ONE GROUP </a:t>
+            </a:r>
+            <a:r>
+              <a:rPr lang="ca-ES" altLang="ca-ES" sz="2400" u="none" dirty="0">
+                <a:solidFill>
+                  <a:srgbClr val="DFA5D4"/>
+                </a:solidFill>
+                <a:latin typeface="Verdana" pitchFamily="34" charset="0"/>
+              </a:rPr>
+              <a:t>COMPARISON</a:t>
+            </a:r>
+          </a:p>
+          <a:p>
+            <a:pPr marL="342900" indent="-342900">
+              <a:spcBef>
+                <a:spcPct val="50000"/>
+              </a:spcBef>
+              <a:buFont typeface="Arial" pitchFamily="34" charset="0"/>
+              <a:buAutoNum type="arabicPeriod"/>
+            </a:pPr>
+            <a:r>
+              <a:rPr lang="ca-ES" altLang="ca-ES" sz="2400" b="1" u="none" dirty="0">
+                <a:solidFill>
+                  <a:srgbClr val="990099"/>
+                </a:solidFill>
+                <a:latin typeface="Verdana" pitchFamily="34" charset="0"/>
+              </a:rPr>
+              <a:t>TWO GROUPS </a:t>
+            </a:r>
+            <a:r>
+              <a:rPr lang="ca-ES" altLang="ca-ES" sz="2400" u="none" dirty="0">
+                <a:solidFill>
+                  <a:srgbClr val="990099"/>
+                </a:solidFill>
+                <a:latin typeface="Verdana" pitchFamily="34" charset="0"/>
+              </a:rPr>
+              <a:t>COMPARISON IN INDEPENDENT SAMPLES</a:t>
+            </a:r>
+          </a:p>
+          <a:p>
+            <a:pPr marL="342900" indent="-342900">
+              <a:spcBef>
+                <a:spcPct val="50000"/>
+              </a:spcBef>
+              <a:buFont typeface="Arial" pitchFamily="34" charset="0"/>
+              <a:buAutoNum type="arabicPeriod"/>
+            </a:pPr>
+            <a:r>
+              <a:rPr lang="ca-ES" altLang="ca-ES" sz="2400" b="1" u="none" dirty="0">
+                <a:solidFill>
+                  <a:srgbClr val="DFA5D4"/>
+                </a:solidFill>
+                <a:latin typeface="Verdana" pitchFamily="34" charset="0"/>
+              </a:rPr>
+              <a:t>TWO GROUPS </a:t>
+            </a:r>
+            <a:r>
+              <a:rPr lang="ca-ES" altLang="ca-ES" sz="2400" u="none" dirty="0">
+                <a:solidFill>
+                  <a:srgbClr val="DFA5D4"/>
+                </a:solidFill>
+                <a:latin typeface="Verdana" pitchFamily="34" charset="0"/>
+              </a:rPr>
+              <a:t>COMPARISON IN DEPENDENT SAMPLES</a:t>
+            </a:r>
+          </a:p>
+          <a:p>
+            <a:pPr marL="342900" indent="-342900">
+              <a:spcBef>
+                <a:spcPct val="50000"/>
+              </a:spcBef>
+              <a:buFont typeface="Arial" pitchFamily="34" charset="0"/>
+              <a:buAutoNum type="arabicPeriod"/>
+            </a:pPr>
+            <a:r>
+              <a:rPr lang="ca-ES" altLang="ca-ES" sz="2400" b="1" u="none" dirty="0">
+                <a:solidFill>
+                  <a:srgbClr val="DFA5D4"/>
+                </a:solidFill>
+                <a:latin typeface="Verdana" pitchFamily="34" charset="0"/>
+              </a:rPr>
+              <a:t>MORE THAN TWO GROUPS </a:t>
+            </a:r>
+            <a:r>
+              <a:rPr lang="ca-ES" altLang="ca-ES" sz="2400" u="none" dirty="0">
+                <a:solidFill>
+                  <a:srgbClr val="DFA5D4"/>
+                </a:solidFill>
+                <a:latin typeface="Verdana" pitchFamily="34" charset="0"/>
+              </a:rPr>
+              <a:t>COMPARISON IN INDEPENDENT SAMPLES</a:t>
+            </a:r>
+          </a:p>
+          <a:p>
+            <a:pPr marL="342900" indent="-342900">
+              <a:spcBef>
+                <a:spcPct val="50000"/>
+              </a:spcBef>
+              <a:buFont typeface="Arial" pitchFamily="34" charset="0"/>
+              <a:buAutoNum type="arabicPeriod"/>
+            </a:pPr>
+            <a:r>
+              <a:rPr lang="ca-ES" altLang="ca-ES" sz="2400" u="none" dirty="0">
+                <a:solidFill>
+                  <a:srgbClr val="DFA5D4"/>
+                </a:solidFill>
+                <a:latin typeface="Verdana" pitchFamily="34" charset="0"/>
+              </a:rPr>
+              <a:t>MULTIPLE COMPARISONS AND MULTIPLE TESTING</a:t>
+            </a:r>
+          </a:p>
+          <a:p>
+            <a:pPr marL="342900" indent="-342900">
+              <a:spcBef>
+                <a:spcPct val="50000"/>
+              </a:spcBef>
+              <a:buFont typeface="Arial" pitchFamily="34" charset="0"/>
+              <a:buAutoNum type="arabicPeriod"/>
+            </a:pPr>
+            <a:endParaRPr lang="ca-ES" altLang="ca-ES" sz="2400" u="none" dirty="0">
+              <a:solidFill>
+                <a:srgbClr val="DFA5D4"/>
+              </a:solidFill>
+              <a:latin typeface="Verdana" pitchFamily="34" charset="0"/>
+            </a:endParaRPr>
+          </a:p>
+        </p:txBody>
+      </p:sp>
+      <p:sp>
+        <p:nvSpPr>
+          <p:cNvPr id="6147" name="Text Box 12"/>
+          <p:cNvSpPr txBox="1">
+            <a:spLocks noChangeArrowheads="1"/>
+          </p:cNvSpPr>
+          <p:nvPr/>
+        </p:nvSpPr>
+        <p:spPr bwMode="auto">
+          <a:xfrm>
+            <a:off x="1208088" y="1989138"/>
+            <a:ext cx="360362" cy="235642"/>
+          </a:xfrm>
+          <a:prstGeom prst="rect">
+            <a:avLst/>
+          </a:prstGeom>
+          <a:noFill/>
+          <a:ln w="9525">
+            <a:noFill/>
+            <a:miter lim="800000"/>
+            <a:headEnd/>
+            <a:tailEnd/>
+          </a:ln>
+        </p:spPr>
+        <p:txBody>
+          <a:bodyPr>
+            <a:spAutoFit/>
+          </a:bodyPr>
+          <a:lstStyle/>
+          <a:p>
+            <a:pPr>
+              <a:lnSpc>
+                <a:spcPct val="50000"/>
+              </a:lnSpc>
+              <a:spcBef>
+                <a:spcPct val="50000"/>
+              </a:spcBef>
+            </a:pPr>
+            <a:r>
+              <a:rPr lang="ca-ES" altLang="ca-ES" sz="1700" b="1" u="none">
+                <a:solidFill>
+                  <a:schemeClr val="bg1"/>
+                </a:solidFill>
+                <a:latin typeface="Verdana" pitchFamily="34" charset="0"/>
+              </a:rPr>
+              <a:t>3</a:t>
+            </a:r>
+            <a:endParaRPr lang="es-ES_tradnl" altLang="ca-ES" sz="1700" u="none">
+              <a:solidFill>
+                <a:schemeClr val="bg1"/>
+              </a:solidFill>
+              <a:latin typeface="Verdana" pitchFamily="34" charset="0"/>
+            </a:endParaRPr>
+          </a:p>
+        </p:txBody>
+      </p:sp>
+      <p:sp>
+        <p:nvSpPr>
+          <p:cNvPr id="6148" name="Text Box 20"/>
+          <p:cNvSpPr txBox="1">
+            <a:spLocks noChangeArrowheads="1"/>
+          </p:cNvSpPr>
+          <p:nvPr/>
+        </p:nvSpPr>
+        <p:spPr bwMode="auto">
+          <a:xfrm>
+            <a:off x="1193800" y="2854325"/>
+            <a:ext cx="360363" cy="235642"/>
+          </a:xfrm>
+          <a:prstGeom prst="rect">
+            <a:avLst/>
+          </a:prstGeom>
+          <a:noFill/>
+          <a:ln w="9525">
+            <a:noFill/>
+            <a:miter lim="800000"/>
+            <a:headEnd/>
+            <a:tailEnd/>
+          </a:ln>
+        </p:spPr>
+        <p:txBody>
+          <a:bodyPr>
+            <a:spAutoFit/>
+          </a:bodyPr>
+          <a:lstStyle/>
+          <a:p>
+            <a:pPr>
+              <a:lnSpc>
+                <a:spcPct val="50000"/>
+              </a:lnSpc>
+              <a:spcBef>
+                <a:spcPct val="50000"/>
+              </a:spcBef>
+            </a:pPr>
+            <a:r>
+              <a:rPr lang="ca-ES" altLang="ca-ES" sz="1700" b="1" u="none" dirty="0">
+                <a:solidFill>
+                  <a:schemeClr val="bg1"/>
+                </a:solidFill>
+                <a:latin typeface="Verdana" pitchFamily="34" charset="0"/>
+              </a:rPr>
+              <a:t>5</a:t>
+            </a:r>
+            <a:endParaRPr lang="es-ES_tradnl" altLang="ca-ES" sz="1700" b="1" u="none" dirty="0">
+              <a:solidFill>
+                <a:schemeClr val="bg1"/>
+              </a:solidFill>
+              <a:latin typeface="Verdana" pitchFamily="34" charset="0"/>
+            </a:endParaRPr>
+          </a:p>
+        </p:txBody>
+      </p:sp>
+      <p:sp>
+        <p:nvSpPr>
+          <p:cNvPr id="6149" name="16 CuadroTexto"/>
+          <p:cNvSpPr txBox="1">
+            <a:spLocks noChangeArrowheads="1"/>
+          </p:cNvSpPr>
+          <p:nvPr/>
+        </p:nvSpPr>
+        <p:spPr bwMode="auto">
+          <a:xfrm>
+            <a:off x="2597150" y="285750"/>
+            <a:ext cx="3651250" cy="584200"/>
+          </a:xfrm>
+          <a:prstGeom prst="rect">
+            <a:avLst/>
+          </a:prstGeom>
+          <a:noFill/>
+          <a:ln w="9525">
+            <a:noFill/>
+            <a:miter lim="800000"/>
+            <a:headEnd/>
+            <a:tailEnd/>
+          </a:ln>
+        </p:spPr>
+        <p:txBody>
+          <a:bodyPr>
+            <a:spAutoFit/>
+          </a:bodyPr>
+          <a:lstStyle/>
+          <a:p>
+            <a:r>
+              <a:rPr lang="es-ES" altLang="ca-ES" sz="3200" u="none" dirty="0">
+                <a:solidFill>
+                  <a:schemeClr val="tx2"/>
+                </a:solidFill>
+                <a:latin typeface="Verdana" pitchFamily="34" charset="0"/>
+              </a:rPr>
+              <a:t>Syllabus</a:t>
+            </a:r>
+            <a:endParaRPr lang="ca-ES" altLang="ca-ES" sz="3200" u="none" dirty="0">
+              <a:solidFill>
+                <a:schemeClr val="tx2"/>
+              </a:solidFill>
+              <a:latin typeface="Verdana" pitchFamily="34" charset="0"/>
+            </a:endParaRPr>
+          </a:p>
+        </p:txBody>
+      </p:sp>
+    </p:spTree>
+    <p:extLst>
+      <p:ext uri="{BB962C8B-B14F-4D97-AF65-F5344CB8AC3E}">
+        <p14:creationId xmlns:p14="http://schemas.microsoft.com/office/powerpoint/2010/main" val="962471319"/>
+      </p:ext>
+    </p:extLst>
+  </p:cSld>
+  <p:clrMapOvr>
+    <a:masterClrMapping/>
+  </p:clrMapOvr>
+</p:sld>
+</file>
+
+<file path=ppt/slides/slide21.xml><?xml version="1.0" encoding="utf-8"?>
 <p:sld xmlns:a="http://schemas.openxmlformats.org/drawingml/2006/main" xmlns:r="http://schemas.openxmlformats.org/officeDocument/2006/relationships" xmlns:p="http://schemas.openxmlformats.org/presentationml/2006/main">
   <p:cSld>
     <p:spTree>
@@ -9813,7 +10354,7 @@
 </p:sld>
 </file>
 
-<file path=ppt/slides/slide21.xml><?xml version="1.0" encoding="utf-8"?>
+<file path=ppt/slides/slide22.xml><?xml version="1.0" encoding="utf-8"?>
 <p:sld xmlns:a="http://schemas.openxmlformats.org/drawingml/2006/main" xmlns:r="http://schemas.openxmlformats.org/officeDocument/2006/relationships" xmlns:p="http://schemas.openxmlformats.org/presentationml/2006/main">
   <p:cSld>
     <p:spTree>
@@ -9949,7 +10490,7 @@
 </p:sld>
 </file>
 
-<file path=ppt/slides/slide22.xml><?xml version="1.0" encoding="utf-8"?>
+<file path=ppt/slides/slide23.xml><?xml version="1.0" encoding="utf-8"?>
 <p:sld xmlns:a="http://schemas.openxmlformats.org/drawingml/2006/main" xmlns:r="http://schemas.openxmlformats.org/officeDocument/2006/relationships" xmlns:p="http://schemas.openxmlformats.org/presentationml/2006/main">
   <p:cSld>
     <p:spTree>
@@ -11163,7 +11704,7 @@
 </p:sld>
 </file>
 
-<file path=ppt/slides/slide23.xml><?xml version="1.0" encoding="utf-8"?>
+<file path=ppt/slides/slide24.xml><?xml version="1.0" encoding="utf-8"?>
 <p:sld xmlns:a="http://schemas.openxmlformats.org/drawingml/2006/main" xmlns:r="http://schemas.openxmlformats.org/officeDocument/2006/relationships" xmlns:p="http://schemas.openxmlformats.org/presentationml/2006/main">
   <p:cSld>
     <p:spTree>
@@ -11206,7 +11747,7 @@
             <a:fld id="{E73E0CC2-FC77-4699-94A5-4854562D3B63}" type="slidenum">
               <a:rPr lang="ca-ES" u="none"/>
               <a:pPr/>
-              <a:t>23</a:t>
+              <a:t>24</a:t>
             </a:fld>
             <a:endParaRPr lang="ca-ES" u="none"/>
           </a:p>
@@ -13183,7 +13724,7 @@
 </p:sld>
 </file>
 
-<file path=ppt/slides/slide24.xml><?xml version="1.0" encoding="utf-8"?>
+<file path=ppt/slides/slide25.xml><?xml version="1.0" encoding="utf-8"?>
 <p:sld xmlns:a="http://schemas.openxmlformats.org/drawingml/2006/main" xmlns:r="http://schemas.openxmlformats.org/officeDocument/2006/relationships" xmlns:p="http://schemas.openxmlformats.org/presentationml/2006/main">
   <p:cSld>
     <p:spTree>
@@ -14916,7 +15457,7 @@
 </p:sld>
 </file>
 
-<file path=ppt/slides/slide25.xml><?xml version="1.0" encoding="utf-8"?>
+<file path=ppt/slides/slide26.xml><?xml version="1.0" encoding="utf-8"?>
 <p:sld xmlns:a="http://schemas.openxmlformats.org/drawingml/2006/main" xmlns:r="http://schemas.openxmlformats.org/officeDocument/2006/relationships" xmlns:p="http://schemas.openxmlformats.org/presentationml/2006/main">
   <p:cSld>
     <p:spTree>
@@ -15057,7 +15598,7 @@
 </p:sld>
 </file>
 
-<file path=ppt/slides/slide26.xml><?xml version="1.0" encoding="utf-8"?>
+<file path=ppt/slides/slide27.xml><?xml version="1.0" encoding="utf-8"?>
 <p:sld xmlns:a="http://schemas.openxmlformats.org/drawingml/2006/main" xmlns:r="http://schemas.openxmlformats.org/officeDocument/2006/relationships" xmlns:p="http://schemas.openxmlformats.org/presentationml/2006/main">
   <p:cSld>
     <p:spTree>
@@ -15330,7 +15871,7 @@
 </p:sld>
 </file>
 
-<file path=ppt/slides/slide27.xml><?xml version="1.0" encoding="utf-8"?>
+<file path=ppt/slides/slide28.xml><?xml version="1.0" encoding="utf-8"?>
 <p:sld xmlns:a="http://schemas.openxmlformats.org/drawingml/2006/main" xmlns:r="http://schemas.openxmlformats.org/officeDocument/2006/relationships" xmlns:p="http://schemas.openxmlformats.org/presentationml/2006/main">
   <p:cSld>
     <p:spTree>
@@ -15507,7 +16048,7 @@
 </p:sld>
 </file>
 
-<file path=ppt/slides/slide28.xml><?xml version="1.0" encoding="utf-8"?>
+<file path=ppt/slides/slide29.xml><?xml version="1.0" encoding="utf-8"?>
 <p:sld xmlns:a="http://schemas.openxmlformats.org/drawingml/2006/main" xmlns:r="http://schemas.openxmlformats.org/officeDocument/2006/relationships" xmlns:p="http://schemas.openxmlformats.org/presentationml/2006/main">
   <p:cSld>
     <p:spTree>
@@ -15801,7 +16342,471 @@
 </p:sld>
 </file>
 
-<file path=ppt/slides/slide29.xml><?xml version="1.0" encoding="utf-8"?>
+<file path=ppt/slides/slide3.xml><?xml version="1.0" encoding="utf-8"?>
+<p:sld xmlns:a="http://schemas.openxmlformats.org/drawingml/2006/main" xmlns:r="http://schemas.openxmlformats.org/officeDocument/2006/relationships" xmlns:p="http://schemas.openxmlformats.org/presentationml/2006/main">
+  <p:cSld>
+    <p:spTree>
+      <p:nvGrpSpPr>
+        <p:cNvPr id="1" name=""/>
+        <p:cNvGrpSpPr/>
+        <p:nvPr/>
+      </p:nvGrpSpPr>
+      <p:grpSpPr>
+        <a:xfrm>
+          <a:off x="0" y="0"/>
+          <a:ext cx="0" cy="0"/>
+          <a:chOff x="0" y="0"/>
+          <a:chExt cx="0" cy="0"/>
+        </a:xfrm>
+      </p:grpSpPr>
+      <p:sp>
+        <p:nvSpPr>
+          <p:cNvPr id="2" name="1 Marcador de contenido"/>
+          <p:cNvSpPr>
+            <a:spLocks noGrp="1"/>
+          </p:cNvSpPr>
+          <p:nvPr>
+            <p:ph idx="1"/>
+          </p:nvPr>
+        </p:nvSpPr>
+        <p:spPr>
+          <a:xfrm>
+            <a:off x="488504" y="1166018"/>
+            <a:ext cx="8915400" cy="4525963"/>
+          </a:xfrm>
+        </p:spPr>
+        <p:txBody>
+          <a:bodyPr/>
+          <a:lstStyle/>
+          <a:p>
+            <a:pPr algn="just">
+              <a:spcBef>
+                <a:spcPts val="0"/>
+              </a:spcBef>
+              <a:spcAft>
+                <a:spcPts val="0"/>
+              </a:spcAft>
+            </a:pPr>
+            <a:r>
+              <a:rPr lang="ca-ES" sz="2000" dirty="0">
+                <a:cs typeface="Times New Roman" pitchFamily="18" charset="0"/>
+              </a:rPr>
+              <a:t>A </a:t>
+            </a:r>
+            <a:r>
+              <a:rPr lang="ca-ES" sz="2000" dirty="0" err="1">
+                <a:cs typeface="Times New Roman" pitchFamily="18" charset="0"/>
+              </a:rPr>
+              <a:t>study</a:t>
+            </a:r>
+            <a:r>
+              <a:rPr lang="ca-ES" sz="2000" dirty="0">
+                <a:cs typeface="Times New Roman" pitchFamily="18" charset="0"/>
+              </a:rPr>
+              <a:t> </a:t>
+            </a:r>
+            <a:r>
+              <a:rPr lang="ca-ES" sz="2000" dirty="0" err="1">
+                <a:cs typeface="Times New Roman" pitchFamily="18" charset="0"/>
+              </a:rPr>
+              <a:t>was</a:t>
+            </a:r>
+            <a:r>
+              <a:rPr lang="ca-ES" sz="2000" dirty="0">
+                <a:cs typeface="Times New Roman" pitchFamily="18" charset="0"/>
+              </a:rPr>
+              <a:t> </a:t>
+            </a:r>
+            <a:r>
+              <a:rPr lang="ca-ES" sz="2000" dirty="0" err="1">
+                <a:cs typeface="Times New Roman" pitchFamily="18" charset="0"/>
+              </a:rPr>
+              <a:t>designed</a:t>
+            </a:r>
+            <a:r>
+              <a:rPr lang="ca-ES" sz="2000" dirty="0">
+                <a:cs typeface="Times New Roman" pitchFamily="18" charset="0"/>
+              </a:rPr>
+              <a:t> to compare </a:t>
+            </a:r>
+            <a:r>
+              <a:rPr lang="ca-ES" sz="2000" dirty="0" err="1">
+                <a:cs typeface="Times New Roman" pitchFamily="18" charset="0"/>
+              </a:rPr>
+              <a:t>two</a:t>
+            </a:r>
+            <a:r>
+              <a:rPr lang="ca-ES" sz="2000" dirty="0">
+                <a:cs typeface="Times New Roman" pitchFamily="18" charset="0"/>
+              </a:rPr>
+              <a:t> </a:t>
+            </a:r>
+            <a:r>
+              <a:rPr lang="ca-ES" sz="2000" dirty="0" err="1">
+                <a:cs typeface="Times New Roman" pitchFamily="18" charset="0"/>
+              </a:rPr>
+              <a:t>distinct</a:t>
+            </a:r>
+            <a:r>
+              <a:rPr lang="ca-ES" sz="2000" dirty="0">
+                <a:cs typeface="Times New Roman" pitchFamily="18" charset="0"/>
+              </a:rPr>
+              <a:t> </a:t>
+            </a:r>
+            <a:r>
+              <a:rPr lang="ca-ES" sz="2000" dirty="0" err="1">
+                <a:cs typeface="Times New Roman" pitchFamily="18" charset="0"/>
+              </a:rPr>
+              <a:t>hypertension</a:t>
+            </a:r>
+            <a:r>
+              <a:rPr lang="ca-ES" sz="2000" dirty="0">
+                <a:cs typeface="Times New Roman" pitchFamily="18" charset="0"/>
+              </a:rPr>
+              <a:t> control </a:t>
+            </a:r>
+            <a:r>
+              <a:rPr lang="ca-ES" sz="2000" dirty="0" err="1">
+                <a:cs typeface="Times New Roman" pitchFamily="18" charset="0"/>
+              </a:rPr>
+              <a:t>programs</a:t>
+            </a:r>
+            <a:r>
+              <a:rPr lang="ca-ES" sz="2000" dirty="0">
+                <a:cs typeface="Times New Roman" pitchFamily="18" charset="0"/>
+              </a:rPr>
+              <a:t>.</a:t>
+            </a:r>
+          </a:p>
+          <a:p>
+            <a:pPr algn="just">
+              <a:spcBef>
+                <a:spcPts val="0"/>
+              </a:spcBef>
+              <a:spcAft>
+                <a:spcPts val="0"/>
+              </a:spcAft>
+            </a:pPr>
+            <a:r>
+              <a:rPr lang="ca-ES" sz="2000" dirty="0">
+                <a:cs typeface="Times New Roman" pitchFamily="18" charset="0"/>
+              </a:rPr>
+              <a:t>60 individuals </a:t>
+            </a:r>
+            <a:r>
+              <a:rPr lang="ca-ES" sz="2000" dirty="0" err="1">
+                <a:cs typeface="Times New Roman" pitchFamily="18" charset="0"/>
+              </a:rPr>
+              <a:t>with</a:t>
+            </a:r>
+            <a:r>
+              <a:rPr lang="ca-ES" sz="2000" dirty="0">
+                <a:cs typeface="Times New Roman" pitchFamily="18" charset="0"/>
+              </a:rPr>
+              <a:t> HTA </a:t>
+            </a:r>
+            <a:r>
+              <a:rPr lang="ca-ES" sz="2000" dirty="0" err="1">
+                <a:cs typeface="Times New Roman" pitchFamily="18" charset="0"/>
+              </a:rPr>
+              <a:t>were</a:t>
+            </a:r>
+            <a:r>
+              <a:rPr lang="ca-ES" sz="2000" dirty="0">
+                <a:cs typeface="Times New Roman" pitchFamily="18" charset="0"/>
+              </a:rPr>
+              <a:t> </a:t>
+            </a:r>
+            <a:r>
+              <a:rPr lang="ca-ES" sz="2000" dirty="0" err="1">
+                <a:cs typeface="Times New Roman" pitchFamily="18" charset="0"/>
+              </a:rPr>
+              <a:t>randomly</a:t>
+            </a:r>
+            <a:r>
+              <a:rPr lang="ca-ES" sz="2000" dirty="0">
+                <a:cs typeface="Times New Roman" pitchFamily="18" charset="0"/>
+              </a:rPr>
+              <a:t> </a:t>
+            </a:r>
+            <a:r>
+              <a:rPr lang="ca-ES" sz="2000" dirty="0" err="1">
+                <a:cs typeface="Times New Roman" pitchFamily="18" charset="0"/>
+              </a:rPr>
+              <a:t>assigned</a:t>
+            </a:r>
+            <a:r>
+              <a:rPr lang="ca-ES" sz="2000" dirty="0">
+                <a:cs typeface="Times New Roman" pitchFamily="18" charset="0"/>
+              </a:rPr>
+              <a:t> to </a:t>
+            </a:r>
+            <a:r>
+              <a:rPr lang="ca-ES" sz="2000" dirty="0" err="1">
+                <a:cs typeface="Times New Roman" pitchFamily="18" charset="0"/>
+              </a:rPr>
+              <a:t>either</a:t>
+            </a:r>
+            <a:r>
+              <a:rPr lang="ca-ES" sz="2000" dirty="0">
+                <a:cs typeface="Times New Roman" pitchFamily="18" charset="0"/>
+              </a:rPr>
+              <a:t> </a:t>
+            </a:r>
+            <a:r>
+              <a:rPr lang="ca-ES" sz="2000" dirty="0" err="1">
+                <a:cs typeface="Times New Roman" pitchFamily="18" charset="0"/>
+              </a:rPr>
+              <a:t>one</a:t>
+            </a:r>
+            <a:r>
+              <a:rPr lang="ca-ES" sz="2000" dirty="0">
+                <a:cs typeface="Times New Roman" pitchFamily="18" charset="0"/>
+              </a:rPr>
+              <a:t> or </a:t>
+            </a:r>
+            <a:r>
+              <a:rPr lang="ca-ES" sz="2000" dirty="0" err="1">
+                <a:cs typeface="Times New Roman" pitchFamily="18" charset="0"/>
+              </a:rPr>
+              <a:t>the</a:t>
+            </a:r>
+            <a:r>
+              <a:rPr lang="ca-ES" sz="2000" dirty="0">
+                <a:cs typeface="Times New Roman" pitchFamily="18" charset="0"/>
+              </a:rPr>
+              <a:t> </a:t>
+            </a:r>
+            <a:r>
+              <a:rPr lang="ca-ES" sz="2000" dirty="0" err="1">
+                <a:cs typeface="Times New Roman" pitchFamily="18" charset="0"/>
+              </a:rPr>
+              <a:t>other</a:t>
+            </a:r>
+            <a:r>
+              <a:rPr lang="ca-ES" sz="2000" dirty="0">
+                <a:cs typeface="Times New Roman" pitchFamily="18" charset="0"/>
+              </a:rPr>
+              <a:t> </a:t>
+            </a:r>
+            <a:r>
+              <a:rPr lang="ca-ES" sz="2000" dirty="0" err="1">
+                <a:cs typeface="Times New Roman" pitchFamily="18" charset="0"/>
+              </a:rPr>
+              <a:t>group</a:t>
+            </a:r>
+            <a:r>
+              <a:rPr lang="ca-ES" sz="2000" dirty="0">
+                <a:cs typeface="Times New Roman" pitchFamily="18" charset="0"/>
+              </a:rPr>
+              <a:t> (30 per </a:t>
+            </a:r>
+            <a:r>
+              <a:rPr lang="ca-ES" sz="2000" dirty="0" err="1">
+                <a:cs typeface="Times New Roman" pitchFamily="18" charset="0"/>
+              </a:rPr>
+              <a:t>group</a:t>
+            </a:r>
+            <a:r>
+              <a:rPr lang="ca-ES" sz="2000" dirty="0">
+                <a:cs typeface="Times New Roman" pitchFamily="18" charset="0"/>
+              </a:rPr>
+              <a:t>) </a:t>
+            </a:r>
+          </a:p>
+          <a:p>
+            <a:pPr algn="just">
+              <a:spcBef>
+                <a:spcPts val="0"/>
+              </a:spcBef>
+              <a:spcAft>
+                <a:spcPts val="0"/>
+              </a:spcAft>
+            </a:pPr>
+            <a:r>
+              <a:rPr lang="ca-ES" sz="2000" dirty="0" err="1">
+                <a:cs typeface="Times New Roman" pitchFamily="18" charset="0"/>
+              </a:rPr>
+              <a:t>Blood</a:t>
+            </a:r>
+            <a:r>
+              <a:rPr lang="ca-ES" sz="2000" dirty="0">
+                <a:cs typeface="Times New Roman" pitchFamily="18" charset="0"/>
+              </a:rPr>
+              <a:t> </a:t>
+            </a:r>
+            <a:r>
+              <a:rPr lang="ca-ES" sz="2000" dirty="0" err="1">
+                <a:cs typeface="Times New Roman" pitchFamily="18" charset="0"/>
+              </a:rPr>
+              <a:t>pressure</a:t>
+            </a:r>
+            <a:r>
+              <a:rPr lang="ca-ES" sz="2000" dirty="0">
+                <a:cs typeface="Times New Roman" pitchFamily="18" charset="0"/>
+              </a:rPr>
+              <a:t> </a:t>
+            </a:r>
+            <a:r>
+              <a:rPr lang="ca-ES" sz="2000" dirty="0" err="1">
+                <a:cs typeface="Times New Roman" pitchFamily="18" charset="0"/>
+              </a:rPr>
+              <a:t>was</a:t>
+            </a:r>
+            <a:r>
+              <a:rPr lang="ca-ES" sz="2000" dirty="0">
+                <a:cs typeface="Times New Roman" pitchFamily="18" charset="0"/>
+              </a:rPr>
+              <a:t> </a:t>
+            </a:r>
+            <a:r>
+              <a:rPr lang="ca-ES" sz="2000" dirty="0" err="1">
+                <a:cs typeface="Times New Roman" pitchFamily="18" charset="0"/>
+              </a:rPr>
+              <a:t>measured</a:t>
+            </a:r>
+            <a:r>
+              <a:rPr lang="ca-ES" sz="2000" dirty="0">
+                <a:cs typeface="Times New Roman" pitchFamily="18" charset="0"/>
+              </a:rPr>
+              <a:t> </a:t>
+            </a:r>
+            <a:r>
+              <a:rPr lang="ca-ES" sz="2000" dirty="0" err="1">
+                <a:cs typeface="Times New Roman" pitchFamily="18" charset="0"/>
+              </a:rPr>
+              <a:t>each</a:t>
+            </a:r>
+            <a:r>
+              <a:rPr lang="ca-ES" sz="2000" dirty="0">
+                <a:cs typeface="Times New Roman" pitchFamily="18" charset="0"/>
+              </a:rPr>
+              <a:t> </a:t>
+            </a:r>
+            <a:r>
+              <a:rPr lang="ca-ES" sz="2000" dirty="0" err="1">
+                <a:cs typeface="Times New Roman" pitchFamily="18" charset="0"/>
+              </a:rPr>
+              <a:t>month</a:t>
+            </a:r>
+            <a:r>
+              <a:rPr lang="ca-ES" sz="2000" dirty="0">
+                <a:cs typeface="Times New Roman" pitchFamily="18" charset="0"/>
+              </a:rPr>
+              <a:t> </a:t>
+            </a:r>
+            <a:r>
+              <a:rPr lang="ca-ES" sz="2000" dirty="0" err="1">
+                <a:cs typeface="Times New Roman" pitchFamily="18" charset="0"/>
+              </a:rPr>
+              <a:t>during</a:t>
+            </a:r>
+            <a:r>
+              <a:rPr lang="ca-ES" sz="2000" dirty="0">
+                <a:cs typeface="Times New Roman" pitchFamily="18" charset="0"/>
+              </a:rPr>
+              <a:t> a </a:t>
+            </a:r>
+            <a:r>
+              <a:rPr lang="ca-ES" sz="2000" dirty="0" err="1">
+                <a:cs typeface="Times New Roman" pitchFamily="18" charset="0"/>
+              </a:rPr>
+              <a:t>year</a:t>
+            </a:r>
+            <a:r>
+              <a:rPr lang="ca-ES" sz="2000" dirty="0">
+                <a:cs typeface="Times New Roman" pitchFamily="18" charset="0"/>
+              </a:rPr>
+              <a:t> </a:t>
+            </a:r>
+          </a:p>
+          <a:p>
+            <a:pPr algn="just">
+              <a:spcBef>
+                <a:spcPts val="0"/>
+              </a:spcBef>
+              <a:spcAft>
+                <a:spcPts val="0"/>
+              </a:spcAft>
+            </a:pPr>
+            <a:endParaRPr lang="ca-ES" sz="2000" dirty="0">
+              <a:cs typeface="Times New Roman" pitchFamily="18" charset="0"/>
+            </a:endParaRPr>
+          </a:p>
+        </p:txBody>
+      </p:sp>
+      <p:sp>
+        <p:nvSpPr>
+          <p:cNvPr id="3" name="2 Título"/>
+          <p:cNvSpPr>
+            <a:spLocks noGrp="1"/>
+          </p:cNvSpPr>
+          <p:nvPr>
+            <p:ph type="title"/>
+          </p:nvPr>
+        </p:nvSpPr>
+        <p:spPr>
+          <a:xfrm>
+            <a:off x="481708" y="231353"/>
+            <a:ext cx="8922196" cy="634082"/>
+          </a:xfrm>
+        </p:spPr>
+        <p:txBody>
+          <a:bodyPr/>
+          <a:lstStyle/>
+          <a:p>
+            <a:r>
+              <a:rPr lang="ca-ES" dirty="0" err="1"/>
+              <a:t>Example</a:t>
+            </a:r>
+            <a:r>
+              <a:rPr lang="ca-ES" dirty="0"/>
+              <a:t> Data</a:t>
+            </a:r>
+          </a:p>
+        </p:txBody>
+      </p:sp>
+      <p:pic>
+        <p:nvPicPr>
+          <p:cNvPr id="96258" name="Picture 2"/>
+          <p:cNvPicPr>
+            <a:picLocks noChangeAspect="1" noChangeArrowheads="1"/>
+          </p:cNvPicPr>
+          <p:nvPr/>
+        </p:nvPicPr>
+        <p:blipFill>
+          <a:blip r:embed="rId2" cstate="print"/>
+          <a:srcRect l="795" b="4582"/>
+          <a:stretch>
+            <a:fillRect/>
+          </a:stretch>
+        </p:blipFill>
+        <p:spPr bwMode="auto">
+          <a:xfrm>
+            <a:off x="1012040" y="2957861"/>
+            <a:ext cx="8405456" cy="3676291"/>
+          </a:xfrm>
+          <a:prstGeom prst="rect">
+            <a:avLst/>
+          </a:prstGeom>
+          <a:noFill/>
+          <a:ln w="9525">
+            <a:noFill/>
+            <a:miter lim="800000"/>
+            <a:headEnd/>
+            <a:tailEnd/>
+          </a:ln>
+        </p:spPr>
+      </p:pic>
+    </p:spTree>
+  </p:cSld>
+  <p:clrMapOvr>
+    <a:masterClrMapping/>
+  </p:clrMapOvr>
+</p:sld>
+</file>
+
+<file path=ppt/slides/slide30.xml><?xml version="1.0" encoding="utf-8"?>
 <p:sld xmlns:a="http://schemas.openxmlformats.org/drawingml/2006/main" xmlns:r="http://schemas.openxmlformats.org/officeDocument/2006/relationships" xmlns:p="http://schemas.openxmlformats.org/presentationml/2006/main">
   <p:cSld>
     <p:spTree>
@@ -16102,471 +17107,7 @@
 </p:sld>
 </file>
 
-<file path=ppt/slides/slide3.xml><?xml version="1.0" encoding="utf-8"?>
-<p:sld xmlns:a="http://schemas.openxmlformats.org/drawingml/2006/main" xmlns:r="http://schemas.openxmlformats.org/officeDocument/2006/relationships" xmlns:p="http://schemas.openxmlformats.org/presentationml/2006/main">
-  <p:cSld>
-    <p:spTree>
-      <p:nvGrpSpPr>
-        <p:cNvPr id="1" name=""/>
-        <p:cNvGrpSpPr/>
-        <p:nvPr/>
-      </p:nvGrpSpPr>
-      <p:grpSpPr>
-        <a:xfrm>
-          <a:off x="0" y="0"/>
-          <a:ext cx="0" cy="0"/>
-          <a:chOff x="0" y="0"/>
-          <a:chExt cx="0" cy="0"/>
-        </a:xfrm>
-      </p:grpSpPr>
-      <p:sp>
-        <p:nvSpPr>
-          <p:cNvPr id="2" name="1 Marcador de contenido"/>
-          <p:cNvSpPr>
-            <a:spLocks noGrp="1"/>
-          </p:cNvSpPr>
-          <p:nvPr>
-            <p:ph idx="1"/>
-          </p:nvPr>
-        </p:nvSpPr>
-        <p:spPr>
-          <a:xfrm>
-            <a:off x="488504" y="1166018"/>
-            <a:ext cx="8915400" cy="4525963"/>
-          </a:xfrm>
-        </p:spPr>
-        <p:txBody>
-          <a:bodyPr/>
-          <a:lstStyle/>
-          <a:p>
-            <a:pPr algn="just">
-              <a:spcBef>
-                <a:spcPts val="0"/>
-              </a:spcBef>
-              <a:spcAft>
-                <a:spcPts val="0"/>
-              </a:spcAft>
-            </a:pPr>
-            <a:r>
-              <a:rPr lang="ca-ES" sz="2000" dirty="0">
-                <a:cs typeface="Times New Roman" pitchFamily="18" charset="0"/>
-              </a:rPr>
-              <a:t>A </a:t>
-            </a:r>
-            <a:r>
-              <a:rPr lang="ca-ES" sz="2000" dirty="0" err="1">
-                <a:cs typeface="Times New Roman" pitchFamily="18" charset="0"/>
-              </a:rPr>
-              <a:t>study</a:t>
-            </a:r>
-            <a:r>
-              <a:rPr lang="ca-ES" sz="2000" dirty="0">
-                <a:cs typeface="Times New Roman" pitchFamily="18" charset="0"/>
-              </a:rPr>
-              <a:t> </a:t>
-            </a:r>
-            <a:r>
-              <a:rPr lang="ca-ES" sz="2000" dirty="0" err="1">
-                <a:cs typeface="Times New Roman" pitchFamily="18" charset="0"/>
-              </a:rPr>
-              <a:t>was</a:t>
-            </a:r>
-            <a:r>
-              <a:rPr lang="ca-ES" sz="2000" dirty="0">
-                <a:cs typeface="Times New Roman" pitchFamily="18" charset="0"/>
-              </a:rPr>
-              <a:t> </a:t>
-            </a:r>
-            <a:r>
-              <a:rPr lang="ca-ES" sz="2000" dirty="0" err="1">
-                <a:cs typeface="Times New Roman" pitchFamily="18" charset="0"/>
-              </a:rPr>
-              <a:t>designed</a:t>
-            </a:r>
-            <a:r>
-              <a:rPr lang="ca-ES" sz="2000" dirty="0">
-                <a:cs typeface="Times New Roman" pitchFamily="18" charset="0"/>
-              </a:rPr>
-              <a:t> to compare </a:t>
-            </a:r>
-            <a:r>
-              <a:rPr lang="ca-ES" sz="2000" dirty="0" err="1">
-                <a:cs typeface="Times New Roman" pitchFamily="18" charset="0"/>
-              </a:rPr>
-              <a:t>two</a:t>
-            </a:r>
-            <a:r>
-              <a:rPr lang="ca-ES" sz="2000" dirty="0">
-                <a:cs typeface="Times New Roman" pitchFamily="18" charset="0"/>
-              </a:rPr>
-              <a:t> </a:t>
-            </a:r>
-            <a:r>
-              <a:rPr lang="ca-ES" sz="2000" dirty="0" err="1">
-                <a:cs typeface="Times New Roman" pitchFamily="18" charset="0"/>
-              </a:rPr>
-              <a:t>distinct</a:t>
-            </a:r>
-            <a:r>
-              <a:rPr lang="ca-ES" sz="2000" dirty="0">
-                <a:cs typeface="Times New Roman" pitchFamily="18" charset="0"/>
-              </a:rPr>
-              <a:t> </a:t>
-            </a:r>
-            <a:r>
-              <a:rPr lang="ca-ES" sz="2000" dirty="0" err="1">
-                <a:cs typeface="Times New Roman" pitchFamily="18" charset="0"/>
-              </a:rPr>
-              <a:t>hypertension</a:t>
-            </a:r>
-            <a:r>
-              <a:rPr lang="ca-ES" sz="2000" dirty="0">
-                <a:cs typeface="Times New Roman" pitchFamily="18" charset="0"/>
-              </a:rPr>
-              <a:t> control </a:t>
-            </a:r>
-            <a:r>
-              <a:rPr lang="ca-ES" sz="2000" dirty="0" err="1">
-                <a:cs typeface="Times New Roman" pitchFamily="18" charset="0"/>
-              </a:rPr>
-              <a:t>programs</a:t>
-            </a:r>
-            <a:r>
-              <a:rPr lang="ca-ES" sz="2000" dirty="0">
-                <a:cs typeface="Times New Roman" pitchFamily="18" charset="0"/>
-              </a:rPr>
-              <a:t>.</a:t>
-            </a:r>
-          </a:p>
-          <a:p>
-            <a:pPr algn="just">
-              <a:spcBef>
-                <a:spcPts val="0"/>
-              </a:spcBef>
-              <a:spcAft>
-                <a:spcPts val="0"/>
-              </a:spcAft>
-            </a:pPr>
-            <a:r>
-              <a:rPr lang="ca-ES" sz="2000" dirty="0">
-                <a:cs typeface="Times New Roman" pitchFamily="18" charset="0"/>
-              </a:rPr>
-              <a:t>60 individuals </a:t>
-            </a:r>
-            <a:r>
-              <a:rPr lang="ca-ES" sz="2000" dirty="0" err="1">
-                <a:cs typeface="Times New Roman" pitchFamily="18" charset="0"/>
-              </a:rPr>
-              <a:t>with</a:t>
-            </a:r>
-            <a:r>
-              <a:rPr lang="ca-ES" sz="2000" dirty="0">
-                <a:cs typeface="Times New Roman" pitchFamily="18" charset="0"/>
-              </a:rPr>
-              <a:t> HTA </a:t>
-            </a:r>
-            <a:r>
-              <a:rPr lang="ca-ES" sz="2000" dirty="0" err="1">
-                <a:cs typeface="Times New Roman" pitchFamily="18" charset="0"/>
-              </a:rPr>
-              <a:t>were</a:t>
-            </a:r>
-            <a:r>
-              <a:rPr lang="ca-ES" sz="2000" dirty="0">
-                <a:cs typeface="Times New Roman" pitchFamily="18" charset="0"/>
-              </a:rPr>
-              <a:t> </a:t>
-            </a:r>
-            <a:r>
-              <a:rPr lang="ca-ES" sz="2000" dirty="0" err="1">
-                <a:cs typeface="Times New Roman" pitchFamily="18" charset="0"/>
-              </a:rPr>
-              <a:t>randomly</a:t>
-            </a:r>
-            <a:r>
-              <a:rPr lang="ca-ES" sz="2000" dirty="0">
-                <a:cs typeface="Times New Roman" pitchFamily="18" charset="0"/>
-              </a:rPr>
-              <a:t> </a:t>
-            </a:r>
-            <a:r>
-              <a:rPr lang="ca-ES" sz="2000" dirty="0" err="1">
-                <a:cs typeface="Times New Roman" pitchFamily="18" charset="0"/>
-              </a:rPr>
-              <a:t>assigned</a:t>
-            </a:r>
-            <a:r>
-              <a:rPr lang="ca-ES" sz="2000" dirty="0">
-                <a:cs typeface="Times New Roman" pitchFamily="18" charset="0"/>
-              </a:rPr>
-              <a:t> to </a:t>
-            </a:r>
-            <a:r>
-              <a:rPr lang="ca-ES" sz="2000" dirty="0" err="1">
-                <a:cs typeface="Times New Roman" pitchFamily="18" charset="0"/>
-              </a:rPr>
-              <a:t>either</a:t>
-            </a:r>
-            <a:r>
-              <a:rPr lang="ca-ES" sz="2000" dirty="0">
-                <a:cs typeface="Times New Roman" pitchFamily="18" charset="0"/>
-              </a:rPr>
-              <a:t> </a:t>
-            </a:r>
-            <a:r>
-              <a:rPr lang="ca-ES" sz="2000" dirty="0" err="1">
-                <a:cs typeface="Times New Roman" pitchFamily="18" charset="0"/>
-              </a:rPr>
-              <a:t>one</a:t>
-            </a:r>
-            <a:r>
-              <a:rPr lang="ca-ES" sz="2000" dirty="0">
-                <a:cs typeface="Times New Roman" pitchFamily="18" charset="0"/>
-              </a:rPr>
-              <a:t> or </a:t>
-            </a:r>
-            <a:r>
-              <a:rPr lang="ca-ES" sz="2000" dirty="0" err="1">
-                <a:cs typeface="Times New Roman" pitchFamily="18" charset="0"/>
-              </a:rPr>
-              <a:t>the</a:t>
-            </a:r>
-            <a:r>
-              <a:rPr lang="ca-ES" sz="2000" dirty="0">
-                <a:cs typeface="Times New Roman" pitchFamily="18" charset="0"/>
-              </a:rPr>
-              <a:t> </a:t>
-            </a:r>
-            <a:r>
-              <a:rPr lang="ca-ES" sz="2000" dirty="0" err="1">
-                <a:cs typeface="Times New Roman" pitchFamily="18" charset="0"/>
-              </a:rPr>
-              <a:t>other</a:t>
-            </a:r>
-            <a:r>
-              <a:rPr lang="ca-ES" sz="2000" dirty="0">
-                <a:cs typeface="Times New Roman" pitchFamily="18" charset="0"/>
-              </a:rPr>
-              <a:t> </a:t>
-            </a:r>
-            <a:r>
-              <a:rPr lang="ca-ES" sz="2000" dirty="0" err="1">
-                <a:cs typeface="Times New Roman" pitchFamily="18" charset="0"/>
-              </a:rPr>
-              <a:t>group</a:t>
-            </a:r>
-            <a:r>
-              <a:rPr lang="ca-ES" sz="2000" dirty="0">
-                <a:cs typeface="Times New Roman" pitchFamily="18" charset="0"/>
-              </a:rPr>
-              <a:t> (30 per </a:t>
-            </a:r>
-            <a:r>
-              <a:rPr lang="ca-ES" sz="2000" dirty="0" err="1">
-                <a:cs typeface="Times New Roman" pitchFamily="18" charset="0"/>
-              </a:rPr>
-              <a:t>group</a:t>
-            </a:r>
-            <a:r>
-              <a:rPr lang="ca-ES" sz="2000" dirty="0">
-                <a:cs typeface="Times New Roman" pitchFamily="18" charset="0"/>
-              </a:rPr>
-              <a:t>) </a:t>
-            </a:r>
-          </a:p>
-          <a:p>
-            <a:pPr algn="just">
-              <a:spcBef>
-                <a:spcPts val="0"/>
-              </a:spcBef>
-              <a:spcAft>
-                <a:spcPts val="0"/>
-              </a:spcAft>
-            </a:pPr>
-            <a:r>
-              <a:rPr lang="ca-ES" sz="2000" dirty="0" err="1">
-                <a:cs typeface="Times New Roman" pitchFamily="18" charset="0"/>
-              </a:rPr>
-              <a:t>Blood</a:t>
-            </a:r>
-            <a:r>
-              <a:rPr lang="ca-ES" sz="2000" dirty="0">
-                <a:cs typeface="Times New Roman" pitchFamily="18" charset="0"/>
-              </a:rPr>
-              <a:t> </a:t>
-            </a:r>
-            <a:r>
-              <a:rPr lang="ca-ES" sz="2000" dirty="0" err="1">
-                <a:cs typeface="Times New Roman" pitchFamily="18" charset="0"/>
-              </a:rPr>
-              <a:t>pressure</a:t>
-            </a:r>
-            <a:r>
-              <a:rPr lang="ca-ES" sz="2000" dirty="0">
-                <a:cs typeface="Times New Roman" pitchFamily="18" charset="0"/>
-              </a:rPr>
-              <a:t> </a:t>
-            </a:r>
-            <a:r>
-              <a:rPr lang="ca-ES" sz="2000" dirty="0" err="1">
-                <a:cs typeface="Times New Roman" pitchFamily="18" charset="0"/>
-              </a:rPr>
-              <a:t>was</a:t>
-            </a:r>
-            <a:r>
-              <a:rPr lang="ca-ES" sz="2000" dirty="0">
-                <a:cs typeface="Times New Roman" pitchFamily="18" charset="0"/>
-              </a:rPr>
-              <a:t> </a:t>
-            </a:r>
-            <a:r>
-              <a:rPr lang="ca-ES" sz="2000" dirty="0" err="1">
-                <a:cs typeface="Times New Roman" pitchFamily="18" charset="0"/>
-              </a:rPr>
-              <a:t>measured</a:t>
-            </a:r>
-            <a:r>
-              <a:rPr lang="ca-ES" sz="2000" dirty="0">
-                <a:cs typeface="Times New Roman" pitchFamily="18" charset="0"/>
-              </a:rPr>
-              <a:t> </a:t>
-            </a:r>
-            <a:r>
-              <a:rPr lang="ca-ES" sz="2000" dirty="0" err="1">
-                <a:cs typeface="Times New Roman" pitchFamily="18" charset="0"/>
-              </a:rPr>
-              <a:t>each</a:t>
-            </a:r>
-            <a:r>
-              <a:rPr lang="ca-ES" sz="2000" dirty="0">
-                <a:cs typeface="Times New Roman" pitchFamily="18" charset="0"/>
-              </a:rPr>
-              <a:t> </a:t>
-            </a:r>
-            <a:r>
-              <a:rPr lang="ca-ES" sz="2000" dirty="0" err="1">
-                <a:cs typeface="Times New Roman" pitchFamily="18" charset="0"/>
-              </a:rPr>
-              <a:t>month</a:t>
-            </a:r>
-            <a:r>
-              <a:rPr lang="ca-ES" sz="2000" dirty="0">
-                <a:cs typeface="Times New Roman" pitchFamily="18" charset="0"/>
-              </a:rPr>
-              <a:t> </a:t>
-            </a:r>
-            <a:r>
-              <a:rPr lang="ca-ES" sz="2000" dirty="0" err="1">
-                <a:cs typeface="Times New Roman" pitchFamily="18" charset="0"/>
-              </a:rPr>
-              <a:t>during</a:t>
-            </a:r>
-            <a:r>
-              <a:rPr lang="ca-ES" sz="2000" dirty="0">
-                <a:cs typeface="Times New Roman" pitchFamily="18" charset="0"/>
-              </a:rPr>
-              <a:t> a </a:t>
-            </a:r>
-            <a:r>
-              <a:rPr lang="ca-ES" sz="2000" dirty="0" err="1">
-                <a:cs typeface="Times New Roman" pitchFamily="18" charset="0"/>
-              </a:rPr>
-              <a:t>year</a:t>
-            </a:r>
-            <a:r>
-              <a:rPr lang="ca-ES" sz="2000" dirty="0">
-                <a:cs typeface="Times New Roman" pitchFamily="18" charset="0"/>
-              </a:rPr>
-              <a:t> </a:t>
-            </a:r>
-          </a:p>
-          <a:p>
-            <a:pPr algn="just">
-              <a:spcBef>
-                <a:spcPts val="0"/>
-              </a:spcBef>
-              <a:spcAft>
-                <a:spcPts val="0"/>
-              </a:spcAft>
-            </a:pPr>
-            <a:endParaRPr lang="ca-ES" sz="2000" dirty="0">
-              <a:cs typeface="Times New Roman" pitchFamily="18" charset="0"/>
-            </a:endParaRPr>
-          </a:p>
-        </p:txBody>
-      </p:sp>
-      <p:sp>
-        <p:nvSpPr>
-          <p:cNvPr id="3" name="2 Título"/>
-          <p:cNvSpPr>
-            <a:spLocks noGrp="1"/>
-          </p:cNvSpPr>
-          <p:nvPr>
-            <p:ph type="title"/>
-          </p:nvPr>
-        </p:nvSpPr>
-        <p:spPr>
-          <a:xfrm>
-            <a:off x="481708" y="231353"/>
-            <a:ext cx="8922196" cy="634082"/>
-          </a:xfrm>
-        </p:spPr>
-        <p:txBody>
-          <a:bodyPr/>
-          <a:lstStyle/>
-          <a:p>
-            <a:r>
-              <a:rPr lang="ca-ES" dirty="0" err="1"/>
-              <a:t>Example</a:t>
-            </a:r>
-            <a:r>
-              <a:rPr lang="ca-ES" dirty="0"/>
-              <a:t> Data</a:t>
-            </a:r>
-          </a:p>
-        </p:txBody>
-      </p:sp>
-      <p:pic>
-        <p:nvPicPr>
-          <p:cNvPr id="96258" name="Picture 2"/>
-          <p:cNvPicPr>
-            <a:picLocks noChangeAspect="1" noChangeArrowheads="1"/>
-          </p:cNvPicPr>
-          <p:nvPr/>
-        </p:nvPicPr>
-        <p:blipFill>
-          <a:blip r:embed="rId2" cstate="print"/>
-          <a:srcRect l="795" b="4582"/>
-          <a:stretch>
-            <a:fillRect/>
-          </a:stretch>
-        </p:blipFill>
-        <p:spPr bwMode="auto">
-          <a:xfrm>
-            <a:off x="1012040" y="2957861"/>
-            <a:ext cx="8405456" cy="3676291"/>
-          </a:xfrm>
-          <a:prstGeom prst="rect">
-            <a:avLst/>
-          </a:prstGeom>
-          <a:noFill/>
-          <a:ln w="9525">
-            <a:noFill/>
-            <a:miter lim="800000"/>
-            <a:headEnd/>
-            <a:tailEnd/>
-          </a:ln>
-        </p:spPr>
-      </p:pic>
-    </p:spTree>
-  </p:cSld>
-  <p:clrMapOvr>
-    <a:masterClrMapping/>
-  </p:clrMapOvr>
-</p:sld>
-</file>
-
-<file path=ppt/slides/slide30.xml><?xml version="1.0" encoding="utf-8"?>
+<file path=ppt/slides/slide31.xml><?xml version="1.0" encoding="utf-8"?>
 <p:sld xmlns:a="http://schemas.openxmlformats.org/drawingml/2006/main" xmlns:r="http://schemas.openxmlformats.org/officeDocument/2006/relationships" xmlns:p="http://schemas.openxmlformats.org/presentationml/2006/main">
   <p:cSld>
     <p:spTree>
@@ -17252,7 +17793,7 @@
 </p:sld>
 </file>
 
-<file path=ppt/slides/slide31.xml><?xml version="1.0" encoding="utf-8"?>
+<file path=ppt/slides/slide32.xml><?xml version="1.0" encoding="utf-8"?>
 <p:sld xmlns:a="http://schemas.openxmlformats.org/drawingml/2006/main" xmlns:r="http://schemas.openxmlformats.org/officeDocument/2006/relationships" xmlns:p="http://schemas.openxmlformats.org/presentationml/2006/main">
   <p:cSld>
     <p:spTree>
@@ -17685,7 +18226,7 @@
 </p:sld>
 </file>
 
-<file path=ppt/slides/slide32.xml><?xml version="1.0" encoding="utf-8"?>
+<file path=ppt/slides/slide33.xml><?xml version="1.0" encoding="utf-8"?>
 <p:sld xmlns:a="http://schemas.openxmlformats.org/drawingml/2006/main" xmlns:r="http://schemas.openxmlformats.org/officeDocument/2006/relationships" xmlns:p="http://schemas.openxmlformats.org/presentationml/2006/main">
   <p:cSld>
     <p:spTree>
@@ -18238,7 +18779,7 @@
 </p:sld>
 </file>
 
-<file path=ppt/slides/slide33.xml><?xml version="1.0" encoding="utf-8"?>
+<file path=ppt/slides/slide34.xml><?xml version="1.0" encoding="utf-8"?>
 <p:sld xmlns:a="http://schemas.openxmlformats.org/drawingml/2006/main" xmlns:r="http://schemas.openxmlformats.org/officeDocument/2006/relationships" xmlns:p="http://schemas.openxmlformats.org/presentationml/2006/main">
   <p:cSld>
     <p:spTree>
@@ -18409,7 +18950,7 @@
 </p:sld>
 </file>
 
-<file path=ppt/slides/slide34.xml><?xml version="1.0" encoding="utf-8"?>
+<file path=ppt/slides/slide35.xml><?xml version="1.0" encoding="utf-8"?>
 <p:sld xmlns:a="http://schemas.openxmlformats.org/drawingml/2006/main" xmlns:r="http://schemas.openxmlformats.org/officeDocument/2006/relationships" xmlns:p="http://schemas.openxmlformats.org/presentationml/2006/main">
   <p:cSld>
     <p:spTree>
@@ -18674,7 +19215,7 @@
 </p:sld>
 </file>
 
-<file path=ppt/slides/slide35.xml><?xml version="1.0" encoding="utf-8"?>
+<file path=ppt/slides/slide36.xml><?xml version="1.0" encoding="utf-8"?>
 <p:sld xmlns:a="http://schemas.openxmlformats.org/drawingml/2006/main" xmlns:r="http://schemas.openxmlformats.org/officeDocument/2006/relationships" xmlns:p="http://schemas.openxmlformats.org/presentationml/2006/main">
   <p:cSld>
     <p:spTree>
@@ -18864,7 +19405,7 @@
 </p:sld>
 </file>
 
-<file path=ppt/slides/slide36.xml><?xml version="1.0" encoding="utf-8"?>
+<file path=ppt/slides/slide37.xml><?xml version="1.0" encoding="utf-8"?>
 <p:sld xmlns:a="http://schemas.openxmlformats.org/drawingml/2006/main" xmlns:r="http://schemas.openxmlformats.org/officeDocument/2006/relationships" xmlns:p="http://schemas.openxmlformats.org/presentationml/2006/main">
   <p:cSld>
     <p:spTree>
@@ -18892,7 +19433,7 @@
         <p:spPr bwMode="auto">
           <a:xfrm>
             <a:off x="992560" y="1050326"/>
-            <a:ext cx="7847012" cy="5816977"/>
+            <a:ext cx="8496944" cy="5447645"/>
           </a:xfrm>
           <a:prstGeom prst="rect">
             <a:avLst/>
@@ -18906,7 +19447,7 @@
           </a:ln>
         </p:spPr>
         <p:txBody>
-          <a:bodyPr>
+          <a:bodyPr wrap="square">
             <a:spAutoFit/>
           </a:bodyPr>
           <a:lstStyle/>
@@ -18985,7 +19526,7 @@
                 </a:solidFill>
                 <a:latin typeface="Verdana" pitchFamily="34" charset="0"/>
               </a:rPr>
-              <a:t>TWO GROUPS </a:t>
+              <a:t>ONE GROUP </a:t>
             </a:r>
             <a:r>
               <a:rPr lang="ca-ES" altLang="ca-ES" sz="2400" u="none" dirty="0">
@@ -18994,7 +19535,7 @@
                 </a:solidFill>
                 <a:latin typeface="Verdana" pitchFamily="34" charset="0"/>
               </a:rPr>
-              <a:t>COMPARISON IN INDEPENDENT SAMPLES</a:t>
+              <a:t>COMPARISON</a:t>
             </a:r>
           </a:p>
           <a:p>
@@ -19008,7 +19549,7 @@
             <a:r>
               <a:rPr lang="ca-ES" altLang="ca-ES" sz="2400" b="1" u="none" dirty="0">
                 <a:solidFill>
-                  <a:srgbClr val="990099"/>
+                  <a:srgbClr val="DFA5D4"/>
                 </a:solidFill>
                 <a:latin typeface="Verdana" pitchFamily="34" charset="0"/>
               </a:rPr>
@@ -19017,11 +19558,11 @@
             <a:r>
               <a:rPr lang="ca-ES" altLang="ca-ES" sz="2400" u="none" dirty="0">
                 <a:solidFill>
-                  <a:srgbClr val="990099"/>
+                  <a:srgbClr val="DFA5D4"/>
                 </a:solidFill>
                 <a:latin typeface="Verdana" pitchFamily="34" charset="0"/>
               </a:rPr>
-              <a:t>COMPARISON IN DEPENDENT SAMPLES</a:t>
+              <a:t>COMPARISON IN INDEPENDENT SAMPLES</a:t>
             </a:r>
           </a:p>
           <a:p>
@@ -19035,20 +19576,20 @@
             <a:r>
               <a:rPr lang="ca-ES" altLang="ca-ES" sz="2400" b="1" u="none" dirty="0">
                 <a:solidFill>
-                  <a:srgbClr val="DFA5D4"/>
+                  <a:srgbClr val="990099"/>
                 </a:solidFill>
                 <a:latin typeface="Verdana" pitchFamily="34" charset="0"/>
               </a:rPr>
-              <a:t>MORE THAN TWO GROUPS </a:t>
+              <a:t>TWO GROUPS </a:t>
             </a:r>
             <a:r>
               <a:rPr lang="ca-ES" altLang="ca-ES" sz="2400" u="none" dirty="0">
                 <a:solidFill>
-                  <a:srgbClr val="DFA5D4"/>
+                  <a:srgbClr val="990099"/>
                 </a:solidFill>
                 <a:latin typeface="Verdana" pitchFamily="34" charset="0"/>
               </a:rPr>
-              <a:t>COMPARISON IN INDEPENDENT SAMPLES</a:t>
+              <a:t>COMPARISON IN DEPENDENT SAMPLES</a:t>
             </a:r>
           </a:p>
           <a:p>
@@ -19075,7 +19616,7 @@
                 </a:solidFill>
                 <a:latin typeface="Verdana" pitchFamily="34" charset="0"/>
               </a:rPr>
-              <a:t>COMPARISON IN DEPENDENT SAMPLES</a:t>
+              <a:t>COMPARISON IN INDEPENDENT SAMPLES</a:t>
             </a:r>
           </a:p>
           <a:p>
@@ -19086,12 +19627,15 @@
               <a:buFont typeface="Arial" pitchFamily="34" charset="0"/>
               <a:buAutoNum type="arabicPeriod"/>
             </a:pPr>
-            <a:endParaRPr lang="ca-ES" altLang="ca-ES" sz="2400" u="none" dirty="0">
-              <a:solidFill>
-                <a:srgbClr val="DFA5D4"/>
-              </a:solidFill>
-              <a:latin typeface="Verdana" pitchFamily="34" charset="0"/>
-            </a:endParaRPr>
+            <a:r>
+              <a:rPr lang="ca-ES" altLang="ca-ES" sz="2400" u="none" dirty="0">
+                <a:solidFill>
+                  <a:srgbClr val="DFA5D4"/>
+                </a:solidFill>
+                <a:latin typeface="Verdana" pitchFamily="34" charset="0"/>
+              </a:rPr>
+              <a:t>MULTIPLE COMPARISONS AND MULTIPLE TESTING</a:t>
+            </a:r>
           </a:p>
         </p:txBody>
       </p:sp>
@@ -19268,7 +19812,7 @@
 </p:sld>
 </file>
 
-<file path=ppt/slides/slide37.xml><?xml version="1.0" encoding="utf-8"?>
+<file path=ppt/slides/slide38.xml><?xml version="1.0" encoding="utf-8"?>
 <p:sld xmlns:a="http://schemas.openxmlformats.org/drawingml/2006/main" xmlns:r="http://schemas.openxmlformats.org/officeDocument/2006/relationships" xmlns:p="http://schemas.openxmlformats.org/presentationml/2006/main">
   <p:cSld>
     <p:spTree>
@@ -19311,7 +19855,7 @@
             <a:fld id="{E73E0CC2-FC77-4699-94A5-4854562D3B63}" type="slidenum">
               <a:rPr lang="ca-ES" u="none"/>
               <a:pPr/>
-              <a:t>37</a:t>
+              <a:t>38</a:t>
             </a:fld>
             <a:endParaRPr lang="ca-ES" u="none"/>
           </a:p>
@@ -20148,7 +20692,7 @@
 </p:sld>
 </file>
 
-<file path=ppt/slides/slide38.xml><?xml version="1.0" encoding="utf-8"?>
+<file path=ppt/slides/slide39.xml><?xml version="1.0" encoding="utf-8"?>
 <p:sld xmlns:a="http://schemas.openxmlformats.org/drawingml/2006/main" xmlns:r="http://schemas.openxmlformats.org/officeDocument/2006/relationships" xmlns:p="http://schemas.openxmlformats.org/presentationml/2006/main">
   <p:cSld>
     <p:spTree>
@@ -20324,7 +20868,176 @@
 </p:sld>
 </file>
 
-<file path=ppt/slides/slide39.xml><?xml version="1.0" encoding="utf-8"?>
+<file path=ppt/slides/slide4.xml><?xml version="1.0" encoding="utf-8"?>
+<p:sld xmlns:a="http://schemas.openxmlformats.org/drawingml/2006/main" xmlns:r="http://schemas.openxmlformats.org/officeDocument/2006/relationships" xmlns:p="http://schemas.openxmlformats.org/presentationml/2006/main">
+  <p:cSld>
+    <p:spTree>
+      <p:nvGrpSpPr>
+        <p:cNvPr id="1" name=""/>
+        <p:cNvGrpSpPr/>
+        <p:nvPr/>
+      </p:nvGrpSpPr>
+      <p:grpSpPr>
+        <a:xfrm>
+          <a:off x="0" y="0"/>
+          <a:ext cx="0" cy="0"/>
+          <a:chOff x="0" y="0"/>
+          <a:chExt cx="0" cy="0"/>
+        </a:xfrm>
+      </p:grpSpPr>
+      <p:sp>
+        <p:nvSpPr>
+          <p:cNvPr id="2" name="1 Marcador de contenido"/>
+          <p:cNvSpPr>
+            <a:spLocks noGrp="1"/>
+          </p:cNvSpPr>
+          <p:nvPr>
+            <p:ph idx="1"/>
+          </p:nvPr>
+        </p:nvSpPr>
+        <p:spPr>
+          <a:xfrm>
+            <a:off x="632520" y="1628800"/>
+            <a:ext cx="8915400" cy="4525963"/>
+          </a:xfrm>
+        </p:spPr>
+        <p:txBody>
+          <a:bodyPr/>
+          <a:lstStyle/>
+          <a:p>
+            <a:r>
+              <a:rPr lang="es-ES" dirty="0"/>
+              <a:t>Are </a:t>
+            </a:r>
+            <a:r>
+              <a:rPr lang="es-ES" dirty="0" err="1"/>
+              <a:t>samples</a:t>
+            </a:r>
+            <a:r>
+              <a:rPr lang="es-ES" dirty="0"/>
+              <a:t> “comparable” at </a:t>
+            </a:r>
+            <a:r>
+              <a:rPr lang="es-ES" dirty="0" err="1"/>
+              <a:t>baseline</a:t>
+            </a:r>
+            <a:r>
+              <a:rPr lang="es-ES" dirty="0"/>
+              <a:t>?</a:t>
+            </a:r>
+          </a:p>
+          <a:p>
+            <a:r>
+              <a:rPr lang="es-ES" dirty="0"/>
+              <a:t>Has </a:t>
+            </a:r>
+            <a:r>
+              <a:rPr lang="es-ES" dirty="0" err="1"/>
+              <a:t>there</a:t>
+            </a:r>
+            <a:r>
+              <a:rPr lang="es-ES" dirty="0"/>
+              <a:t> </a:t>
+            </a:r>
+            <a:r>
+              <a:rPr lang="es-ES" dirty="0" err="1"/>
+              <a:t>been</a:t>
+            </a:r>
+            <a:r>
+              <a:rPr lang="es-ES" dirty="0"/>
+              <a:t> a </a:t>
+            </a:r>
+            <a:r>
+              <a:rPr lang="es-ES" dirty="0" err="1"/>
+              <a:t>change</a:t>
+            </a:r>
+            <a:r>
+              <a:rPr lang="es-ES" dirty="0"/>
+              <a:t> in BP </a:t>
+            </a:r>
+            <a:r>
+              <a:rPr lang="es-ES" dirty="0" err="1"/>
+              <a:t>between</a:t>
+            </a:r>
+            <a:r>
+              <a:rPr lang="es-ES" dirty="0"/>
+              <a:t> </a:t>
+            </a:r>
+            <a:r>
+              <a:rPr lang="es-ES" dirty="0" err="1"/>
+              <a:t>month</a:t>
+            </a:r>
+            <a:r>
+              <a:rPr lang="es-ES" dirty="0"/>
+              <a:t> 1 (</a:t>
+            </a:r>
+            <a:r>
+              <a:rPr lang="es-ES" dirty="0" err="1"/>
+              <a:t>first</a:t>
+            </a:r>
+            <a:r>
+              <a:rPr lang="es-ES" dirty="0"/>
+              <a:t> </a:t>
+            </a:r>
+            <a:r>
+              <a:rPr lang="es-ES" dirty="0" err="1"/>
+              <a:t>measure</a:t>
+            </a:r>
+            <a:r>
+              <a:rPr lang="es-ES" dirty="0"/>
+              <a:t>) and </a:t>
+            </a:r>
+            <a:r>
+              <a:rPr lang="es-ES" dirty="0" err="1"/>
+              <a:t>month</a:t>
+            </a:r>
+            <a:r>
+              <a:rPr lang="es-ES" dirty="0"/>
+              <a:t> 12?</a:t>
+            </a:r>
+          </a:p>
+        </p:txBody>
+      </p:sp>
+      <p:sp>
+        <p:nvSpPr>
+          <p:cNvPr id="3" name="2 Título"/>
+          <p:cNvSpPr>
+            <a:spLocks noGrp="1"/>
+          </p:cNvSpPr>
+          <p:nvPr>
+            <p:ph type="title"/>
+          </p:nvPr>
+        </p:nvSpPr>
+        <p:spPr/>
+        <p:txBody>
+          <a:bodyPr/>
+          <a:lstStyle/>
+          <a:p>
+            <a:r>
+              <a:rPr lang="es-ES" dirty="0" err="1"/>
+              <a:t>Questions</a:t>
+            </a:r>
+            <a:r>
+              <a:rPr lang="es-ES" dirty="0"/>
+              <a:t> to </a:t>
+            </a:r>
+            <a:r>
+              <a:rPr lang="es-ES" dirty="0" err="1"/>
+              <a:t>solve</a:t>
+            </a:r>
+            <a:endParaRPr lang="es-ES" dirty="0"/>
+          </a:p>
+        </p:txBody>
+      </p:sp>
+    </p:spTree>
+  </p:cSld>
+  <p:clrMapOvr>
+    <a:masterClrMapping/>
+  </p:clrMapOvr>
+</p:sld>
+</file>
+
+<file path=ppt/slides/slide40.xml><?xml version="1.0" encoding="utf-8"?>
 <p:sld xmlns:a="http://schemas.openxmlformats.org/drawingml/2006/main" xmlns:r="http://schemas.openxmlformats.org/officeDocument/2006/relationships" xmlns:p="http://schemas.openxmlformats.org/presentationml/2006/main">
   <p:cSld>
     <p:spTree>
@@ -20620,176 +21333,7 @@
 </p:sld>
 </file>
 
-<file path=ppt/slides/slide4.xml><?xml version="1.0" encoding="utf-8"?>
-<p:sld xmlns:a="http://schemas.openxmlformats.org/drawingml/2006/main" xmlns:r="http://schemas.openxmlformats.org/officeDocument/2006/relationships" xmlns:p="http://schemas.openxmlformats.org/presentationml/2006/main">
-  <p:cSld>
-    <p:spTree>
-      <p:nvGrpSpPr>
-        <p:cNvPr id="1" name=""/>
-        <p:cNvGrpSpPr/>
-        <p:nvPr/>
-      </p:nvGrpSpPr>
-      <p:grpSpPr>
-        <a:xfrm>
-          <a:off x="0" y="0"/>
-          <a:ext cx="0" cy="0"/>
-          <a:chOff x="0" y="0"/>
-          <a:chExt cx="0" cy="0"/>
-        </a:xfrm>
-      </p:grpSpPr>
-      <p:sp>
-        <p:nvSpPr>
-          <p:cNvPr id="2" name="1 Marcador de contenido"/>
-          <p:cNvSpPr>
-            <a:spLocks noGrp="1"/>
-          </p:cNvSpPr>
-          <p:nvPr>
-            <p:ph idx="1"/>
-          </p:nvPr>
-        </p:nvSpPr>
-        <p:spPr>
-          <a:xfrm>
-            <a:off x="632520" y="1628800"/>
-            <a:ext cx="8915400" cy="4525963"/>
-          </a:xfrm>
-        </p:spPr>
-        <p:txBody>
-          <a:bodyPr/>
-          <a:lstStyle/>
-          <a:p>
-            <a:r>
-              <a:rPr lang="es-ES" dirty="0"/>
-              <a:t>Are </a:t>
-            </a:r>
-            <a:r>
-              <a:rPr lang="es-ES" dirty="0" err="1"/>
-              <a:t>samples</a:t>
-            </a:r>
-            <a:r>
-              <a:rPr lang="es-ES" dirty="0"/>
-              <a:t> “comparable” at </a:t>
-            </a:r>
-            <a:r>
-              <a:rPr lang="es-ES" dirty="0" err="1"/>
-              <a:t>baseline</a:t>
-            </a:r>
-            <a:r>
-              <a:rPr lang="es-ES" dirty="0"/>
-              <a:t>?</a:t>
-            </a:r>
-          </a:p>
-          <a:p>
-            <a:r>
-              <a:rPr lang="es-ES" dirty="0"/>
-              <a:t>Has </a:t>
-            </a:r>
-            <a:r>
-              <a:rPr lang="es-ES" dirty="0" err="1"/>
-              <a:t>there</a:t>
-            </a:r>
-            <a:r>
-              <a:rPr lang="es-ES" dirty="0"/>
-              <a:t> </a:t>
-            </a:r>
-            <a:r>
-              <a:rPr lang="es-ES" dirty="0" err="1"/>
-              <a:t>been</a:t>
-            </a:r>
-            <a:r>
-              <a:rPr lang="es-ES" dirty="0"/>
-              <a:t> a </a:t>
-            </a:r>
-            <a:r>
-              <a:rPr lang="es-ES" dirty="0" err="1"/>
-              <a:t>change</a:t>
-            </a:r>
-            <a:r>
-              <a:rPr lang="es-ES" dirty="0"/>
-              <a:t> in BP </a:t>
-            </a:r>
-            <a:r>
-              <a:rPr lang="es-ES" dirty="0" err="1"/>
-              <a:t>between</a:t>
-            </a:r>
-            <a:r>
-              <a:rPr lang="es-ES" dirty="0"/>
-              <a:t> </a:t>
-            </a:r>
-            <a:r>
-              <a:rPr lang="es-ES" dirty="0" err="1"/>
-              <a:t>month</a:t>
-            </a:r>
-            <a:r>
-              <a:rPr lang="es-ES" dirty="0"/>
-              <a:t> 1 (</a:t>
-            </a:r>
-            <a:r>
-              <a:rPr lang="es-ES" dirty="0" err="1"/>
-              <a:t>first</a:t>
-            </a:r>
-            <a:r>
-              <a:rPr lang="es-ES" dirty="0"/>
-              <a:t> </a:t>
-            </a:r>
-            <a:r>
-              <a:rPr lang="es-ES" dirty="0" err="1"/>
-              <a:t>measure</a:t>
-            </a:r>
-            <a:r>
-              <a:rPr lang="es-ES" dirty="0"/>
-              <a:t>) and </a:t>
-            </a:r>
-            <a:r>
-              <a:rPr lang="es-ES" dirty="0" err="1"/>
-              <a:t>month</a:t>
-            </a:r>
-            <a:r>
-              <a:rPr lang="es-ES" dirty="0"/>
-              <a:t> 12?</a:t>
-            </a:r>
-          </a:p>
-        </p:txBody>
-      </p:sp>
-      <p:sp>
-        <p:nvSpPr>
-          <p:cNvPr id="3" name="2 Título"/>
-          <p:cNvSpPr>
-            <a:spLocks noGrp="1"/>
-          </p:cNvSpPr>
-          <p:nvPr>
-            <p:ph type="title"/>
-          </p:nvPr>
-        </p:nvSpPr>
-        <p:spPr/>
-        <p:txBody>
-          <a:bodyPr/>
-          <a:lstStyle/>
-          <a:p>
-            <a:r>
-              <a:rPr lang="es-ES" dirty="0" err="1"/>
-              <a:t>Questions</a:t>
-            </a:r>
-            <a:r>
-              <a:rPr lang="es-ES" dirty="0"/>
-              <a:t> to </a:t>
-            </a:r>
-            <a:r>
-              <a:rPr lang="es-ES" dirty="0" err="1"/>
-              <a:t>solve</a:t>
-            </a:r>
-            <a:endParaRPr lang="es-ES" dirty="0"/>
-          </a:p>
-        </p:txBody>
-      </p:sp>
-    </p:spTree>
-  </p:cSld>
-  <p:clrMapOvr>
-    <a:masterClrMapping/>
-  </p:clrMapOvr>
-</p:sld>
-</file>
-
-<file path=ppt/slides/slide40.xml><?xml version="1.0" encoding="utf-8"?>
+<file path=ppt/slides/slide41.xml><?xml version="1.0" encoding="utf-8"?>
 <p:sld xmlns:a="http://schemas.openxmlformats.org/drawingml/2006/main" xmlns:r="http://schemas.openxmlformats.org/officeDocument/2006/relationships" xmlns:p="http://schemas.openxmlformats.org/presentationml/2006/main">
   <p:cSld>
     <p:spTree>
@@ -20975,7 +21519,7 @@
 </p:sld>
 </file>
 
-<file path=ppt/slides/slide41.xml><?xml version="1.0" encoding="utf-8"?>
+<file path=ppt/slides/slide42.xml><?xml version="1.0" encoding="utf-8"?>
 <p:sld xmlns:a="http://schemas.openxmlformats.org/drawingml/2006/main" xmlns:r="http://schemas.openxmlformats.org/officeDocument/2006/relationships" xmlns:p="http://schemas.openxmlformats.org/presentationml/2006/main">
   <p:cSld>
     <p:spTree>
@@ -21198,7 +21742,7 @@
 </p:sld>
 </file>
 
-<file path=ppt/slides/slide42.xml><?xml version="1.0" encoding="utf-8"?>
+<file path=ppt/slides/slide43.xml><?xml version="1.0" encoding="utf-8"?>
 <p:sld xmlns:a="http://schemas.openxmlformats.org/drawingml/2006/main" xmlns:r="http://schemas.openxmlformats.org/officeDocument/2006/relationships" xmlns:p="http://schemas.openxmlformats.org/presentationml/2006/main">
   <p:cSld>
     <p:spTree>
@@ -21226,7 +21770,7 @@
         <p:spPr bwMode="auto">
           <a:xfrm>
             <a:off x="992560" y="1050326"/>
-            <a:ext cx="7847012" cy="5816977"/>
+            <a:ext cx="8424936" cy="5447645"/>
           </a:xfrm>
           <a:prstGeom prst="rect">
             <a:avLst/>
@@ -21240,7 +21784,7 @@
           </a:ln>
         </p:spPr>
         <p:txBody>
-          <a:bodyPr>
+          <a:bodyPr wrap="square">
             <a:spAutoFit/>
           </a:bodyPr>
           <a:lstStyle/>
@@ -21319,7 +21863,7 @@
                 </a:solidFill>
                 <a:latin typeface="Verdana" pitchFamily="34" charset="0"/>
               </a:rPr>
-              <a:t>TWO GROUPS </a:t>
+              <a:t>ONE GROUP </a:t>
             </a:r>
             <a:r>
               <a:rPr lang="ca-ES" altLang="ca-ES" sz="2400" u="none" dirty="0">
@@ -21328,7 +21872,7 @@
                 </a:solidFill>
                 <a:latin typeface="Verdana" pitchFamily="34" charset="0"/>
               </a:rPr>
-              <a:t>COMPARISON IN INDEPENDENT SAMPLES</a:t>
+              <a:t>COMPARISON</a:t>
             </a:r>
           </a:p>
           <a:p>
@@ -21355,7 +21899,7 @@
                 </a:solidFill>
                 <a:latin typeface="Verdana" pitchFamily="34" charset="0"/>
               </a:rPr>
-              <a:t>COMPARISON IN DEPENDENT SAMPLES</a:t>
+              <a:t>COMPARISON IN INDEPENDENT SAMPLES</a:t>
             </a:r>
           </a:p>
           <a:p>
@@ -21369,20 +21913,20 @@
             <a:r>
               <a:rPr lang="ca-ES" altLang="ca-ES" sz="2400" b="1" u="none" dirty="0">
                 <a:solidFill>
-                  <a:srgbClr val="990099"/>
+                  <a:srgbClr val="DFA5D4"/>
                 </a:solidFill>
                 <a:latin typeface="Verdana" pitchFamily="34" charset="0"/>
               </a:rPr>
-              <a:t>MORE THAN TWO GROUPS </a:t>
+              <a:t>TWO GROUPS </a:t>
             </a:r>
             <a:r>
               <a:rPr lang="ca-ES" altLang="ca-ES" sz="2400" u="none" dirty="0">
                 <a:solidFill>
-                  <a:srgbClr val="990099"/>
+                  <a:srgbClr val="DFA5D4"/>
                 </a:solidFill>
                 <a:latin typeface="Verdana" pitchFamily="34" charset="0"/>
               </a:rPr>
-              <a:t>COMPARISON IN INDEPENDENT SAMPLES</a:t>
+              <a:t>COMPARISON IN DEPENDENT SAMPLES</a:t>
             </a:r>
           </a:p>
           <a:p>
@@ -21396,7 +21940,7 @@
             <a:r>
               <a:rPr lang="ca-ES" altLang="ca-ES" sz="2400" b="1" u="none" dirty="0">
                 <a:solidFill>
-                  <a:srgbClr val="DFA5D4"/>
+                  <a:srgbClr val="990099"/>
                 </a:solidFill>
                 <a:latin typeface="Verdana" pitchFamily="34" charset="0"/>
               </a:rPr>
@@ -21405,11 +21949,11 @@
             <a:r>
               <a:rPr lang="ca-ES" altLang="ca-ES" sz="2400" u="none" dirty="0">
                 <a:solidFill>
-                  <a:srgbClr val="DFA5D4"/>
+                  <a:srgbClr val="990099"/>
                 </a:solidFill>
                 <a:latin typeface="Verdana" pitchFamily="34" charset="0"/>
               </a:rPr>
-              <a:t>COMPARISON IN DEPENDENT SAMPLES</a:t>
+              <a:t>COMPARISON IN INDEPENDENT SAMPLES</a:t>
             </a:r>
           </a:p>
           <a:p>
@@ -21420,12 +21964,15 @@
               <a:buFont typeface="Arial" pitchFamily="34" charset="0"/>
               <a:buAutoNum type="arabicPeriod"/>
             </a:pPr>
-            <a:endParaRPr lang="ca-ES" altLang="ca-ES" sz="2400" u="none" dirty="0">
-              <a:solidFill>
-                <a:srgbClr val="DFA5D4"/>
-              </a:solidFill>
-              <a:latin typeface="Verdana" pitchFamily="34" charset="0"/>
-            </a:endParaRPr>
+            <a:r>
+              <a:rPr lang="ca-ES" altLang="ca-ES" sz="2400" u="none" dirty="0">
+                <a:solidFill>
+                  <a:srgbClr val="DFA5D4"/>
+                </a:solidFill>
+                <a:latin typeface="Verdana" pitchFamily="34" charset="0"/>
+              </a:rPr>
+              <a:t>MULTIPLE COMPARISONS AND MULTIPLE TESTING</a:t>
+            </a:r>
           </a:p>
         </p:txBody>
       </p:sp>
@@ -21593,107 +22140,6 @@
     <p:extLst>
       <p:ext uri="{BB962C8B-B14F-4D97-AF65-F5344CB8AC3E}">
         <p14:creationId xmlns:p14="http://schemas.microsoft.com/office/powerpoint/2010/main" val="1886132532"/>
-      </p:ext>
-    </p:extLst>
-  </p:cSld>
-  <p:clrMapOvr>
-    <a:masterClrMapping/>
-  </p:clrMapOvr>
-</p:sld>
-</file>
-
-<file path=ppt/slides/slide43.xml><?xml version="1.0" encoding="utf-8"?>
-<p:sld xmlns:a="http://schemas.openxmlformats.org/drawingml/2006/main" xmlns:r="http://schemas.openxmlformats.org/officeDocument/2006/relationships" xmlns:p="http://schemas.openxmlformats.org/presentationml/2006/main">
-  <p:cSld>
-    <p:spTree>
-      <p:nvGrpSpPr>
-        <p:cNvPr id="1" name=""/>
-        <p:cNvGrpSpPr/>
-        <p:nvPr/>
-      </p:nvGrpSpPr>
-      <p:grpSpPr>
-        <a:xfrm>
-          <a:off x="0" y="0"/>
-          <a:ext cx="0" cy="0"/>
-          <a:chOff x="0" y="0"/>
-          <a:chExt cx="0" cy="0"/>
-        </a:xfrm>
-      </p:grpSpPr>
-      <p:sp>
-        <p:nvSpPr>
-          <p:cNvPr id="4" name="3 Título"/>
-          <p:cNvSpPr>
-            <a:spLocks noGrp="1"/>
-          </p:cNvSpPr>
-          <p:nvPr>
-            <p:ph type="ctrTitle"/>
-          </p:nvPr>
-        </p:nvSpPr>
-        <p:spPr>
-          <a:xfrm>
-            <a:off x="560512" y="2130425"/>
-            <a:ext cx="8602538" cy="1470025"/>
-          </a:xfrm>
-        </p:spPr>
-        <p:txBody>
-          <a:bodyPr/>
-          <a:lstStyle/>
-          <a:p>
-            <a:r>
-              <a:rPr lang="ca-ES" dirty="0" err="1">
-                <a:solidFill>
-                  <a:srgbClr val="990099"/>
-                </a:solidFill>
-              </a:rPr>
-              <a:t>Three</a:t>
-            </a:r>
-            <a:r>
-              <a:rPr lang="ca-ES" dirty="0">
-                <a:solidFill>
-                  <a:srgbClr val="990099"/>
-                </a:solidFill>
-              </a:rPr>
-              <a:t> or </a:t>
-            </a:r>
-            <a:r>
-              <a:rPr lang="ca-ES" dirty="0" err="1">
-                <a:solidFill>
-                  <a:srgbClr val="990099"/>
-                </a:solidFill>
-              </a:rPr>
-              <a:t>more</a:t>
-            </a:r>
-            <a:r>
-              <a:rPr lang="ca-ES" dirty="0">
-                <a:solidFill>
-                  <a:srgbClr val="990099"/>
-                </a:solidFill>
-              </a:rPr>
-              <a:t> </a:t>
-            </a:r>
-            <a:r>
-              <a:rPr lang="ca-ES" dirty="0" err="1">
-                <a:solidFill>
-                  <a:srgbClr val="990099"/>
-                </a:solidFill>
-              </a:rPr>
-              <a:t>groups</a:t>
-            </a:r>
-            <a:r>
-              <a:rPr lang="ca-ES" dirty="0">
-                <a:solidFill>
-                  <a:srgbClr val="990099"/>
-                </a:solidFill>
-              </a:rPr>
-              <a:t> to compare</a:t>
-            </a:r>
-          </a:p>
-        </p:txBody>
-      </p:sp>
-    </p:spTree>
-    <p:extLst>
-      <p:ext uri="{BB962C8B-B14F-4D97-AF65-F5344CB8AC3E}">
-        <p14:creationId xmlns:p14="http://schemas.microsoft.com/office/powerpoint/2010/main" val="2921304016"/>
       </p:ext>
     </p:extLst>
   </p:cSld>
@@ -24918,8 +25364,8 @@
         </p:nvSpPr>
         <p:spPr bwMode="auto">
           <a:xfrm>
-            <a:off x="992560" y="1050326"/>
-            <a:ext cx="7847012" cy="5816977"/>
+            <a:off x="992560" y="1077699"/>
+            <a:ext cx="8640960" cy="6555641"/>
           </a:xfrm>
           <a:prstGeom prst="rect">
             <a:avLst/>
@@ -24933,7 +25379,7 @@
           </a:ln>
         </p:spPr>
         <p:txBody>
-          <a:bodyPr>
+          <a:bodyPr wrap="square">
             <a:spAutoFit/>
           </a:bodyPr>
           <a:lstStyle/>
@@ -25012,7 +25458,7 @@
                 </a:solidFill>
                 <a:latin typeface="Verdana" pitchFamily="34" charset="0"/>
               </a:rPr>
-              <a:t>TWO GROUPS </a:t>
+              <a:t>ONE GROUP </a:t>
             </a:r>
             <a:r>
               <a:rPr lang="ca-ES" altLang="ca-ES" sz="2400" u="none" dirty="0">
@@ -25021,7 +25467,7 @@
                 </a:solidFill>
                 <a:latin typeface="Verdana" pitchFamily="34" charset="0"/>
               </a:rPr>
-              <a:t>COMPARISON IN INDEPENDENT SAMPLES</a:t>
+              <a:t>COMPARISONS</a:t>
             </a:r>
           </a:p>
           <a:p>
@@ -25048,7 +25494,7 @@
                 </a:solidFill>
                 <a:latin typeface="Verdana" pitchFamily="34" charset="0"/>
               </a:rPr>
-              <a:t>COMPARISON IN DEPENDENT SAMPLES</a:t>
+              <a:t>COMPARISON IN INDEPENDENT SAMPLES</a:t>
             </a:r>
           </a:p>
           <a:p>
@@ -25066,7 +25512,7 @@
                 </a:solidFill>
                 <a:latin typeface="Verdana" pitchFamily="34" charset="0"/>
               </a:rPr>
-              <a:t>MORE THAN TWO GROUPS </a:t>
+              <a:t>TWO GROUPS </a:t>
             </a:r>
             <a:r>
               <a:rPr lang="ca-ES" altLang="ca-ES" sz="2400" u="none" dirty="0">
@@ -25075,7 +25521,7 @@
                 </a:solidFill>
                 <a:latin typeface="Verdana" pitchFamily="34" charset="0"/>
               </a:rPr>
-              <a:t>COMPARISON IN INDEPENDENT SAMPLES</a:t>
+              <a:t>COMPARISON IN DEPENDENT SAMPLES</a:t>
             </a:r>
           </a:p>
           <a:p>
@@ -25102,7 +25548,7 @@
                 </a:solidFill>
                 <a:latin typeface="Verdana" pitchFamily="34" charset="0"/>
               </a:rPr>
-              <a:t>COMPARISON IN DEPENDENT SAMPLES</a:t>
+              <a:t>COMPARISON IN INDEPENDENT SAMPLES</a:t>
             </a:r>
           </a:p>
           <a:p>
@@ -25112,6 +25558,37 @@
               </a:spcBef>
               <a:buFont typeface="Arial" pitchFamily="34" charset="0"/>
               <a:buAutoNum type="arabicPeriod"/>
+            </a:pPr>
+            <a:r>
+              <a:rPr lang="ca-ES" altLang="ca-ES" sz="2400" u="none" dirty="0">
+                <a:solidFill>
+                  <a:srgbClr val="DFA5D4"/>
+                </a:solidFill>
+                <a:latin typeface="Verdana" pitchFamily="34" charset="0"/>
+              </a:rPr>
+              <a:t>MULTIPLE COMPARISONS AND MULTIPLE TESTING</a:t>
+            </a:r>
+          </a:p>
+          <a:p>
+            <a:pPr marL="342900" indent="-342900">
+              <a:spcBef>
+                <a:spcPct val="50000"/>
+              </a:spcBef>
+              <a:buFont typeface="Arial" pitchFamily="34" charset="0"/>
+              <a:buAutoNum type="arabicPeriod"/>
+            </a:pPr>
+            <a:endParaRPr lang="ca-ES" altLang="ca-ES" sz="2400" u="none" dirty="0">
+              <a:solidFill>
+                <a:srgbClr val="DFA5D4"/>
+              </a:solidFill>
+              <a:latin typeface="Verdana" pitchFamily="34" charset="0"/>
+            </a:endParaRPr>
+          </a:p>
+          <a:p>
+            <a:pPr>
+              <a:spcBef>
+                <a:spcPct val="50000"/>
+              </a:spcBef>
             </a:pPr>
             <a:endParaRPr lang="ca-ES" altLang="ca-ES" sz="2400" u="none" dirty="0">
               <a:solidFill>
@@ -25291,6 +25768,816 @@
 </file>
 
 <file path=ppt/slides/slide50.xml><?xml version="1.0" encoding="utf-8"?>
+<p:sld xmlns:a="http://schemas.openxmlformats.org/drawingml/2006/main" xmlns:r="http://schemas.openxmlformats.org/officeDocument/2006/relationships" xmlns:p="http://schemas.openxmlformats.org/presentationml/2006/main">
+  <p:cSld>
+    <p:spTree>
+      <p:nvGrpSpPr>
+        <p:cNvPr id="1" name=""/>
+        <p:cNvGrpSpPr/>
+        <p:nvPr/>
+      </p:nvGrpSpPr>
+      <p:grpSpPr>
+        <a:xfrm>
+          <a:off x="0" y="0"/>
+          <a:ext cx="0" cy="0"/>
+          <a:chOff x="0" y="0"/>
+          <a:chExt cx="0" cy="0"/>
+        </a:xfrm>
+      </p:grpSpPr>
+      <p:sp>
+        <p:nvSpPr>
+          <p:cNvPr id="2" name="1 Título"/>
+          <p:cNvSpPr>
+            <a:spLocks noGrp="1"/>
+          </p:cNvSpPr>
+          <p:nvPr>
+            <p:ph type="title"/>
+          </p:nvPr>
+        </p:nvSpPr>
+        <p:spPr/>
+        <p:txBody>
+          <a:bodyPr/>
+          <a:lstStyle/>
+          <a:p>
+            <a:r>
+              <a:rPr lang="es-ES_tradnl" dirty="0" err="1"/>
+              <a:t>Kruskal</a:t>
+            </a:r>
+            <a:r>
+              <a:rPr lang="es-ES_tradnl" dirty="0"/>
+              <a:t>-Wallis test</a:t>
+            </a:r>
+          </a:p>
+        </p:txBody>
+      </p:sp>
+      <p:sp>
+        <p:nvSpPr>
+          <p:cNvPr id="3" name="2 Marcador de contenido"/>
+          <p:cNvSpPr>
+            <a:spLocks noGrp="1"/>
+          </p:cNvSpPr>
+          <p:nvPr>
+            <p:ph idx="1"/>
+          </p:nvPr>
+        </p:nvSpPr>
+        <p:spPr>
+          <a:xfrm>
+            <a:off x="488504" y="980729"/>
+            <a:ext cx="8915400" cy="1152128"/>
+          </a:xfrm>
+        </p:spPr>
+        <p:txBody>
+          <a:bodyPr/>
+          <a:lstStyle/>
+          <a:p>
+            <a:r>
+              <a:rPr lang="es-ES_tradnl" sz="2800" dirty="0" err="1"/>
+              <a:t>Is</a:t>
+            </a:r>
+            <a:r>
+              <a:rPr lang="es-ES_tradnl" sz="2800" dirty="0"/>
+              <a:t> </a:t>
+            </a:r>
+            <a:r>
+              <a:rPr lang="es-ES_tradnl" sz="2800" dirty="0" err="1"/>
+              <a:t>the</a:t>
+            </a:r>
+            <a:r>
+              <a:rPr lang="es-ES_tradnl" sz="2800" dirty="0"/>
+              <a:t> non-</a:t>
+            </a:r>
+            <a:r>
+              <a:rPr lang="es-ES_tradnl" sz="2800" dirty="0" err="1"/>
+              <a:t>parametric</a:t>
+            </a:r>
+            <a:r>
+              <a:rPr lang="es-ES_tradnl" sz="2800" dirty="0"/>
+              <a:t> versión of ANOVA </a:t>
+            </a:r>
+            <a:r>
+              <a:rPr lang="es-ES_tradnl" sz="2800" dirty="0" err="1"/>
+              <a:t>based</a:t>
+            </a:r>
+            <a:r>
+              <a:rPr lang="es-ES_tradnl" sz="2800" dirty="0"/>
+              <a:t> </a:t>
+            </a:r>
+            <a:r>
+              <a:rPr lang="es-ES_tradnl" sz="2800" dirty="0" err="1"/>
+              <a:t>on</a:t>
+            </a:r>
+            <a:r>
+              <a:rPr lang="es-ES_tradnl" sz="2800" dirty="0"/>
+              <a:t> </a:t>
+            </a:r>
+            <a:r>
+              <a:rPr lang="es-ES_tradnl" sz="2800" dirty="0" err="1"/>
+              <a:t>ranks</a:t>
+            </a:r>
+            <a:endParaRPr lang="es-ES_tradnl" sz="2800" dirty="0">
+              <a:latin typeface="Courier New" pitchFamily="49" charset="0"/>
+              <a:cs typeface="Courier New" pitchFamily="49" charset="0"/>
+            </a:endParaRPr>
+          </a:p>
+          <a:p>
+            <a:endParaRPr lang="es-ES_tradnl" sz="2800" dirty="0"/>
+          </a:p>
+          <a:p>
+            <a:pPr>
+              <a:buNone/>
+            </a:pPr>
+            <a:endParaRPr lang="es-ES_tradnl" sz="2800" dirty="0"/>
+          </a:p>
+          <a:p>
+            <a:endParaRPr lang="es-ES_tradnl" sz="2800" dirty="0"/>
+          </a:p>
+        </p:txBody>
+      </p:sp>
+      <p:pic>
+        <p:nvPicPr>
+          <p:cNvPr id="23555" name="Picture 3"/>
+          <p:cNvPicPr>
+            <a:picLocks noChangeAspect="1" noChangeArrowheads="1"/>
+          </p:cNvPicPr>
+          <p:nvPr/>
+        </p:nvPicPr>
+        <p:blipFill>
+          <a:blip r:embed="rId2" cstate="print">
+            <a:extLst>
+              <a:ext uri="{28A0092B-C50C-407E-A947-70E740481C1C}">
+                <a14:useLocalDpi xmlns:a14="http://schemas.microsoft.com/office/drawing/2010/main" val="0"/>
+              </a:ext>
+            </a:extLst>
+          </a:blip>
+          <a:srcRect/>
+          <a:stretch>
+            <a:fillRect/>
+          </a:stretch>
+        </p:blipFill>
+        <p:spPr bwMode="auto">
+          <a:xfrm>
+            <a:off x="4664968" y="4471026"/>
+            <a:ext cx="5132065" cy="2427743"/>
+          </a:xfrm>
+          <a:prstGeom prst="rect">
+            <a:avLst/>
+          </a:prstGeom>
+          <a:noFill/>
+          <a:ln>
+            <a:noFill/>
+          </a:ln>
+          <a:extLst>
+            <a:ext uri="{909E8E84-426E-40DD-AFC4-6F175D3DCCD1}">
+              <a14:hiddenFill xmlns:a14="http://schemas.microsoft.com/office/drawing/2010/main">
+                <a:solidFill>
+                  <a:schemeClr val="accent1"/>
+                </a:solidFill>
+              </a14:hiddenFill>
+            </a:ext>
+            <a:ext uri="{91240B29-F687-4F45-9708-019B960494DF}">
+              <a14:hiddenLine xmlns:a14="http://schemas.microsoft.com/office/drawing/2010/main" w="9525">
+                <a:solidFill>
+                  <a:schemeClr val="tx1"/>
+                </a:solidFill>
+                <a:miter lim="800000"/>
+                <a:headEnd/>
+                <a:tailEnd/>
+              </a14:hiddenLine>
+            </a:ext>
+          </a:extLst>
+        </p:spPr>
+      </p:pic>
+      <p:pic>
+        <p:nvPicPr>
+          <p:cNvPr id="9218" name="Picture 2"/>
+          <p:cNvPicPr>
+            <a:picLocks noChangeAspect="1" noChangeArrowheads="1"/>
+          </p:cNvPicPr>
+          <p:nvPr/>
+        </p:nvPicPr>
+        <p:blipFill>
+          <a:blip r:embed="rId3" cstate="print"/>
+          <a:srcRect/>
+          <a:stretch>
+            <a:fillRect/>
+          </a:stretch>
+        </p:blipFill>
+        <p:spPr bwMode="auto">
+          <a:xfrm>
+            <a:off x="416496" y="1988840"/>
+            <a:ext cx="4221386" cy="2592288"/>
+          </a:xfrm>
+          <a:prstGeom prst="rect">
+            <a:avLst/>
+          </a:prstGeom>
+          <a:noFill/>
+          <a:ln w="9525">
+            <a:noFill/>
+            <a:miter lim="800000"/>
+            <a:headEnd/>
+            <a:tailEnd/>
+          </a:ln>
+        </p:spPr>
+      </p:pic>
+    </p:spTree>
+    <p:extLst>
+      <p:ext uri="{BB962C8B-B14F-4D97-AF65-F5344CB8AC3E}">
+        <p14:creationId xmlns:p14="http://schemas.microsoft.com/office/powerpoint/2010/main" val="2875364784"/>
+      </p:ext>
+    </p:extLst>
+  </p:cSld>
+  <p:clrMapOvr>
+    <a:masterClrMapping/>
+  </p:clrMapOvr>
+</p:sld>
+</file>
+
+<file path=ppt/slides/slide51.xml><?xml version="1.0" encoding="utf-8"?>
+<p:sld xmlns:a="http://schemas.openxmlformats.org/drawingml/2006/main" xmlns:r="http://schemas.openxmlformats.org/officeDocument/2006/relationships" xmlns:p="http://schemas.openxmlformats.org/presentationml/2006/main">
+  <p:cSld>
+    <p:spTree>
+      <p:nvGrpSpPr>
+        <p:cNvPr id="1" name=""/>
+        <p:cNvGrpSpPr/>
+        <p:nvPr/>
+      </p:nvGrpSpPr>
+      <p:grpSpPr>
+        <a:xfrm>
+          <a:off x="0" y="0"/>
+          <a:ext cx="0" cy="0"/>
+          <a:chOff x="0" y="0"/>
+          <a:chExt cx="0" cy="0"/>
+        </a:xfrm>
+      </p:grpSpPr>
+      <p:pic>
+        <p:nvPicPr>
+          <p:cNvPr id="24578" name="Picture 2"/>
+          <p:cNvPicPr>
+            <a:picLocks noChangeAspect="1" noChangeArrowheads="1"/>
+          </p:cNvPicPr>
+          <p:nvPr/>
+        </p:nvPicPr>
+        <p:blipFill>
+          <a:blip r:embed="rId2" cstate="print">
+            <a:extLst>
+              <a:ext uri="{28A0092B-C50C-407E-A947-70E740481C1C}">
+                <a14:useLocalDpi xmlns:a14="http://schemas.microsoft.com/office/drawing/2010/main" val="0"/>
+              </a:ext>
+            </a:extLst>
+          </a:blip>
+          <a:srcRect/>
+          <a:stretch>
+            <a:fillRect/>
+          </a:stretch>
+        </p:blipFill>
+        <p:spPr bwMode="auto">
+          <a:xfrm>
+            <a:off x="499006" y="989989"/>
+            <a:ext cx="9439547" cy="4896544"/>
+          </a:xfrm>
+          <a:prstGeom prst="rect">
+            <a:avLst/>
+          </a:prstGeom>
+          <a:noFill/>
+          <a:ln>
+            <a:noFill/>
+          </a:ln>
+          <a:extLst>
+            <a:ext uri="{909E8E84-426E-40DD-AFC4-6F175D3DCCD1}">
+              <a14:hiddenFill xmlns:a14="http://schemas.microsoft.com/office/drawing/2010/main">
+                <a:solidFill>
+                  <a:schemeClr val="accent1"/>
+                </a:solidFill>
+              </a14:hiddenFill>
+            </a:ext>
+            <a:ext uri="{91240B29-F687-4F45-9708-019B960494DF}">
+              <a14:hiddenLine xmlns:a14="http://schemas.microsoft.com/office/drawing/2010/main" w="9525">
+                <a:solidFill>
+                  <a:schemeClr val="tx1"/>
+                </a:solidFill>
+                <a:miter lim="800000"/>
+                <a:headEnd/>
+                <a:tailEnd/>
+              </a14:hiddenLine>
+            </a:ext>
+          </a:extLst>
+        </p:spPr>
+      </p:pic>
+      <p:sp>
+        <p:nvSpPr>
+          <p:cNvPr id="5" name="3 Elipse"/>
+          <p:cNvSpPr/>
+          <p:nvPr/>
+        </p:nvSpPr>
+        <p:spPr bwMode="auto">
+          <a:xfrm>
+            <a:off x="6033120" y="5210594"/>
+            <a:ext cx="3024336" cy="648072"/>
+          </a:xfrm>
+          <a:prstGeom prst="ellipse">
+            <a:avLst/>
+          </a:prstGeom>
+          <a:noFill/>
+          <a:ln w="57150" cap="flat" cmpd="sng" algn="ctr">
+            <a:solidFill>
+              <a:srgbClr val="990099"/>
+            </a:solidFill>
+            <a:prstDash val="solid"/>
+            <a:round/>
+            <a:headEnd type="none" w="med" len="med"/>
+            <a:tailEnd type="none" w="med" len="med"/>
+          </a:ln>
+          <a:effectLst/>
+        </p:spPr>
+        <p:txBody>
+          <a:bodyPr vert="horz" wrap="none" lIns="91440" tIns="45720" rIns="91440" bIns="45720" numCol="1" rtlCol="0" anchor="ctr" anchorCtr="0" compatLnSpc="1">
+            <a:prstTxWarp prst="textNoShape">
+              <a:avLst/>
+            </a:prstTxWarp>
+          </a:bodyPr>
+          <a:lstStyle/>
+          <a:p>
+            <a:pPr marL="0" marR="0" indent="0" algn="ctr" defTabSz="914400" rtl="0" eaLnBrk="1" fontAlgn="base" latinLnBrk="0" hangingPunct="1">
+              <a:lnSpc>
+                <a:spcPct val="100000"/>
+              </a:lnSpc>
+              <a:spcBef>
+                <a:spcPct val="0"/>
+              </a:spcBef>
+              <a:spcAft>
+                <a:spcPct val="0"/>
+              </a:spcAft>
+              <a:buClrTx/>
+              <a:buSzTx/>
+              <a:buFontTx/>
+              <a:buNone/>
+              <a:tabLst/>
+            </a:pPr>
+            <a:endParaRPr kumimoji="0" lang="es-ES" sz="1800" b="0" i="0" u="sng" strike="noStrike" cap="none" normalizeH="0" baseline="0">
+              <a:ln>
+                <a:noFill/>
+              </a:ln>
+              <a:solidFill>
+                <a:schemeClr val="tx1"/>
+              </a:solidFill>
+              <a:effectLst/>
+              <a:latin typeface="Arial" charset="0"/>
+            </a:endParaRPr>
+          </a:p>
+        </p:txBody>
+      </p:sp>
+      <p:sp>
+        <p:nvSpPr>
+          <p:cNvPr id="6" name="1 Título"/>
+          <p:cNvSpPr>
+            <a:spLocks noGrp="1"/>
+          </p:cNvSpPr>
+          <p:nvPr>
+            <p:ph type="title"/>
+          </p:nvPr>
+        </p:nvSpPr>
+        <p:spPr>
+          <a:xfrm>
+            <a:off x="495300" y="274638"/>
+            <a:ext cx="8915400" cy="1143000"/>
+          </a:xfrm>
+        </p:spPr>
+        <p:txBody>
+          <a:bodyPr/>
+          <a:lstStyle/>
+          <a:p>
+            <a:r>
+              <a:rPr lang="es-ES_tradnl" dirty="0" err="1"/>
+              <a:t>Kruskal</a:t>
+            </a:r>
+            <a:r>
+              <a:rPr lang="es-ES_tradnl" dirty="0"/>
+              <a:t>-Wallis Test</a:t>
+            </a:r>
+          </a:p>
+        </p:txBody>
+      </p:sp>
+    </p:spTree>
+    <p:extLst>
+      <p:ext uri="{BB962C8B-B14F-4D97-AF65-F5344CB8AC3E}">
+        <p14:creationId xmlns:p14="http://schemas.microsoft.com/office/powerpoint/2010/main" val="3268610048"/>
+      </p:ext>
+    </p:extLst>
+  </p:cSld>
+  <p:clrMapOvr>
+    <a:masterClrMapping/>
+  </p:clrMapOvr>
+</p:sld>
+</file>
+
+<file path=ppt/slides/slide52.xml><?xml version="1.0" encoding="utf-8"?>
+<p:sld xmlns:a="http://schemas.openxmlformats.org/drawingml/2006/main" xmlns:r="http://schemas.openxmlformats.org/officeDocument/2006/relationships" xmlns:p="http://schemas.openxmlformats.org/presentationml/2006/main">
+  <p:cSld>
+    <p:spTree>
+      <p:nvGrpSpPr>
+        <p:cNvPr id="1" name=""/>
+        <p:cNvGrpSpPr/>
+        <p:nvPr/>
+      </p:nvGrpSpPr>
+      <p:grpSpPr>
+        <a:xfrm>
+          <a:off x="0" y="0"/>
+          <a:ext cx="0" cy="0"/>
+          <a:chOff x="0" y="0"/>
+          <a:chExt cx="0" cy="0"/>
+        </a:xfrm>
+      </p:grpSpPr>
+      <p:sp>
+        <p:nvSpPr>
+          <p:cNvPr id="6146" name="Text Box 5"/>
+          <p:cNvSpPr txBox="1">
+            <a:spLocks noChangeArrowheads="1"/>
+          </p:cNvSpPr>
+          <p:nvPr/>
+        </p:nvSpPr>
+        <p:spPr bwMode="auto">
+          <a:xfrm>
+            <a:off x="992560" y="1050326"/>
+            <a:ext cx="8424936" cy="5447645"/>
+          </a:xfrm>
+          <a:prstGeom prst="rect">
+            <a:avLst/>
+          </a:prstGeom>
+          <a:noFill/>
+          <a:ln w="9525">
+            <a:noFill/>
+            <a:miter lim="800000"/>
+            <a:headEnd/>
+            <a:tailEnd/>
+          </a:ln>
+        </p:spPr>
+        <p:txBody>
+          <a:bodyPr wrap="square">
+            <a:spAutoFit/>
+          </a:bodyPr>
+          <a:lstStyle/>
+          <a:p>
+            <a:pPr marL="342900" indent="-342900">
+              <a:spcBef>
+                <a:spcPct val="50000"/>
+              </a:spcBef>
+              <a:buFont typeface="Arial" pitchFamily="34" charset="0"/>
+              <a:buAutoNum type="arabicPeriod"/>
+            </a:pPr>
+            <a:r>
+              <a:rPr lang="ca-ES" altLang="ca-ES" sz="2400" u="none" dirty="0">
+                <a:solidFill>
+                  <a:srgbClr val="DFA5D4"/>
+                </a:solidFill>
+                <a:latin typeface="Verdana" pitchFamily="34" charset="0"/>
+              </a:rPr>
+              <a:t>INTRODUCTION</a:t>
+            </a:r>
+            <a:endParaRPr lang="es-ES_tradnl" altLang="ca-ES" sz="2400" u="none" dirty="0">
+              <a:solidFill>
+                <a:srgbClr val="DFA5D4"/>
+              </a:solidFill>
+              <a:latin typeface="Verdana" pitchFamily="34" charset="0"/>
+            </a:endParaRPr>
+          </a:p>
+          <a:p>
+            <a:pPr marL="342900" indent="-342900">
+              <a:spcBef>
+                <a:spcPct val="50000"/>
+              </a:spcBef>
+              <a:buFont typeface="Arial" pitchFamily="34" charset="0"/>
+              <a:buAutoNum type="arabicPeriod"/>
+            </a:pPr>
+            <a:r>
+              <a:rPr lang="ca-ES" altLang="ca-ES" sz="2400" u="none" dirty="0">
+                <a:solidFill>
+                  <a:srgbClr val="DFA5D4"/>
+                </a:solidFill>
+                <a:latin typeface="Verdana" pitchFamily="34" charset="0"/>
+              </a:rPr>
+              <a:t>TYPE OF TEST</a:t>
+            </a:r>
+          </a:p>
+          <a:p>
+            <a:pPr marL="342900" indent="-342900">
+              <a:spcBef>
+                <a:spcPct val="50000"/>
+              </a:spcBef>
+              <a:buFont typeface="Arial" pitchFamily="34" charset="0"/>
+              <a:buAutoNum type="arabicPeriod"/>
+            </a:pPr>
+            <a:r>
+              <a:rPr lang="ca-ES" altLang="ca-ES" sz="2400" u="none" dirty="0">
+                <a:solidFill>
+                  <a:srgbClr val="DFA5D4"/>
+                </a:solidFill>
+                <a:latin typeface="Verdana" pitchFamily="34" charset="0"/>
+              </a:rPr>
+              <a:t>NORMALITY TEST</a:t>
+            </a:r>
+          </a:p>
+          <a:p>
+            <a:pPr marL="342900" indent="-342900">
+              <a:spcBef>
+                <a:spcPct val="50000"/>
+              </a:spcBef>
+              <a:buFont typeface="Arial" pitchFamily="34" charset="0"/>
+              <a:buAutoNum type="arabicPeriod"/>
+            </a:pPr>
+            <a:r>
+              <a:rPr lang="ca-ES" altLang="ca-ES" sz="2400" b="1" u="none" dirty="0">
+                <a:solidFill>
+                  <a:srgbClr val="DFA5D4"/>
+                </a:solidFill>
+                <a:latin typeface="Verdana" pitchFamily="34" charset="0"/>
+              </a:rPr>
+              <a:t>ONE GROUP </a:t>
+            </a:r>
+            <a:r>
+              <a:rPr lang="ca-ES" altLang="ca-ES" sz="2400" u="none" dirty="0">
+                <a:solidFill>
+                  <a:srgbClr val="DFA5D4"/>
+                </a:solidFill>
+                <a:latin typeface="Verdana" pitchFamily="34" charset="0"/>
+              </a:rPr>
+              <a:t>COMPARISON</a:t>
+            </a:r>
+          </a:p>
+          <a:p>
+            <a:pPr marL="342900" indent="-342900">
+              <a:spcBef>
+                <a:spcPct val="50000"/>
+              </a:spcBef>
+              <a:buFont typeface="Arial" pitchFamily="34" charset="0"/>
+              <a:buAutoNum type="arabicPeriod"/>
+            </a:pPr>
+            <a:r>
+              <a:rPr lang="ca-ES" altLang="ca-ES" sz="2400" b="1" u="none" dirty="0">
+                <a:solidFill>
+                  <a:srgbClr val="DFA5D4"/>
+                </a:solidFill>
+                <a:latin typeface="Verdana" pitchFamily="34" charset="0"/>
+              </a:rPr>
+              <a:t>TWO GROUPS </a:t>
+            </a:r>
+            <a:r>
+              <a:rPr lang="ca-ES" altLang="ca-ES" sz="2400" u="none" dirty="0">
+                <a:solidFill>
+                  <a:srgbClr val="DFA5D4"/>
+                </a:solidFill>
+                <a:latin typeface="Verdana" pitchFamily="34" charset="0"/>
+              </a:rPr>
+              <a:t>COMPARISON IN INDEPENDENT SAMPLES</a:t>
+            </a:r>
+          </a:p>
+          <a:p>
+            <a:pPr marL="342900" indent="-342900">
+              <a:spcBef>
+                <a:spcPct val="50000"/>
+              </a:spcBef>
+              <a:buFont typeface="Arial" pitchFamily="34" charset="0"/>
+              <a:buAutoNum type="arabicPeriod"/>
+            </a:pPr>
+            <a:r>
+              <a:rPr lang="ca-ES" altLang="ca-ES" sz="2400" b="1" u="none" dirty="0">
+                <a:solidFill>
+                  <a:srgbClr val="DFA5D4"/>
+                </a:solidFill>
+                <a:latin typeface="Verdana" pitchFamily="34" charset="0"/>
+              </a:rPr>
+              <a:t>TWO GROUPS </a:t>
+            </a:r>
+            <a:r>
+              <a:rPr lang="ca-ES" altLang="ca-ES" sz="2400" u="none" dirty="0">
+                <a:solidFill>
+                  <a:srgbClr val="DFA5D4"/>
+                </a:solidFill>
+                <a:latin typeface="Verdana" pitchFamily="34" charset="0"/>
+              </a:rPr>
+              <a:t>COMPARISON IN DEPENDENT SAMPLES</a:t>
+            </a:r>
+          </a:p>
+          <a:p>
+            <a:pPr marL="342900" indent="-342900">
+              <a:spcBef>
+                <a:spcPct val="50000"/>
+              </a:spcBef>
+              <a:buFont typeface="Arial" pitchFamily="34" charset="0"/>
+              <a:buAutoNum type="arabicPeriod"/>
+            </a:pPr>
+            <a:r>
+              <a:rPr lang="ca-ES" altLang="ca-ES" sz="2400" b="1" u="none" dirty="0">
+                <a:solidFill>
+                  <a:srgbClr val="DFA5D4"/>
+                </a:solidFill>
+                <a:latin typeface="Verdana" pitchFamily="34" charset="0"/>
+              </a:rPr>
+              <a:t>MORE THAN TWO GROUPS </a:t>
+            </a:r>
+            <a:r>
+              <a:rPr lang="ca-ES" altLang="ca-ES" sz="2400" u="none" dirty="0">
+                <a:solidFill>
+                  <a:srgbClr val="DFA5D4"/>
+                </a:solidFill>
+                <a:latin typeface="Verdana" pitchFamily="34" charset="0"/>
+              </a:rPr>
+              <a:t>COMPARISON IN INDEPENDENT SAMPLES</a:t>
+            </a:r>
+          </a:p>
+          <a:p>
+            <a:pPr marL="342900" indent="-342900">
+              <a:spcBef>
+                <a:spcPct val="50000"/>
+              </a:spcBef>
+              <a:buFont typeface="Arial" pitchFamily="34" charset="0"/>
+              <a:buAutoNum type="arabicPeriod"/>
+            </a:pPr>
+            <a:r>
+              <a:rPr lang="ca-ES" altLang="ca-ES" sz="2400" u="none" dirty="0">
+                <a:solidFill>
+                  <a:srgbClr val="990099"/>
+                </a:solidFill>
+                <a:latin typeface="Verdana" pitchFamily="34" charset="0"/>
+              </a:rPr>
+              <a:t>MULTIPLE COMPARISONS AND MULTIPLE TESTING</a:t>
+            </a:r>
+          </a:p>
+        </p:txBody>
+      </p:sp>
+      <p:sp>
+        <p:nvSpPr>
+          <p:cNvPr id="6147" name="Text Box 12"/>
+          <p:cNvSpPr txBox="1">
+            <a:spLocks noChangeArrowheads="1"/>
+          </p:cNvSpPr>
+          <p:nvPr/>
+        </p:nvSpPr>
+        <p:spPr bwMode="auto">
+          <a:xfrm>
+            <a:off x="1208088" y="1989138"/>
+            <a:ext cx="360362" cy="235642"/>
+          </a:xfrm>
+          <a:prstGeom prst="rect">
+            <a:avLst/>
+          </a:prstGeom>
+          <a:noFill/>
+          <a:ln w="9525">
+            <a:noFill/>
+            <a:miter lim="800000"/>
+            <a:headEnd/>
+            <a:tailEnd/>
+          </a:ln>
+        </p:spPr>
+        <p:txBody>
+          <a:bodyPr>
+            <a:spAutoFit/>
+          </a:bodyPr>
+          <a:lstStyle/>
+          <a:p>
+            <a:pPr>
+              <a:lnSpc>
+                <a:spcPct val="50000"/>
+              </a:lnSpc>
+              <a:spcBef>
+                <a:spcPct val="50000"/>
+              </a:spcBef>
+            </a:pPr>
+            <a:r>
+              <a:rPr lang="ca-ES" altLang="ca-ES" sz="1700" b="1" u="none">
+                <a:solidFill>
+                  <a:schemeClr val="bg1"/>
+                </a:solidFill>
+                <a:latin typeface="Verdana" pitchFamily="34" charset="0"/>
+              </a:rPr>
+              <a:t>3</a:t>
+            </a:r>
+            <a:endParaRPr lang="es-ES_tradnl" altLang="ca-ES" sz="1700" u="none">
+              <a:solidFill>
+                <a:schemeClr val="bg1"/>
+              </a:solidFill>
+              <a:latin typeface="Verdana" pitchFamily="34" charset="0"/>
+            </a:endParaRPr>
+          </a:p>
+        </p:txBody>
+      </p:sp>
+      <p:sp>
+        <p:nvSpPr>
+          <p:cNvPr id="6148" name="Text Box 20"/>
+          <p:cNvSpPr txBox="1">
+            <a:spLocks noChangeArrowheads="1"/>
+          </p:cNvSpPr>
+          <p:nvPr/>
+        </p:nvSpPr>
+        <p:spPr bwMode="auto">
+          <a:xfrm>
+            <a:off x="1193800" y="2854325"/>
+            <a:ext cx="360363" cy="235642"/>
+          </a:xfrm>
+          <a:prstGeom prst="rect">
+            <a:avLst/>
+          </a:prstGeom>
+          <a:noFill/>
+          <a:ln w="9525">
+            <a:noFill/>
+            <a:miter lim="800000"/>
+            <a:headEnd/>
+            <a:tailEnd/>
+          </a:ln>
+        </p:spPr>
+        <p:txBody>
+          <a:bodyPr>
+            <a:spAutoFit/>
+          </a:bodyPr>
+          <a:lstStyle/>
+          <a:p>
+            <a:pPr>
+              <a:lnSpc>
+                <a:spcPct val="50000"/>
+              </a:lnSpc>
+              <a:spcBef>
+                <a:spcPct val="50000"/>
+              </a:spcBef>
+            </a:pPr>
+            <a:r>
+              <a:rPr lang="ca-ES" altLang="ca-ES" sz="1700" b="1" u="none" dirty="0">
+                <a:solidFill>
+                  <a:schemeClr val="bg1"/>
+                </a:solidFill>
+                <a:latin typeface="Verdana" pitchFamily="34" charset="0"/>
+              </a:rPr>
+              <a:t>5</a:t>
+            </a:r>
+            <a:endParaRPr lang="es-ES_tradnl" altLang="ca-ES" sz="1700" b="1" u="none" dirty="0">
+              <a:solidFill>
+                <a:schemeClr val="bg1"/>
+              </a:solidFill>
+              <a:latin typeface="Verdana" pitchFamily="34" charset="0"/>
+            </a:endParaRPr>
+          </a:p>
+        </p:txBody>
+      </p:sp>
+      <p:sp>
+        <p:nvSpPr>
+          <p:cNvPr id="6149" name="16 CuadroTexto"/>
+          <p:cNvSpPr txBox="1">
+            <a:spLocks noChangeArrowheads="1"/>
+          </p:cNvSpPr>
+          <p:nvPr/>
+        </p:nvSpPr>
+        <p:spPr bwMode="auto">
+          <a:xfrm>
+            <a:off x="2597150" y="285750"/>
+            <a:ext cx="3651250" cy="584200"/>
+          </a:xfrm>
+          <a:prstGeom prst="rect">
+            <a:avLst/>
+          </a:prstGeom>
+          <a:noFill/>
+          <a:ln w="9525">
+            <a:noFill/>
+            <a:miter lim="800000"/>
+            <a:headEnd/>
+            <a:tailEnd/>
+          </a:ln>
+        </p:spPr>
+        <p:txBody>
+          <a:bodyPr>
+            <a:spAutoFit/>
+          </a:bodyPr>
+          <a:lstStyle/>
+          <a:p>
+            <a:r>
+              <a:rPr lang="es-ES" altLang="ca-ES" sz="3200" u="none" dirty="0">
+                <a:solidFill>
+                  <a:schemeClr val="tx2"/>
+                </a:solidFill>
+                <a:latin typeface="Verdana" pitchFamily="34" charset="0"/>
+              </a:rPr>
+              <a:t>Syllabus</a:t>
+            </a:r>
+            <a:endParaRPr lang="ca-ES" altLang="ca-ES" sz="3200" u="none" dirty="0">
+              <a:solidFill>
+                <a:schemeClr val="tx2"/>
+              </a:solidFill>
+              <a:latin typeface="Verdana" pitchFamily="34" charset="0"/>
+            </a:endParaRPr>
+          </a:p>
+        </p:txBody>
+      </p:sp>
+    </p:spTree>
+    <p:extLst>
+      <p:ext uri="{BB962C8B-B14F-4D97-AF65-F5344CB8AC3E}">
+        <p14:creationId xmlns:p14="http://schemas.microsoft.com/office/powerpoint/2010/main" val="3274876514"/>
+      </p:ext>
+    </p:extLst>
+  </p:cSld>
+  <p:clrMapOvr>
+    <a:masterClrMapping/>
+  </p:clrMapOvr>
+</p:sld>
+</file>
+
+<file path=ppt/slides/slide53.xml><?xml version="1.0" encoding="utf-8"?>
 <p:sld xmlns:a="http://schemas.openxmlformats.org/drawingml/2006/main" xmlns:r="http://schemas.openxmlformats.org/officeDocument/2006/relationships" xmlns:p="http://schemas.openxmlformats.org/presentationml/2006/main">
   <p:cSld>
     <p:spTree>
@@ -25396,6 +26683,74 @@
               </a:rPr>
               <a:t>Comparisons</a:t>
             </a:r>
+            <a:r>
+              <a:rPr kumimoji="0" lang="ca-ES" sz="4400" b="0" i="0" u="none" strike="noStrike" kern="1200" cap="none" spc="0" normalizeH="0" noProof="0" dirty="0">
+                <a:ln>
+                  <a:noFill/>
+                </a:ln>
+                <a:solidFill>
+                  <a:srgbClr val="990099"/>
+                </a:solidFill>
+                <a:effectLst/>
+                <a:uLnTx/>
+                <a:uFillTx/>
+                <a:latin typeface="+mj-lt"/>
+                <a:ea typeface="+mj-ea"/>
+                <a:cs typeface="+mj-cs"/>
+              </a:rPr>
+              <a:t> </a:t>
+            </a:r>
+            <a:r>
+              <a:rPr kumimoji="0" lang="ca-ES" sz="4400" b="0" i="0" u="none" strike="noStrike" kern="1200" cap="none" spc="0" normalizeH="0" noProof="0" dirty="0" err="1">
+                <a:ln>
+                  <a:noFill/>
+                </a:ln>
+                <a:solidFill>
+                  <a:srgbClr val="990099"/>
+                </a:solidFill>
+                <a:effectLst/>
+                <a:uLnTx/>
+                <a:uFillTx/>
+                <a:latin typeface="+mj-lt"/>
+                <a:ea typeface="+mj-ea"/>
+                <a:cs typeface="+mj-cs"/>
+              </a:rPr>
+              <a:t>and</a:t>
+            </a:r>
+            <a:r>
+              <a:rPr kumimoji="0" lang="ca-ES" sz="4400" b="0" i="0" u="none" strike="noStrike" kern="1200" cap="none" spc="0" normalizeH="0" noProof="0" dirty="0">
+                <a:ln>
+                  <a:noFill/>
+                </a:ln>
+                <a:solidFill>
+                  <a:srgbClr val="990099"/>
+                </a:solidFill>
+                <a:effectLst/>
+                <a:uLnTx/>
+                <a:uFillTx/>
+                <a:latin typeface="+mj-lt"/>
+                <a:ea typeface="+mj-ea"/>
+                <a:cs typeface="+mj-cs"/>
+              </a:rPr>
+              <a:t> múltiple </a:t>
+            </a:r>
+            <a:r>
+              <a:rPr kumimoji="0" lang="ca-ES" sz="4400" b="0" i="0" u="none" strike="noStrike" kern="1200" cap="none" spc="0" normalizeH="0" noProof="0" dirty="0" err="1">
+                <a:ln>
+                  <a:noFill/>
+                </a:ln>
+                <a:solidFill>
+                  <a:srgbClr val="990099"/>
+                </a:solidFill>
+                <a:effectLst/>
+                <a:uLnTx/>
+                <a:uFillTx/>
+                <a:latin typeface="+mj-lt"/>
+                <a:ea typeface="+mj-ea"/>
+                <a:cs typeface="+mj-cs"/>
+              </a:rPr>
+              <a:t>testing</a:t>
+            </a:r>
             <a:endParaRPr kumimoji="0" lang="ca-ES" sz="4400" b="0" i="0" u="none" strike="noStrike" kern="1200" cap="none" spc="0" normalizeH="0" baseline="0" noProof="0" dirty="0">
               <a:ln>
                 <a:noFill/>
@@ -25416,7 +26771,7 @@
     </p:spTree>
     <p:extLst>
       <p:ext uri="{BB962C8B-B14F-4D97-AF65-F5344CB8AC3E}">
-        <p14:creationId xmlns:p14="http://schemas.microsoft.com/office/powerpoint/2010/main" val="2169239639"/>
+        <p14:creationId xmlns:p14="http://schemas.microsoft.com/office/powerpoint/2010/main" val="767757779"/>
       </p:ext>
     </p:extLst>
   </p:cSld>
@@ -25426,7 +26781,126 @@
 </p:sld>
 </file>
 
-<file path=ppt/slides/slide51.xml><?xml version="1.0" encoding="utf-8"?>
+<file path=ppt/slides/slide54.xml><?xml version="1.0" encoding="utf-8"?>
+<p:sld xmlns:a="http://schemas.openxmlformats.org/drawingml/2006/main" xmlns:r="http://schemas.openxmlformats.org/officeDocument/2006/relationships" xmlns:p="http://schemas.openxmlformats.org/presentationml/2006/main">
+  <p:cSld>
+    <p:spTree>
+      <p:nvGrpSpPr>
+        <p:cNvPr id="1" name=""/>
+        <p:cNvGrpSpPr/>
+        <p:nvPr/>
+      </p:nvGrpSpPr>
+      <p:grpSpPr>
+        <a:xfrm>
+          <a:off x="0" y="0"/>
+          <a:ext cx="0" cy="0"/>
+          <a:chOff x="0" y="0"/>
+          <a:chExt cx="0" cy="0"/>
+        </a:xfrm>
+      </p:grpSpPr>
+      <p:sp>
+        <p:nvSpPr>
+          <p:cNvPr id="2" name="Título 1">
+            <a:extLst>
+              <a:ext uri="{FF2B5EF4-FFF2-40B4-BE49-F238E27FC236}">
+                <a16:creationId xmlns:a16="http://schemas.microsoft.com/office/drawing/2014/main" id="{5C3B7783-5CAB-4B6C-AD8E-B9EA82B283F5}"/>
+              </a:ext>
+            </a:extLst>
+          </p:cNvPr>
+          <p:cNvSpPr>
+            <a:spLocks noGrp="1"/>
+          </p:cNvSpPr>
+          <p:nvPr>
+            <p:ph type="title"/>
+          </p:nvPr>
+        </p:nvSpPr>
+        <p:spPr/>
+        <p:txBody>
+          <a:bodyPr/>
+          <a:lstStyle/>
+          <a:p>
+            <a:r>
+              <a:rPr lang="en-US" dirty="0"/>
+              <a:t>Testing hypothesis repeatedly</a:t>
+            </a:r>
+          </a:p>
+        </p:txBody>
+      </p:sp>
+      <p:sp>
+        <p:nvSpPr>
+          <p:cNvPr id="3" name="Marcador de contenido 2">
+            <a:extLst>
+              <a:ext uri="{FF2B5EF4-FFF2-40B4-BE49-F238E27FC236}">
+                <a16:creationId xmlns:a16="http://schemas.microsoft.com/office/drawing/2014/main" id="{868AAA79-5B17-4D1A-8A48-6CE110D2D423}"/>
+              </a:ext>
+            </a:extLst>
+          </p:cNvPr>
+          <p:cNvSpPr>
+            <a:spLocks noGrp="1"/>
+          </p:cNvSpPr>
+          <p:nvPr>
+            <p:ph idx="1"/>
+          </p:nvPr>
+        </p:nvSpPr>
+        <p:spPr>
+          <a:xfrm>
+            <a:off x="495300" y="1196752"/>
+            <a:ext cx="8915400" cy="4929411"/>
+          </a:xfrm>
+        </p:spPr>
+        <p:txBody>
+          <a:bodyPr/>
+          <a:lstStyle/>
+          <a:p>
+            <a:r>
+              <a:rPr lang="en-US" sz="2800" dirty="0"/>
+              <a:t>Every time we do a test there is a chance to take the wrong decision by rejecting the null hypothesis while it is TRUE.</a:t>
+            </a:r>
+          </a:p>
+          <a:p>
+            <a:r>
+              <a:rPr lang="en-US" sz="2800" dirty="0"/>
+              <a:t>If, instead, we do many tests simultaneously the probability that there is, by chance, at least one false positive increases and does not match the type I error probability anymore.</a:t>
+            </a:r>
+          </a:p>
+          <a:p>
+            <a:r>
+              <a:rPr lang="en-US" sz="2800" dirty="0"/>
+              <a:t>This increase in the probability of type I error has to be compensated in some way </a:t>
+            </a:r>
+            <a:r>
+              <a:rPr lang="en-US" sz="2800" dirty="0">
+                <a:sym typeface="Wingdings" panose="05000000000000000000" pitchFamily="2" charset="2"/>
+              </a:rPr>
+              <a:t> </a:t>
+            </a:r>
+            <a:r>
+              <a:rPr lang="en-US" sz="2800" b="1" dirty="0">
+                <a:sym typeface="Wingdings" panose="05000000000000000000" pitchFamily="2" charset="2"/>
+              </a:rPr>
+              <a:t>multiple testing adjustments</a:t>
+            </a:r>
+            <a:endParaRPr lang="en-US" sz="2800" b="1" dirty="0"/>
+          </a:p>
+          <a:p>
+            <a:endParaRPr lang="en-US" sz="2800" dirty="0"/>
+          </a:p>
+        </p:txBody>
+      </p:sp>
+    </p:spTree>
+    <p:extLst>
+      <p:ext uri="{BB962C8B-B14F-4D97-AF65-F5344CB8AC3E}">
+        <p14:creationId xmlns:p14="http://schemas.microsoft.com/office/powerpoint/2010/main" val="1476242204"/>
+      </p:ext>
+    </p:extLst>
+  </p:cSld>
+  <p:clrMapOvr>
+    <a:masterClrMapping/>
+  </p:clrMapOvr>
+</p:sld>
+</file>
+
+<file path=ppt/slides/slide55.xml><?xml version="1.0" encoding="utf-8"?>
 <p:sld xmlns:a="http://schemas.openxmlformats.org/drawingml/2006/main" xmlns:r="http://schemas.openxmlformats.org/officeDocument/2006/relationships" xmlns:p="http://schemas.openxmlformats.org/presentationml/2006/main">
   <p:cSld>
     <p:spTree>
@@ -25817,6 +27291,196 @@
               </a:tabLst>
             </a:pPr>
             <a:r>
+              <a:rPr lang="es-ES" altLang="ca-ES" sz="2400" u="none" dirty="0" err="1">
+                <a:solidFill>
+                  <a:srgbClr val="000000"/>
+                </a:solidFill>
+                <a:latin typeface="Calibri" pitchFamily="34" charset="0"/>
+                <a:ea typeface="MS PGothic" pitchFamily="34" charset="-128"/>
+              </a:rPr>
+              <a:t>The</a:t>
+            </a:r>
+            <a:r>
+              <a:rPr lang="es-ES" altLang="ca-ES" sz="2400" u="none" dirty="0">
+                <a:solidFill>
+                  <a:srgbClr val="000000"/>
+                </a:solidFill>
+                <a:latin typeface="Calibri" pitchFamily="34" charset="0"/>
+                <a:ea typeface="MS PGothic" pitchFamily="34" charset="-128"/>
+              </a:rPr>
+              <a:t> </a:t>
+            </a:r>
+            <a:r>
+              <a:rPr lang="es-ES" altLang="ca-ES" sz="2400" u="none" dirty="0" err="1">
+                <a:solidFill>
+                  <a:srgbClr val="000000"/>
+                </a:solidFill>
+                <a:latin typeface="Calibri" pitchFamily="34" charset="0"/>
+                <a:ea typeface="MS PGothic" pitchFamily="34" charset="-128"/>
+              </a:rPr>
+              <a:t>previous</a:t>
+            </a:r>
+            <a:r>
+              <a:rPr lang="es-ES" altLang="ca-ES" sz="2400" u="none" dirty="0">
+                <a:solidFill>
+                  <a:srgbClr val="000000"/>
+                </a:solidFill>
+                <a:latin typeface="Calibri" pitchFamily="34" charset="0"/>
+                <a:ea typeface="MS PGothic" pitchFamily="34" charset="-128"/>
+              </a:rPr>
+              <a:t> </a:t>
+            </a:r>
+            <a:r>
+              <a:rPr lang="es-ES" altLang="ca-ES" sz="2400" u="none" dirty="0" err="1">
+                <a:solidFill>
+                  <a:srgbClr val="000000"/>
+                </a:solidFill>
+                <a:latin typeface="Calibri" pitchFamily="34" charset="0"/>
+                <a:ea typeface="MS PGothic" pitchFamily="34" charset="-128"/>
+              </a:rPr>
+              <a:t>situation</a:t>
+            </a:r>
+            <a:r>
+              <a:rPr lang="es-ES" altLang="ca-ES" sz="2400" u="none" dirty="0">
+                <a:solidFill>
+                  <a:srgbClr val="000000"/>
+                </a:solidFill>
+                <a:latin typeface="Calibri" pitchFamily="34" charset="0"/>
+                <a:ea typeface="MS PGothic" pitchFamily="34" charset="-128"/>
+              </a:rPr>
+              <a:t> can be </a:t>
+            </a:r>
+            <a:r>
+              <a:rPr lang="es-ES" altLang="ca-ES" sz="2400" u="none" dirty="0" err="1">
+                <a:solidFill>
+                  <a:srgbClr val="000000"/>
+                </a:solidFill>
+                <a:latin typeface="Calibri" pitchFamily="34" charset="0"/>
+                <a:ea typeface="MS PGothic" pitchFamily="34" charset="-128"/>
+              </a:rPr>
+              <a:t>better</a:t>
+            </a:r>
+            <a:r>
+              <a:rPr lang="es-ES" altLang="ca-ES" sz="2400" u="none" dirty="0">
+                <a:solidFill>
+                  <a:srgbClr val="000000"/>
+                </a:solidFill>
+                <a:latin typeface="Calibri" pitchFamily="34" charset="0"/>
+                <a:ea typeface="MS PGothic" pitchFamily="34" charset="-128"/>
+              </a:rPr>
+              <a:t> </a:t>
+            </a:r>
+            <a:r>
+              <a:rPr lang="es-ES" altLang="ca-ES" sz="2400" u="none" dirty="0" err="1">
+                <a:solidFill>
+                  <a:srgbClr val="000000"/>
+                </a:solidFill>
+                <a:latin typeface="Calibri" pitchFamily="34" charset="0"/>
+                <a:ea typeface="MS PGothic" pitchFamily="34" charset="-128"/>
+              </a:rPr>
+              <a:t>understood</a:t>
+            </a:r>
+            <a:r>
+              <a:rPr lang="es-ES" altLang="ca-ES" sz="2400" u="none" dirty="0">
+                <a:solidFill>
+                  <a:srgbClr val="000000"/>
+                </a:solidFill>
+                <a:latin typeface="Calibri" pitchFamily="34" charset="0"/>
+                <a:ea typeface="MS PGothic" pitchFamily="34" charset="-128"/>
+              </a:rPr>
+              <a:t> </a:t>
+            </a:r>
+            <a:r>
+              <a:rPr lang="es-ES" altLang="ca-ES" sz="2400" u="none" dirty="0" err="1">
+                <a:solidFill>
+                  <a:srgbClr val="000000"/>
+                </a:solidFill>
+                <a:latin typeface="Calibri" pitchFamily="34" charset="0"/>
+                <a:ea typeface="MS PGothic" pitchFamily="34" charset="-128"/>
+              </a:rPr>
+              <a:t>with</a:t>
+            </a:r>
+            <a:r>
+              <a:rPr lang="es-ES" altLang="ca-ES" sz="2400" u="none" dirty="0">
+                <a:solidFill>
+                  <a:srgbClr val="000000"/>
+                </a:solidFill>
+                <a:latin typeface="Calibri" pitchFamily="34" charset="0"/>
+                <a:ea typeface="MS PGothic" pitchFamily="34" charset="-128"/>
+              </a:rPr>
+              <a:t> </a:t>
+            </a:r>
+            <a:r>
+              <a:rPr lang="es-ES" altLang="ca-ES" sz="2400" u="none" dirty="0" err="1">
+                <a:solidFill>
+                  <a:srgbClr val="000000"/>
+                </a:solidFill>
+                <a:latin typeface="Calibri" pitchFamily="34" charset="0"/>
+                <a:ea typeface="MS PGothic" pitchFamily="34" charset="-128"/>
+              </a:rPr>
+              <a:t>the</a:t>
+            </a:r>
+            <a:r>
+              <a:rPr lang="es-ES" altLang="ca-ES" sz="2400" u="none" dirty="0">
+                <a:solidFill>
+                  <a:srgbClr val="000000"/>
+                </a:solidFill>
+                <a:latin typeface="Calibri" pitchFamily="34" charset="0"/>
+                <a:ea typeface="MS PGothic" pitchFamily="34" charset="-128"/>
+              </a:rPr>
+              <a:t> “bridge </a:t>
+            </a:r>
+            <a:r>
+              <a:rPr lang="es-ES" altLang="ca-ES" sz="2400" u="none" dirty="0" err="1">
+                <a:solidFill>
+                  <a:srgbClr val="000000"/>
+                </a:solidFill>
+                <a:latin typeface="Calibri" pitchFamily="34" charset="0"/>
+                <a:ea typeface="MS PGothic" pitchFamily="34" charset="-128"/>
+              </a:rPr>
+              <a:t>analogy</a:t>
+            </a:r>
+            <a:r>
+              <a:rPr lang="es-ES" altLang="ca-ES" sz="2400" u="none" dirty="0">
+                <a:solidFill>
+                  <a:srgbClr val="000000"/>
+                </a:solidFill>
+                <a:latin typeface="Calibri" pitchFamily="34" charset="0"/>
+                <a:ea typeface="MS PGothic" pitchFamily="34" charset="-128"/>
+              </a:rPr>
+              <a:t>”.</a:t>
+            </a:r>
+          </a:p>
+          <a:p>
+            <a:pPr algn="just">
+              <a:spcAft>
+                <a:spcPts val="1425"/>
+              </a:spcAft>
+              <a:tabLst>
+                <a:tab pos="0" algn="l"/>
+                <a:tab pos="447675" algn="l"/>
+                <a:tab pos="896938" algn="l"/>
+                <a:tab pos="1346200" algn="l"/>
+                <a:tab pos="1795463" algn="l"/>
+                <a:tab pos="2244725" algn="l"/>
+                <a:tab pos="2693988" algn="l"/>
+                <a:tab pos="3143250" algn="l"/>
+                <a:tab pos="3592513" algn="l"/>
+                <a:tab pos="4041775" algn="l"/>
+                <a:tab pos="4491038" algn="l"/>
+                <a:tab pos="4940300" algn="l"/>
+                <a:tab pos="5389563" algn="l"/>
+                <a:tab pos="5838825" algn="l"/>
+                <a:tab pos="6288088" algn="l"/>
+                <a:tab pos="6737350" algn="l"/>
+                <a:tab pos="7186613" algn="l"/>
+                <a:tab pos="7635875" algn="l"/>
+                <a:tab pos="8085138" algn="l"/>
+                <a:tab pos="8534400" algn="l"/>
+                <a:tab pos="8983663" algn="l"/>
+              </a:tabLst>
+            </a:pPr>
+            <a:r>
               <a:rPr lang="es-ES" altLang="ca-ES" sz="2400" u="none" dirty="0">
                 <a:solidFill>
                   <a:srgbClr val="000000"/>
@@ -26449,7 +28113,7 @@
     </p:spTree>
     <p:extLst>
       <p:ext uri="{BB962C8B-B14F-4D97-AF65-F5344CB8AC3E}">
-        <p14:creationId xmlns:p14="http://schemas.microsoft.com/office/powerpoint/2010/main" val="80676826"/>
+        <p14:creationId xmlns:p14="http://schemas.microsoft.com/office/powerpoint/2010/main" val="530703385"/>
       </p:ext>
     </p:extLst>
   </p:cSld>
@@ -26487,7 +28151,7 @@
 </p:sld>
 </file>
 
-<file path=ppt/slides/slide52.xml><?xml version="1.0" encoding="utf-8"?>
+<file path=ppt/slides/slide56.xml><?xml version="1.0" encoding="utf-8"?>
 <p:sld xmlns:a="http://schemas.openxmlformats.org/drawingml/2006/main" xmlns:r="http://schemas.openxmlformats.org/officeDocument/2006/relationships" xmlns:p="http://schemas.openxmlformats.org/presentationml/2006/main">
   <p:cSld>
     <p:spTree>
@@ -27995,7 +29659,7 @@
     </p:spTree>
     <p:extLst>
       <p:ext uri="{BB962C8B-B14F-4D97-AF65-F5344CB8AC3E}">
-        <p14:creationId xmlns:p14="http://schemas.microsoft.com/office/powerpoint/2010/main" val="1899114369"/>
+        <p14:creationId xmlns:p14="http://schemas.microsoft.com/office/powerpoint/2010/main" val="1787417376"/>
       </p:ext>
     </p:extLst>
   </p:cSld>
@@ -28033,7 +29697,7 @@
 </p:sld>
 </file>
 
-<file path=ppt/slides/slide53.xml><?xml version="1.0" encoding="utf-8"?>
+<file path=ppt/slides/slide57.xml><?xml version="1.0" encoding="utf-8"?>
 <p:sld xmlns:a="http://schemas.openxmlformats.org/drawingml/2006/main" xmlns:r="http://schemas.openxmlformats.org/officeDocument/2006/relationships" xmlns:p="http://schemas.openxmlformats.org/presentationml/2006/main">
   <p:cSld>
     <p:spTree>
@@ -28828,7 +30492,7 @@
     </p:spTree>
     <p:extLst>
       <p:ext uri="{BB962C8B-B14F-4D97-AF65-F5344CB8AC3E}">
-        <p14:creationId xmlns:p14="http://schemas.microsoft.com/office/powerpoint/2010/main" val="926434776"/>
+        <p14:creationId xmlns:p14="http://schemas.microsoft.com/office/powerpoint/2010/main" val="1406278119"/>
       </p:ext>
     </p:extLst>
   </p:cSld>
@@ -28866,7 +30530,7 @@
 </p:sld>
 </file>
 
-<file path=ppt/slides/slide54.xml><?xml version="1.0" encoding="utf-8"?>
+<file path=ppt/slides/slide58.xml><?xml version="1.0" encoding="utf-8"?>
 <p:sld xmlns:a="http://schemas.openxmlformats.org/drawingml/2006/main" xmlns:r="http://schemas.openxmlformats.org/officeDocument/2006/relationships" xmlns:p="http://schemas.openxmlformats.org/presentationml/2006/main">
   <p:cSld>
     <p:spTree>
@@ -29901,7 +31565,7 @@
     </p:spTree>
     <p:extLst>
       <p:ext uri="{BB962C8B-B14F-4D97-AF65-F5344CB8AC3E}">
-        <p14:creationId xmlns:p14="http://schemas.microsoft.com/office/powerpoint/2010/main" val="702222584"/>
+        <p14:creationId xmlns:p14="http://schemas.microsoft.com/office/powerpoint/2010/main" val="415243690"/>
       </p:ext>
     </p:extLst>
   </p:cSld>
@@ -29939,7 +31603,7 @@
 </p:sld>
 </file>
 
-<file path=ppt/slides/slide55.xml><?xml version="1.0" encoding="utf-8"?>
+<file path=ppt/slides/slide59.xml><?xml version="1.0" encoding="utf-8"?>
 <p:sld xmlns:a="http://schemas.openxmlformats.org/drawingml/2006/main" xmlns:r="http://schemas.openxmlformats.org/officeDocument/2006/relationships" xmlns:p="http://schemas.openxmlformats.org/presentationml/2006/main">
   <p:cSld>
     <p:spTree>
@@ -30532,7 +32196,7 @@
                 <a:latin typeface="Calibri" pitchFamily="34" charset="0"/>
                 <a:ea typeface="MS PGothic" pitchFamily="34" charset="-128"/>
               </a:rPr>
-              <a:t> of </a:t>
+              <a:t> </a:t>
             </a:r>
             <a:r>
               <a:rPr lang="es-ES" altLang="ca-ES" sz="3200" u="none" dirty="0" err="1">
@@ -30542,7 +32206,7 @@
                 <a:latin typeface="Calibri" pitchFamily="34" charset="0"/>
                 <a:ea typeface="MS PGothic" pitchFamily="34" charset="-128"/>
               </a:rPr>
-              <a:t>correction</a:t>
+              <a:t>of</a:t>
             </a:r>
             <a:r>
               <a:rPr lang="es-ES" altLang="ca-ES" sz="3200" u="none" dirty="0">
@@ -30562,6 +32226,26 @@
                 <a:latin typeface="Calibri" pitchFamily="34" charset="0"/>
                 <a:ea typeface="MS PGothic" pitchFamily="34" charset="-128"/>
               </a:rPr>
+              <a:t>adjustment</a:t>
+            </a:r>
+            <a:r>
+              <a:rPr lang="es-ES" altLang="ca-ES" sz="3200" u="none" dirty="0">
+                <a:solidFill>
+                  <a:srgbClr val="800080"/>
+                </a:solidFill>
+                <a:latin typeface="Calibri" pitchFamily="34" charset="0"/>
+                <a:ea typeface="MS PGothic" pitchFamily="34" charset="-128"/>
+              </a:rPr>
+              <a:t> </a:t>
+            </a:r>
+            <a:r>
+              <a:rPr lang="es-ES" altLang="ca-ES" sz="3200" u="none" dirty="0" err="1">
+                <a:solidFill>
+                  <a:srgbClr val="800080"/>
+                </a:solidFill>
+                <a:latin typeface="Calibri" pitchFamily="34" charset="0"/>
+                <a:ea typeface="MS PGothic" pitchFamily="34" charset="-128"/>
+              </a:rPr>
               <a:t>to</a:t>
             </a:r>
             <a:r>
@@ -30672,27 +32356,7 @@
                 <a:latin typeface="Calibri" pitchFamily="34" charset="0"/>
                 <a:ea typeface="MS PGothic" pitchFamily="34" charset="-128"/>
               </a:rPr>
-              <a:t> </a:t>
-            </a:r>
-            <a:r>
-              <a:rPr lang="es-ES" altLang="ca-ES" sz="3200" u="none" dirty="0" err="1">
-                <a:solidFill>
-                  <a:srgbClr val="800080"/>
-                </a:solidFill>
-                <a:latin typeface="Calibri" pitchFamily="34" charset="0"/>
-                <a:ea typeface="MS PGothic" pitchFamily="34" charset="-128"/>
-              </a:rPr>
-              <a:t>be</a:t>
-            </a:r>
-            <a:r>
-              <a:rPr lang="es-ES" altLang="ca-ES" sz="3200" u="none" dirty="0">
-                <a:solidFill>
-                  <a:srgbClr val="800080"/>
-                </a:solidFill>
-                <a:latin typeface="Calibri" pitchFamily="34" charset="0"/>
-                <a:ea typeface="MS PGothic" pitchFamily="34" charset="-128"/>
-              </a:rPr>
-              <a:t> </a:t>
+              <a:t> be </a:t>
             </a:r>
             <a:r>
               <a:rPr lang="es-ES" altLang="ca-ES" sz="3200" u="none" dirty="0" err="1">
@@ -31007,7 +32671,7 @@
     </p:spTree>
     <p:extLst>
       <p:ext uri="{BB962C8B-B14F-4D97-AF65-F5344CB8AC3E}">
-        <p14:creationId xmlns:p14="http://schemas.microsoft.com/office/powerpoint/2010/main" val="3090058350"/>
+        <p14:creationId xmlns:p14="http://schemas.microsoft.com/office/powerpoint/2010/main" val="2159536843"/>
       </p:ext>
     </p:extLst>
   </p:cSld>
@@ -31042,1044 +32706,6 @@
       </p:par>
     </p:tnLst>
   </p:timing>
-</p:sld>
-</file>
-
-<file path=ppt/slides/slide56.xml><?xml version="1.0" encoding="utf-8"?>
-<p:sld xmlns:a="http://schemas.openxmlformats.org/drawingml/2006/main" xmlns:r="http://schemas.openxmlformats.org/officeDocument/2006/relationships" xmlns:p="http://schemas.openxmlformats.org/presentationml/2006/main">
-  <p:cSld>
-    <p:spTree>
-      <p:nvGrpSpPr>
-        <p:cNvPr id="1" name=""/>
-        <p:cNvGrpSpPr/>
-        <p:nvPr/>
-      </p:nvGrpSpPr>
-      <p:grpSpPr>
-        <a:xfrm>
-          <a:off x="0" y="0"/>
-          <a:ext cx="0" cy="0"/>
-          <a:chOff x="0" y="0"/>
-          <a:chExt cx="0" cy="0"/>
-        </a:xfrm>
-      </p:grpSpPr>
-      <p:sp>
-        <p:nvSpPr>
-          <p:cNvPr id="2" name="Contenidor de contingut 1"/>
-          <p:cNvSpPr>
-            <a:spLocks noGrp="1"/>
-          </p:cNvSpPr>
-          <p:nvPr>
-            <p:ph idx="1"/>
-          </p:nvPr>
-        </p:nvSpPr>
-        <p:spPr>
-          <a:xfrm>
-            <a:off x="513363" y="1052736"/>
-            <a:ext cx="9777536" cy="4525963"/>
-          </a:xfrm>
-        </p:spPr>
-        <p:txBody>
-          <a:bodyPr/>
-          <a:lstStyle/>
-          <a:p>
-            <a:r>
-              <a:rPr lang="ca-ES" sz="2800" dirty="0" err="1"/>
-              <a:t>Bonferroni</a:t>
-            </a:r>
-            <a:r>
-              <a:rPr lang="ca-ES" sz="2800" dirty="0"/>
-              <a:t> (</a:t>
-            </a:r>
-            <a:r>
-              <a:rPr lang="ca-ES" sz="2800" dirty="0">
-                <a:latin typeface="Symbol" panose="05050102010706020507" pitchFamily="18" charset="2"/>
-              </a:rPr>
-              <a:t>a</a:t>
-            </a:r>
-            <a:r>
-              <a:rPr lang="ca-ES" sz="2800" dirty="0"/>
-              <a:t>/k)</a:t>
-            </a:r>
-          </a:p>
-          <a:p>
-            <a:r>
-              <a:rPr lang="ca-ES" sz="2800" dirty="0" err="1"/>
-              <a:t>Post-Hoc</a:t>
-            </a:r>
-            <a:r>
-              <a:rPr lang="ca-ES" sz="2800" dirty="0"/>
-              <a:t> test ANOVA (</a:t>
-            </a:r>
-            <a:r>
-              <a:rPr lang="ca-ES" sz="2000" dirty="0" err="1"/>
-              <a:t>Tukey</a:t>
-            </a:r>
-            <a:r>
-              <a:rPr lang="ca-ES" sz="2000" dirty="0"/>
-              <a:t>, </a:t>
-            </a:r>
-            <a:r>
-              <a:rPr lang="ca-ES" sz="2000" dirty="0" err="1"/>
-              <a:t>Scheffe</a:t>
-            </a:r>
-            <a:r>
-              <a:rPr lang="ca-ES" sz="2000" dirty="0"/>
-              <a:t>, </a:t>
-            </a:r>
-            <a:r>
-              <a:rPr lang="ca-ES" sz="2000" dirty="0" err="1"/>
-              <a:t>Dunn-test</a:t>
-            </a:r>
-            <a:r>
-              <a:rPr lang="ca-ES" sz="2800" dirty="0"/>
-              <a:t>)</a:t>
-            </a:r>
-          </a:p>
-          <a:p>
-            <a:r>
-              <a:rPr lang="ca-ES" sz="2800" dirty="0" err="1"/>
-              <a:t>False</a:t>
-            </a:r>
-            <a:r>
-              <a:rPr lang="ca-ES" sz="2800" dirty="0"/>
-              <a:t> </a:t>
-            </a:r>
-            <a:r>
-              <a:rPr lang="ca-ES" sz="2800" dirty="0" err="1"/>
-              <a:t>Discovery</a:t>
-            </a:r>
-            <a:r>
-              <a:rPr lang="ca-ES" sz="2800" dirty="0"/>
-              <a:t> </a:t>
-            </a:r>
-            <a:r>
-              <a:rPr lang="ca-ES" sz="2800" dirty="0" err="1"/>
-              <a:t>rate</a:t>
-            </a:r>
-            <a:endParaRPr lang="ca-ES" sz="2800" dirty="0"/>
-          </a:p>
-          <a:p>
-            <a:r>
-              <a:rPr lang="ca-ES" sz="2800" dirty="0" err="1"/>
-              <a:t>Benjamini-Hochberg</a:t>
-            </a:r>
-            <a:r>
-              <a:rPr lang="ca-ES" sz="2800" dirty="0"/>
-              <a:t> </a:t>
-            </a:r>
-            <a:r>
-              <a:rPr lang="ca-ES" sz="2800" dirty="0" err="1"/>
-              <a:t>correction</a:t>
-            </a:r>
-            <a:endParaRPr lang="ca-ES" sz="2800" dirty="0"/>
-          </a:p>
-        </p:txBody>
-      </p:sp>
-      <p:sp>
-        <p:nvSpPr>
-          <p:cNvPr id="3" name="Títol 2"/>
-          <p:cNvSpPr>
-            <a:spLocks noGrp="1"/>
-          </p:cNvSpPr>
-          <p:nvPr>
-            <p:ph type="title"/>
-          </p:nvPr>
-        </p:nvSpPr>
-        <p:spPr>
-          <a:xfrm>
-            <a:off x="488504" y="44624"/>
-            <a:ext cx="8915400" cy="576064"/>
-          </a:xfrm>
-          <a:solidFill>
-            <a:schemeClr val="bg1"/>
-          </a:solidFill>
-        </p:spPr>
-        <p:txBody>
-          <a:bodyPr/>
-          <a:lstStyle/>
-          <a:p>
-            <a:r>
-              <a:rPr lang="ca-ES" dirty="0" err="1"/>
-              <a:t>Some</a:t>
-            </a:r>
-            <a:r>
-              <a:rPr lang="ca-ES" dirty="0"/>
-              <a:t> </a:t>
-            </a:r>
-            <a:r>
-              <a:rPr lang="ca-ES" dirty="0" err="1"/>
-              <a:t>p-value</a:t>
-            </a:r>
-            <a:r>
-              <a:rPr lang="ca-ES" dirty="0"/>
-              <a:t> </a:t>
-            </a:r>
-            <a:r>
-              <a:rPr lang="ca-ES" dirty="0" err="1"/>
-              <a:t>corrections</a:t>
-            </a:r>
-            <a:endParaRPr lang="ca-ES" dirty="0"/>
-          </a:p>
-        </p:txBody>
-      </p:sp>
-      <p:pic>
-        <p:nvPicPr>
-          <p:cNvPr id="4" name="Picture 4" descr="http://cdn-static.denofgeek.com/sites/denofgeek/files/styles/article_main_wide_image/public/indiana_jones_bridge.jpg?itok=K-Ho6Zgm"/>
-          <p:cNvPicPr>
-            <a:picLocks noChangeAspect="1" noChangeArrowheads="1"/>
-          </p:cNvPicPr>
-          <p:nvPr/>
-        </p:nvPicPr>
-        <p:blipFill>
-          <a:blip r:embed="rId2" cstate="print">
-            <a:extLst>
-              <a:ext uri="{28A0092B-C50C-407E-A947-70E740481C1C}">
-                <a14:useLocalDpi xmlns:a14="http://schemas.microsoft.com/office/drawing/2010/main" val="0"/>
-              </a:ext>
-            </a:extLst>
-          </a:blip>
-          <a:srcRect/>
-          <a:stretch>
-            <a:fillRect/>
-          </a:stretch>
-        </p:blipFill>
-        <p:spPr bwMode="auto">
-          <a:xfrm>
-            <a:off x="2112516" y="3429000"/>
-            <a:ext cx="5667375" cy="3190876"/>
-          </a:xfrm>
-          <a:prstGeom prst="rect">
-            <a:avLst/>
-          </a:prstGeom>
-          <a:noFill/>
-          <a:extLst>
-            <a:ext uri="{909E8E84-426E-40DD-AFC4-6F175D3DCCD1}">
-              <a14:hiddenFill xmlns:a14="http://schemas.microsoft.com/office/drawing/2010/main">
-                <a:solidFill>
-                  <a:srgbClr val="FFFFFF"/>
-                </a:solidFill>
-              </a14:hiddenFill>
-            </a:ext>
-          </a:extLst>
-        </p:spPr>
-      </p:pic>
-    </p:spTree>
-    <p:extLst>
-      <p:ext uri="{BB962C8B-B14F-4D97-AF65-F5344CB8AC3E}">
-        <p14:creationId xmlns:p14="http://schemas.microsoft.com/office/powerpoint/2010/main" val="4189404214"/>
-      </p:ext>
-    </p:extLst>
-  </p:cSld>
-  <p:clrMapOvr>
-    <a:masterClrMapping/>
-  </p:clrMapOvr>
-</p:sld>
-</file>
-
-<file path=ppt/slides/slide57.xml><?xml version="1.0" encoding="utf-8"?>
-<p:sld xmlns:a="http://schemas.openxmlformats.org/drawingml/2006/main" xmlns:r="http://schemas.openxmlformats.org/officeDocument/2006/relationships" xmlns:p="http://schemas.openxmlformats.org/presentationml/2006/main">
-  <p:cSld>
-    <p:spTree>
-      <p:nvGrpSpPr>
-        <p:cNvPr id="1" name=""/>
-        <p:cNvGrpSpPr/>
-        <p:nvPr/>
-      </p:nvGrpSpPr>
-      <p:grpSpPr>
-        <a:xfrm>
-          <a:off x="0" y="0"/>
-          <a:ext cx="0" cy="0"/>
-          <a:chOff x="0" y="0"/>
-          <a:chExt cx="0" cy="0"/>
-        </a:xfrm>
-      </p:grpSpPr>
-      <p:sp>
-        <p:nvSpPr>
-          <p:cNvPr id="6146" name="Text Box 5"/>
-          <p:cNvSpPr txBox="1">
-            <a:spLocks noChangeArrowheads="1"/>
-          </p:cNvSpPr>
-          <p:nvPr/>
-        </p:nvSpPr>
-        <p:spPr bwMode="auto">
-          <a:xfrm>
-            <a:off x="992560" y="1050326"/>
-            <a:ext cx="7847012" cy="5816977"/>
-          </a:xfrm>
-          <a:prstGeom prst="rect">
-            <a:avLst/>
-          </a:prstGeom>
-          <a:noFill/>
-          <a:ln w="9525">
-            <a:noFill/>
-            <a:miter lim="800000"/>
-            <a:headEnd/>
-            <a:tailEnd/>
-          </a:ln>
-        </p:spPr>
-        <p:txBody>
-          <a:bodyPr>
-            <a:spAutoFit/>
-          </a:bodyPr>
-          <a:lstStyle/>
-          <a:p>
-            <a:pPr marL="342900" indent="-342900">
-              <a:spcBef>
-                <a:spcPct val="50000"/>
-              </a:spcBef>
-              <a:buFont typeface="Arial" pitchFamily="34" charset="0"/>
-              <a:buAutoNum type="arabicPeriod"/>
-            </a:pPr>
-            <a:r>
-              <a:rPr lang="ca-ES" altLang="ca-ES" sz="2400" u="none" dirty="0">
-                <a:solidFill>
-                  <a:srgbClr val="DFA5D4"/>
-                </a:solidFill>
-                <a:latin typeface="Verdana" pitchFamily="34" charset="0"/>
-              </a:rPr>
-              <a:t>INTRODUCTION</a:t>
-            </a:r>
-            <a:endParaRPr lang="es-ES_tradnl" altLang="ca-ES" sz="2400" u="none" dirty="0">
-              <a:solidFill>
-                <a:srgbClr val="DFA5D4"/>
-              </a:solidFill>
-              <a:latin typeface="Verdana" pitchFamily="34" charset="0"/>
-            </a:endParaRPr>
-          </a:p>
-          <a:p>
-            <a:pPr marL="342900" indent="-342900">
-              <a:spcBef>
-                <a:spcPct val="50000"/>
-              </a:spcBef>
-              <a:buFont typeface="Arial" pitchFamily="34" charset="0"/>
-              <a:buAutoNum type="arabicPeriod"/>
-            </a:pPr>
-            <a:r>
-              <a:rPr lang="ca-ES" altLang="ca-ES" sz="2400" u="none" dirty="0">
-                <a:solidFill>
-                  <a:srgbClr val="DFA5D4"/>
-                </a:solidFill>
-                <a:latin typeface="Verdana" pitchFamily="34" charset="0"/>
-              </a:rPr>
-              <a:t>TYPE OF TEST</a:t>
-            </a:r>
-          </a:p>
-          <a:p>
-            <a:pPr marL="342900" indent="-342900">
-              <a:spcBef>
-                <a:spcPct val="50000"/>
-              </a:spcBef>
-              <a:buFont typeface="Arial" pitchFamily="34" charset="0"/>
-              <a:buAutoNum type="arabicPeriod"/>
-            </a:pPr>
-            <a:r>
-              <a:rPr lang="ca-ES" altLang="ca-ES" sz="2400" u="none" dirty="0">
-                <a:solidFill>
-                  <a:srgbClr val="DFA5D4"/>
-                </a:solidFill>
-                <a:latin typeface="Verdana" pitchFamily="34" charset="0"/>
-              </a:rPr>
-              <a:t>NORMALITY TEST</a:t>
-            </a:r>
-          </a:p>
-          <a:p>
-            <a:pPr marL="342900" indent="-342900">
-              <a:spcBef>
-                <a:spcPct val="50000"/>
-              </a:spcBef>
-              <a:buFont typeface="Arial" pitchFamily="34" charset="0"/>
-              <a:buAutoNum type="arabicPeriod"/>
-            </a:pPr>
-            <a:r>
-              <a:rPr lang="ca-ES" altLang="ca-ES" sz="2400" b="1" u="none" dirty="0">
-                <a:solidFill>
-                  <a:srgbClr val="DFA5D4"/>
-                </a:solidFill>
-                <a:latin typeface="Verdana" pitchFamily="34" charset="0"/>
-              </a:rPr>
-              <a:t>TWO GROUPS </a:t>
-            </a:r>
-            <a:r>
-              <a:rPr lang="ca-ES" altLang="ca-ES" sz="2400" u="none" dirty="0">
-                <a:solidFill>
-                  <a:srgbClr val="DFA5D4"/>
-                </a:solidFill>
-                <a:latin typeface="Verdana" pitchFamily="34" charset="0"/>
-              </a:rPr>
-              <a:t>COMPARISON IN INDEPENDENT SAMPLES</a:t>
-            </a:r>
-          </a:p>
-          <a:p>
-            <a:pPr marL="342900" indent="-342900">
-              <a:spcBef>
-                <a:spcPct val="50000"/>
-              </a:spcBef>
-              <a:buFont typeface="Arial" pitchFamily="34" charset="0"/>
-              <a:buAutoNum type="arabicPeriod"/>
-            </a:pPr>
-            <a:r>
-              <a:rPr lang="ca-ES" altLang="ca-ES" sz="2400" b="1" u="none" dirty="0">
-                <a:solidFill>
-                  <a:srgbClr val="DFA5D4"/>
-                </a:solidFill>
-                <a:latin typeface="Verdana" pitchFamily="34" charset="0"/>
-              </a:rPr>
-              <a:t>TWO GROUPS </a:t>
-            </a:r>
-            <a:r>
-              <a:rPr lang="ca-ES" altLang="ca-ES" sz="2400" u="none" dirty="0">
-                <a:solidFill>
-                  <a:srgbClr val="DFA5D4"/>
-                </a:solidFill>
-                <a:latin typeface="Verdana" pitchFamily="34" charset="0"/>
-              </a:rPr>
-              <a:t>COMPARISON IN DEPENDENT SAMPLES</a:t>
-            </a:r>
-          </a:p>
-          <a:p>
-            <a:pPr marL="342900" indent="-342900">
-              <a:spcBef>
-                <a:spcPct val="50000"/>
-              </a:spcBef>
-              <a:buFont typeface="Arial" pitchFamily="34" charset="0"/>
-              <a:buAutoNum type="arabicPeriod"/>
-            </a:pPr>
-            <a:r>
-              <a:rPr lang="ca-ES" altLang="ca-ES" sz="2400" b="1" u="none" dirty="0">
-                <a:solidFill>
-                  <a:srgbClr val="DFA5D4"/>
-                </a:solidFill>
-                <a:latin typeface="Verdana" pitchFamily="34" charset="0"/>
-              </a:rPr>
-              <a:t>MORE THAN TWO GROUPS </a:t>
-            </a:r>
-            <a:r>
-              <a:rPr lang="ca-ES" altLang="ca-ES" sz="2400" u="none" dirty="0">
-                <a:solidFill>
-                  <a:srgbClr val="DFA5D4"/>
-                </a:solidFill>
-                <a:latin typeface="Verdana" pitchFamily="34" charset="0"/>
-              </a:rPr>
-              <a:t>COMPARISON IN INDEPENDENT SAMPLES</a:t>
-            </a:r>
-          </a:p>
-          <a:p>
-            <a:pPr marL="342900" indent="-342900">
-              <a:spcBef>
-                <a:spcPct val="50000"/>
-              </a:spcBef>
-              <a:buFont typeface="Arial" pitchFamily="34" charset="0"/>
-              <a:buAutoNum type="arabicPeriod"/>
-            </a:pPr>
-            <a:r>
-              <a:rPr lang="ca-ES" altLang="ca-ES" sz="2400" b="1" u="none" dirty="0">
-                <a:solidFill>
-                  <a:srgbClr val="990099"/>
-                </a:solidFill>
-                <a:latin typeface="Verdana" pitchFamily="34" charset="0"/>
-              </a:rPr>
-              <a:t>MORE THAN TWO GROUPS </a:t>
-            </a:r>
-            <a:r>
-              <a:rPr lang="ca-ES" altLang="ca-ES" sz="2400" u="none" dirty="0">
-                <a:solidFill>
-                  <a:srgbClr val="990099"/>
-                </a:solidFill>
-                <a:latin typeface="Verdana" pitchFamily="34" charset="0"/>
-              </a:rPr>
-              <a:t>COMPARISON IN DEPENDENT SAMPLES</a:t>
-            </a:r>
-          </a:p>
-          <a:p>
-            <a:pPr marL="342900" indent="-342900">
-              <a:spcBef>
-                <a:spcPct val="50000"/>
-              </a:spcBef>
-              <a:buFont typeface="Arial" pitchFamily="34" charset="0"/>
-              <a:buAutoNum type="arabicPeriod"/>
-            </a:pPr>
-            <a:endParaRPr lang="ca-ES" altLang="ca-ES" sz="2400" u="none" dirty="0">
-              <a:solidFill>
-                <a:srgbClr val="DFA5D4"/>
-              </a:solidFill>
-              <a:latin typeface="Verdana" pitchFamily="34" charset="0"/>
-            </a:endParaRPr>
-          </a:p>
-        </p:txBody>
-      </p:sp>
-      <p:sp>
-        <p:nvSpPr>
-          <p:cNvPr id="6147" name="Text Box 12"/>
-          <p:cNvSpPr txBox="1">
-            <a:spLocks noChangeArrowheads="1"/>
-          </p:cNvSpPr>
-          <p:nvPr/>
-        </p:nvSpPr>
-        <p:spPr bwMode="auto">
-          <a:xfrm>
-            <a:off x="1208088" y="1989138"/>
-            <a:ext cx="360362" cy="235642"/>
-          </a:xfrm>
-          <a:prstGeom prst="rect">
-            <a:avLst/>
-          </a:prstGeom>
-          <a:noFill/>
-          <a:ln w="9525">
-            <a:noFill/>
-            <a:miter lim="800000"/>
-            <a:headEnd/>
-            <a:tailEnd/>
-          </a:ln>
-        </p:spPr>
-        <p:txBody>
-          <a:bodyPr>
-            <a:spAutoFit/>
-          </a:bodyPr>
-          <a:lstStyle/>
-          <a:p>
-            <a:pPr>
-              <a:lnSpc>
-                <a:spcPct val="50000"/>
-              </a:lnSpc>
-              <a:spcBef>
-                <a:spcPct val="50000"/>
-              </a:spcBef>
-            </a:pPr>
-            <a:r>
-              <a:rPr lang="ca-ES" altLang="ca-ES" sz="1700" b="1" u="none">
-                <a:solidFill>
-                  <a:schemeClr val="bg1"/>
-                </a:solidFill>
-                <a:latin typeface="Verdana" pitchFamily="34" charset="0"/>
-              </a:rPr>
-              <a:t>3</a:t>
-            </a:r>
-            <a:endParaRPr lang="es-ES_tradnl" altLang="ca-ES" sz="1700" u="none">
-              <a:solidFill>
-                <a:schemeClr val="bg1"/>
-              </a:solidFill>
-              <a:latin typeface="Verdana" pitchFamily="34" charset="0"/>
-            </a:endParaRPr>
-          </a:p>
-        </p:txBody>
-      </p:sp>
-      <p:sp>
-        <p:nvSpPr>
-          <p:cNvPr id="6148" name="Text Box 20"/>
-          <p:cNvSpPr txBox="1">
-            <a:spLocks noChangeArrowheads="1"/>
-          </p:cNvSpPr>
-          <p:nvPr/>
-        </p:nvSpPr>
-        <p:spPr bwMode="auto">
-          <a:xfrm>
-            <a:off x="1193800" y="2854325"/>
-            <a:ext cx="360363" cy="235642"/>
-          </a:xfrm>
-          <a:prstGeom prst="rect">
-            <a:avLst/>
-          </a:prstGeom>
-          <a:noFill/>
-          <a:ln w="9525">
-            <a:noFill/>
-            <a:miter lim="800000"/>
-            <a:headEnd/>
-            <a:tailEnd/>
-          </a:ln>
-        </p:spPr>
-        <p:txBody>
-          <a:bodyPr>
-            <a:spAutoFit/>
-          </a:bodyPr>
-          <a:lstStyle/>
-          <a:p>
-            <a:pPr>
-              <a:lnSpc>
-                <a:spcPct val="50000"/>
-              </a:lnSpc>
-              <a:spcBef>
-                <a:spcPct val="50000"/>
-              </a:spcBef>
-            </a:pPr>
-            <a:r>
-              <a:rPr lang="ca-ES" altLang="ca-ES" sz="1700" b="1" u="none" dirty="0">
-                <a:solidFill>
-                  <a:schemeClr val="bg1"/>
-                </a:solidFill>
-                <a:latin typeface="Verdana" pitchFamily="34" charset="0"/>
-              </a:rPr>
-              <a:t>5</a:t>
-            </a:r>
-            <a:endParaRPr lang="es-ES_tradnl" altLang="ca-ES" sz="1700" b="1" u="none" dirty="0">
-              <a:solidFill>
-                <a:schemeClr val="bg1"/>
-              </a:solidFill>
-              <a:latin typeface="Verdana" pitchFamily="34" charset="0"/>
-            </a:endParaRPr>
-          </a:p>
-        </p:txBody>
-      </p:sp>
-      <p:sp>
-        <p:nvSpPr>
-          <p:cNvPr id="6149" name="16 CuadroTexto"/>
-          <p:cNvSpPr txBox="1">
-            <a:spLocks noChangeArrowheads="1"/>
-          </p:cNvSpPr>
-          <p:nvPr/>
-        </p:nvSpPr>
-        <p:spPr bwMode="auto">
-          <a:xfrm>
-            <a:off x="2597150" y="285750"/>
-            <a:ext cx="3651250" cy="584200"/>
-          </a:xfrm>
-          <a:prstGeom prst="rect">
-            <a:avLst/>
-          </a:prstGeom>
-          <a:noFill/>
-          <a:ln w="9525">
-            <a:noFill/>
-            <a:miter lim="800000"/>
-            <a:headEnd/>
-            <a:tailEnd/>
-          </a:ln>
-        </p:spPr>
-        <p:txBody>
-          <a:bodyPr>
-            <a:spAutoFit/>
-          </a:bodyPr>
-          <a:lstStyle/>
-          <a:p>
-            <a:r>
-              <a:rPr lang="es-ES" altLang="ca-ES" sz="3200" u="none" dirty="0">
-                <a:solidFill>
-                  <a:schemeClr val="tx2"/>
-                </a:solidFill>
-                <a:latin typeface="Verdana" pitchFamily="34" charset="0"/>
-              </a:rPr>
-              <a:t>Syllabus</a:t>
-            </a:r>
-            <a:endParaRPr lang="ca-ES" altLang="ca-ES" sz="3200" u="none" dirty="0">
-              <a:solidFill>
-                <a:schemeClr val="tx2"/>
-              </a:solidFill>
-              <a:latin typeface="Verdana" pitchFamily="34" charset="0"/>
-            </a:endParaRPr>
-          </a:p>
-        </p:txBody>
-      </p:sp>
-    </p:spTree>
-    <p:extLst>
-      <p:ext uri="{BB962C8B-B14F-4D97-AF65-F5344CB8AC3E}">
-        <p14:creationId xmlns:p14="http://schemas.microsoft.com/office/powerpoint/2010/main" val="3860346079"/>
-      </p:ext>
-    </p:extLst>
-  </p:cSld>
-  <p:clrMapOvr>
-    <a:masterClrMapping/>
-  </p:clrMapOvr>
-</p:sld>
-</file>
-
-<file path=ppt/slides/slide58.xml><?xml version="1.0" encoding="utf-8"?>
-<p:sld xmlns:a="http://schemas.openxmlformats.org/drawingml/2006/main" xmlns:r="http://schemas.openxmlformats.org/officeDocument/2006/relationships" xmlns:p="http://schemas.openxmlformats.org/presentationml/2006/main">
-  <p:cSld>
-    <p:spTree>
-      <p:nvGrpSpPr>
-        <p:cNvPr id="1" name=""/>
-        <p:cNvGrpSpPr/>
-        <p:nvPr/>
-      </p:nvGrpSpPr>
-      <p:grpSpPr>
-        <a:xfrm>
-          <a:off x="0" y="0"/>
-          <a:ext cx="0" cy="0"/>
-          <a:chOff x="0" y="0"/>
-          <a:chExt cx="0" cy="0"/>
-        </a:xfrm>
-      </p:grpSpPr>
-      <p:sp>
-        <p:nvSpPr>
-          <p:cNvPr id="2" name="1 Título"/>
-          <p:cNvSpPr>
-            <a:spLocks noGrp="1"/>
-          </p:cNvSpPr>
-          <p:nvPr>
-            <p:ph type="title"/>
-          </p:nvPr>
-        </p:nvSpPr>
-        <p:spPr/>
-        <p:txBody>
-          <a:bodyPr/>
-          <a:lstStyle/>
-          <a:p>
-            <a:r>
-              <a:rPr lang="es-ES_tradnl" dirty="0" err="1"/>
-              <a:t>Kruskal</a:t>
-            </a:r>
-            <a:r>
-              <a:rPr lang="es-ES_tradnl" dirty="0"/>
-              <a:t>-Wallis test</a:t>
-            </a:r>
-          </a:p>
-        </p:txBody>
-      </p:sp>
-      <p:sp>
-        <p:nvSpPr>
-          <p:cNvPr id="3" name="2 Marcador de contenido"/>
-          <p:cNvSpPr>
-            <a:spLocks noGrp="1"/>
-          </p:cNvSpPr>
-          <p:nvPr>
-            <p:ph idx="1"/>
-          </p:nvPr>
-        </p:nvSpPr>
-        <p:spPr>
-          <a:xfrm>
-            <a:off x="488504" y="980729"/>
-            <a:ext cx="8915400" cy="1152128"/>
-          </a:xfrm>
-        </p:spPr>
-        <p:txBody>
-          <a:bodyPr/>
-          <a:lstStyle/>
-          <a:p>
-            <a:r>
-              <a:rPr lang="es-ES_tradnl" sz="2800" dirty="0" err="1"/>
-              <a:t>Is</a:t>
-            </a:r>
-            <a:r>
-              <a:rPr lang="es-ES_tradnl" sz="2800" dirty="0"/>
-              <a:t> </a:t>
-            </a:r>
-            <a:r>
-              <a:rPr lang="es-ES_tradnl" sz="2800" dirty="0" err="1"/>
-              <a:t>the</a:t>
-            </a:r>
-            <a:r>
-              <a:rPr lang="es-ES_tradnl" sz="2800" dirty="0"/>
-              <a:t> non-</a:t>
-            </a:r>
-            <a:r>
-              <a:rPr lang="es-ES_tradnl" sz="2800" dirty="0" err="1"/>
-              <a:t>parametric</a:t>
-            </a:r>
-            <a:r>
-              <a:rPr lang="es-ES_tradnl" sz="2800" dirty="0"/>
-              <a:t> versión of ANOVA </a:t>
-            </a:r>
-            <a:r>
-              <a:rPr lang="es-ES_tradnl" sz="2800" dirty="0" err="1"/>
-              <a:t>based</a:t>
-            </a:r>
-            <a:r>
-              <a:rPr lang="es-ES_tradnl" sz="2800" dirty="0"/>
-              <a:t> </a:t>
-            </a:r>
-            <a:r>
-              <a:rPr lang="es-ES_tradnl" sz="2800" dirty="0" err="1"/>
-              <a:t>on</a:t>
-            </a:r>
-            <a:r>
-              <a:rPr lang="es-ES_tradnl" sz="2800" dirty="0"/>
-              <a:t> </a:t>
-            </a:r>
-            <a:r>
-              <a:rPr lang="es-ES_tradnl" sz="2800" dirty="0" err="1"/>
-              <a:t>ranks</a:t>
-            </a:r>
-            <a:endParaRPr lang="es-ES_tradnl" sz="2800" dirty="0">
-              <a:latin typeface="Courier New" pitchFamily="49" charset="0"/>
-              <a:cs typeface="Courier New" pitchFamily="49" charset="0"/>
-            </a:endParaRPr>
-          </a:p>
-          <a:p>
-            <a:endParaRPr lang="es-ES_tradnl" sz="2800" dirty="0"/>
-          </a:p>
-          <a:p>
-            <a:pPr>
-              <a:buNone/>
-            </a:pPr>
-            <a:endParaRPr lang="es-ES_tradnl" sz="2800" dirty="0"/>
-          </a:p>
-          <a:p>
-            <a:endParaRPr lang="es-ES_tradnl" sz="2800" dirty="0"/>
-          </a:p>
-        </p:txBody>
-      </p:sp>
-      <p:pic>
-        <p:nvPicPr>
-          <p:cNvPr id="23555" name="Picture 3"/>
-          <p:cNvPicPr>
-            <a:picLocks noChangeAspect="1" noChangeArrowheads="1"/>
-          </p:cNvPicPr>
-          <p:nvPr/>
-        </p:nvPicPr>
-        <p:blipFill>
-          <a:blip r:embed="rId2" cstate="print">
-            <a:extLst>
-              <a:ext uri="{28A0092B-C50C-407E-A947-70E740481C1C}">
-                <a14:useLocalDpi xmlns:a14="http://schemas.microsoft.com/office/drawing/2010/main" val="0"/>
-              </a:ext>
-            </a:extLst>
-          </a:blip>
-          <a:srcRect/>
-          <a:stretch>
-            <a:fillRect/>
-          </a:stretch>
-        </p:blipFill>
-        <p:spPr bwMode="auto">
-          <a:xfrm>
-            <a:off x="4664968" y="4471026"/>
-            <a:ext cx="5132065" cy="2427743"/>
-          </a:xfrm>
-          <a:prstGeom prst="rect">
-            <a:avLst/>
-          </a:prstGeom>
-          <a:noFill/>
-          <a:ln>
-            <a:noFill/>
-          </a:ln>
-          <a:extLst>
-            <a:ext uri="{909E8E84-426E-40DD-AFC4-6F175D3DCCD1}">
-              <a14:hiddenFill xmlns:a14="http://schemas.microsoft.com/office/drawing/2010/main">
-                <a:solidFill>
-                  <a:schemeClr val="accent1"/>
-                </a:solidFill>
-              </a14:hiddenFill>
-            </a:ext>
-            <a:ext uri="{91240B29-F687-4F45-9708-019B960494DF}">
-              <a14:hiddenLine xmlns:a14="http://schemas.microsoft.com/office/drawing/2010/main" w="9525">
-                <a:solidFill>
-                  <a:schemeClr val="tx1"/>
-                </a:solidFill>
-                <a:miter lim="800000"/>
-                <a:headEnd/>
-                <a:tailEnd/>
-              </a14:hiddenLine>
-            </a:ext>
-          </a:extLst>
-        </p:spPr>
-      </p:pic>
-      <p:pic>
-        <p:nvPicPr>
-          <p:cNvPr id="9218" name="Picture 2"/>
-          <p:cNvPicPr>
-            <a:picLocks noChangeAspect="1" noChangeArrowheads="1"/>
-          </p:cNvPicPr>
-          <p:nvPr/>
-        </p:nvPicPr>
-        <p:blipFill>
-          <a:blip r:embed="rId3" cstate="print"/>
-          <a:srcRect/>
-          <a:stretch>
-            <a:fillRect/>
-          </a:stretch>
-        </p:blipFill>
-        <p:spPr bwMode="auto">
-          <a:xfrm>
-            <a:off x="416496" y="1988840"/>
-            <a:ext cx="4221386" cy="2592288"/>
-          </a:xfrm>
-          <a:prstGeom prst="rect">
-            <a:avLst/>
-          </a:prstGeom>
-          <a:noFill/>
-          <a:ln w="9525">
-            <a:noFill/>
-            <a:miter lim="800000"/>
-            <a:headEnd/>
-            <a:tailEnd/>
-          </a:ln>
-        </p:spPr>
-      </p:pic>
-    </p:spTree>
-    <p:extLst>
-      <p:ext uri="{BB962C8B-B14F-4D97-AF65-F5344CB8AC3E}">
-        <p14:creationId xmlns:p14="http://schemas.microsoft.com/office/powerpoint/2010/main" val="2875364784"/>
-      </p:ext>
-    </p:extLst>
-  </p:cSld>
-  <p:clrMapOvr>
-    <a:masterClrMapping/>
-  </p:clrMapOvr>
-</p:sld>
-</file>
-
-<file path=ppt/slides/slide59.xml><?xml version="1.0" encoding="utf-8"?>
-<p:sld xmlns:a="http://schemas.openxmlformats.org/drawingml/2006/main" xmlns:r="http://schemas.openxmlformats.org/officeDocument/2006/relationships" xmlns:p="http://schemas.openxmlformats.org/presentationml/2006/main">
-  <p:cSld>
-    <p:spTree>
-      <p:nvGrpSpPr>
-        <p:cNvPr id="1" name=""/>
-        <p:cNvGrpSpPr/>
-        <p:nvPr/>
-      </p:nvGrpSpPr>
-      <p:grpSpPr>
-        <a:xfrm>
-          <a:off x="0" y="0"/>
-          <a:ext cx="0" cy="0"/>
-          <a:chOff x="0" y="0"/>
-          <a:chExt cx="0" cy="0"/>
-        </a:xfrm>
-      </p:grpSpPr>
-      <p:pic>
-        <p:nvPicPr>
-          <p:cNvPr id="24578" name="Picture 2"/>
-          <p:cNvPicPr>
-            <a:picLocks noChangeAspect="1" noChangeArrowheads="1"/>
-          </p:cNvPicPr>
-          <p:nvPr/>
-        </p:nvPicPr>
-        <p:blipFill>
-          <a:blip r:embed="rId2" cstate="print">
-            <a:extLst>
-              <a:ext uri="{28A0092B-C50C-407E-A947-70E740481C1C}">
-                <a14:useLocalDpi xmlns:a14="http://schemas.microsoft.com/office/drawing/2010/main" val="0"/>
-              </a:ext>
-            </a:extLst>
-          </a:blip>
-          <a:srcRect/>
-          <a:stretch>
-            <a:fillRect/>
-          </a:stretch>
-        </p:blipFill>
-        <p:spPr bwMode="auto">
-          <a:xfrm>
-            <a:off x="499006" y="989989"/>
-            <a:ext cx="9439547" cy="4896544"/>
-          </a:xfrm>
-          <a:prstGeom prst="rect">
-            <a:avLst/>
-          </a:prstGeom>
-          <a:noFill/>
-          <a:ln>
-            <a:noFill/>
-          </a:ln>
-          <a:extLst>
-            <a:ext uri="{909E8E84-426E-40DD-AFC4-6F175D3DCCD1}">
-              <a14:hiddenFill xmlns:a14="http://schemas.microsoft.com/office/drawing/2010/main">
-                <a:solidFill>
-                  <a:schemeClr val="accent1"/>
-                </a:solidFill>
-              </a14:hiddenFill>
-            </a:ext>
-            <a:ext uri="{91240B29-F687-4F45-9708-019B960494DF}">
-              <a14:hiddenLine xmlns:a14="http://schemas.microsoft.com/office/drawing/2010/main" w="9525">
-                <a:solidFill>
-                  <a:schemeClr val="tx1"/>
-                </a:solidFill>
-                <a:miter lim="800000"/>
-                <a:headEnd/>
-                <a:tailEnd/>
-              </a14:hiddenLine>
-            </a:ext>
-          </a:extLst>
-        </p:spPr>
-      </p:pic>
-      <p:sp>
-        <p:nvSpPr>
-          <p:cNvPr id="5" name="3 Elipse"/>
-          <p:cNvSpPr/>
-          <p:nvPr/>
-        </p:nvSpPr>
-        <p:spPr bwMode="auto">
-          <a:xfrm>
-            <a:off x="6033120" y="5210594"/>
-            <a:ext cx="3024336" cy="648072"/>
-          </a:xfrm>
-          <a:prstGeom prst="ellipse">
-            <a:avLst/>
-          </a:prstGeom>
-          <a:noFill/>
-          <a:ln w="57150" cap="flat" cmpd="sng" algn="ctr">
-            <a:solidFill>
-              <a:srgbClr val="990099"/>
-            </a:solidFill>
-            <a:prstDash val="solid"/>
-            <a:round/>
-            <a:headEnd type="none" w="med" len="med"/>
-            <a:tailEnd type="none" w="med" len="med"/>
-          </a:ln>
-          <a:effectLst/>
-        </p:spPr>
-        <p:txBody>
-          <a:bodyPr vert="horz" wrap="none" lIns="91440" tIns="45720" rIns="91440" bIns="45720" numCol="1" rtlCol="0" anchor="ctr" anchorCtr="0" compatLnSpc="1">
-            <a:prstTxWarp prst="textNoShape">
-              <a:avLst/>
-            </a:prstTxWarp>
-          </a:bodyPr>
-          <a:lstStyle/>
-          <a:p>
-            <a:pPr marL="0" marR="0" indent="0" algn="ctr" defTabSz="914400" rtl="0" eaLnBrk="1" fontAlgn="base" latinLnBrk="0" hangingPunct="1">
-              <a:lnSpc>
-                <a:spcPct val="100000"/>
-              </a:lnSpc>
-              <a:spcBef>
-                <a:spcPct val="0"/>
-              </a:spcBef>
-              <a:spcAft>
-                <a:spcPct val="0"/>
-              </a:spcAft>
-              <a:buClrTx/>
-              <a:buSzTx/>
-              <a:buFontTx/>
-              <a:buNone/>
-              <a:tabLst/>
-            </a:pPr>
-            <a:endParaRPr kumimoji="0" lang="es-ES" sz="1800" b="0" i="0" u="sng" strike="noStrike" cap="none" normalizeH="0" baseline="0">
-              <a:ln>
-                <a:noFill/>
-              </a:ln>
-              <a:solidFill>
-                <a:schemeClr val="tx1"/>
-              </a:solidFill>
-              <a:effectLst/>
-              <a:latin typeface="Arial" charset="0"/>
-            </a:endParaRPr>
-          </a:p>
-        </p:txBody>
-      </p:sp>
-      <p:sp>
-        <p:nvSpPr>
-          <p:cNvPr id="6" name="1 Título"/>
-          <p:cNvSpPr>
-            <a:spLocks noGrp="1"/>
-          </p:cNvSpPr>
-          <p:nvPr>
-            <p:ph type="title"/>
-          </p:nvPr>
-        </p:nvSpPr>
-        <p:spPr>
-          <a:xfrm>
-            <a:off x="495300" y="274638"/>
-            <a:ext cx="8915400" cy="1143000"/>
-          </a:xfrm>
-        </p:spPr>
-        <p:txBody>
-          <a:bodyPr/>
-          <a:lstStyle/>
-          <a:p>
-            <a:r>
-              <a:rPr lang="es-ES_tradnl" dirty="0" err="1"/>
-              <a:t>Kruskal</a:t>
-            </a:r>
-            <a:r>
-              <a:rPr lang="es-ES_tradnl" dirty="0"/>
-              <a:t>-Wallis Test</a:t>
-            </a:r>
-          </a:p>
-        </p:txBody>
-      </p:sp>
-    </p:spTree>
-    <p:extLst>
-      <p:ext uri="{BB962C8B-B14F-4D97-AF65-F5344CB8AC3E}">
-        <p14:creationId xmlns:p14="http://schemas.microsoft.com/office/powerpoint/2010/main" val="3268610048"/>
-      </p:ext>
-    </p:extLst>
-  </p:cSld>
-  <p:clrMapOvr>
-    <a:masterClrMapping/>
-  </p:clrMapOvr>
 </p:sld>
 </file>
 
@@ -32905,154 +33531,106 @@
             <p:ph idx="1"/>
           </p:nvPr>
         </p:nvSpPr>
-        <p:spPr/>
+        <p:spPr>
+          <a:xfrm>
+            <a:off x="513363" y="1052736"/>
+            <a:ext cx="9777536" cy="4525963"/>
+          </a:xfrm>
+        </p:spPr>
         <p:txBody>
           <a:bodyPr/>
           <a:lstStyle/>
           <a:p>
             <a:r>
-              <a:rPr lang="ca-ES" dirty="0"/>
-              <a:t>Is </a:t>
-            </a:r>
-            <a:r>
-              <a:rPr lang="ca-ES" dirty="0" err="1"/>
-              <a:t>there</a:t>
-            </a:r>
-            <a:r>
-              <a:rPr lang="ca-ES" dirty="0"/>
-              <a:t> a </a:t>
-            </a:r>
-            <a:r>
-              <a:rPr lang="ca-ES" dirty="0" err="1"/>
-              <a:t>relation</a:t>
-            </a:r>
-            <a:r>
-              <a:rPr lang="ca-ES" dirty="0"/>
-              <a:t> </a:t>
-            </a:r>
-            <a:r>
-              <a:rPr lang="ca-ES" dirty="0" err="1"/>
-              <a:t>between</a:t>
-            </a:r>
-            <a:r>
-              <a:rPr lang="ca-ES" dirty="0"/>
-              <a:t> </a:t>
-            </a:r>
-            <a:r>
-              <a:rPr lang="ca-ES" dirty="0" err="1"/>
-              <a:t>follow</a:t>
-            </a:r>
-            <a:r>
-              <a:rPr lang="ca-ES" dirty="0"/>
-              <a:t> up </a:t>
-            </a:r>
-            <a:r>
-              <a:rPr lang="ca-ES" dirty="0" err="1"/>
-              <a:t>time</a:t>
-            </a:r>
-            <a:r>
-              <a:rPr lang="ca-ES" dirty="0"/>
+              <a:rPr lang="ca-ES" sz="2800" dirty="0" err="1"/>
+              <a:t>Bonferroni</a:t>
+            </a:r>
+            <a:r>
+              <a:rPr lang="ca-ES" sz="2800" dirty="0"/>
               <a:t> (</a:t>
             </a:r>
             <a:r>
-              <a:rPr lang="ca-ES" dirty="0" err="1"/>
-              <a:t>tempsviu</a:t>
-            </a:r>
-            <a:r>
-              <a:rPr lang="ca-ES" dirty="0"/>
-              <a:t>) </a:t>
-            </a:r>
-            <a:r>
-              <a:rPr lang="ca-ES" dirty="0" err="1"/>
-              <a:t>and</a:t>
-            </a:r>
-            <a:r>
-              <a:rPr lang="ca-ES" dirty="0"/>
-              <a:t> </a:t>
-            </a:r>
-            <a:r>
-              <a:rPr lang="ca-ES" dirty="0" err="1"/>
-              <a:t>death</a:t>
-            </a:r>
-            <a:r>
-              <a:rPr lang="ca-ES" dirty="0"/>
-              <a:t> (mort)?</a:t>
-            </a:r>
-          </a:p>
-          <a:p>
-            <a:r>
-              <a:rPr lang="ca-ES" dirty="0"/>
-              <a:t>Is </a:t>
-            </a:r>
-            <a:r>
-              <a:rPr lang="ca-ES" dirty="0" err="1"/>
-              <a:t>there</a:t>
-            </a:r>
-            <a:r>
-              <a:rPr lang="ca-ES" dirty="0"/>
-              <a:t> a </a:t>
-            </a:r>
-            <a:r>
-              <a:rPr lang="ca-ES" dirty="0" err="1"/>
-              <a:t>relation</a:t>
-            </a:r>
-            <a:r>
-              <a:rPr lang="ca-ES" dirty="0"/>
-              <a:t> </a:t>
-            </a:r>
-            <a:r>
-              <a:rPr lang="ca-ES" dirty="0" err="1"/>
-              <a:t>between</a:t>
-            </a:r>
-            <a:r>
-              <a:rPr lang="ca-ES" dirty="0"/>
-              <a:t> </a:t>
-            </a:r>
-            <a:r>
-              <a:rPr lang="ca-ES" dirty="0" err="1"/>
-              <a:t>systolic</a:t>
-            </a:r>
-            <a:r>
-              <a:rPr lang="ca-ES" dirty="0"/>
-              <a:t> </a:t>
-            </a:r>
-            <a:r>
-              <a:rPr lang="ca-ES" dirty="0" err="1"/>
-              <a:t>blood</a:t>
-            </a:r>
-            <a:r>
-              <a:rPr lang="ca-ES" dirty="0"/>
-              <a:t> </a:t>
-            </a:r>
-            <a:r>
-              <a:rPr lang="ca-ES" dirty="0" err="1"/>
-              <a:t>pressure</a:t>
-            </a:r>
-            <a:r>
-              <a:rPr lang="ca-ES" dirty="0"/>
-              <a:t> (</a:t>
-            </a:r>
-            <a:r>
-              <a:rPr lang="ca-ES" dirty="0" err="1"/>
-              <a:t>bdp</a:t>
-            </a:r>
-            <a:r>
-              <a:rPr lang="ca-ES" dirty="0"/>
-              <a:t>) </a:t>
-            </a:r>
-            <a:r>
-              <a:rPr lang="ca-ES" dirty="0" err="1"/>
-              <a:t>and</a:t>
-            </a:r>
-            <a:r>
-              <a:rPr lang="ca-ES" dirty="0"/>
-              <a:t> ECG</a:t>
+              <a:rPr lang="ca-ES" sz="2800" dirty="0">
+                <a:latin typeface="Symbol" panose="05050102010706020507" pitchFamily="18" charset="2"/>
+              </a:rPr>
+              <a:t>a</a:t>
             </a:r>
             <a:r>
               <a:rPr lang="ca-ES" sz="2800" dirty="0"/>
-              <a:t>?</a:t>
-            </a:r>
-            <a:endParaRPr lang="ca-ES" dirty="0"/>
+              <a:t>/k)</a:t>
+            </a:r>
+          </a:p>
+          <a:p>
+            <a:r>
+              <a:rPr lang="ca-ES" sz="2800" dirty="0" err="1"/>
+              <a:t>Post-Hoc</a:t>
+            </a:r>
+            <a:r>
+              <a:rPr lang="ca-ES" sz="2800" dirty="0"/>
+              <a:t> test ANOVA (</a:t>
+            </a:r>
+            <a:r>
+              <a:rPr lang="ca-ES" sz="2000" dirty="0" err="1"/>
+              <a:t>Tukey</a:t>
+            </a:r>
+            <a:r>
+              <a:rPr lang="ca-ES" sz="2000" dirty="0"/>
+              <a:t>, </a:t>
+            </a:r>
+            <a:r>
+              <a:rPr lang="ca-ES" sz="2000" dirty="0" err="1"/>
+              <a:t>Scheffe</a:t>
+            </a:r>
+            <a:r>
+              <a:rPr lang="ca-ES" sz="2000" dirty="0"/>
+              <a:t>, </a:t>
+            </a:r>
+            <a:r>
+              <a:rPr lang="ca-ES" sz="2000" dirty="0" err="1"/>
+              <a:t>Dunn-test</a:t>
+            </a:r>
+            <a:r>
+              <a:rPr lang="ca-ES" sz="2800" dirty="0"/>
+              <a:t>)</a:t>
+            </a:r>
+          </a:p>
+          <a:p>
+            <a:r>
+              <a:rPr lang="ca-ES" sz="2800" dirty="0" err="1"/>
+              <a:t>False</a:t>
+            </a:r>
+            <a:r>
+              <a:rPr lang="ca-ES" sz="2800" dirty="0"/>
+              <a:t> </a:t>
+            </a:r>
+            <a:r>
+              <a:rPr lang="ca-ES" sz="2800" dirty="0" err="1"/>
+              <a:t>Discovery</a:t>
+            </a:r>
+            <a:r>
+              <a:rPr lang="ca-ES" sz="2800" dirty="0"/>
+              <a:t> </a:t>
+            </a:r>
+            <a:r>
+              <a:rPr lang="ca-ES" sz="2800" dirty="0" err="1"/>
+              <a:t>rate</a:t>
+            </a:r>
+            <a:endParaRPr lang="ca-ES" sz="2800" dirty="0"/>
+          </a:p>
+          <a:p>
+            <a:r>
+              <a:rPr lang="ca-ES" sz="2800" dirty="0" err="1"/>
+              <a:t>Benjamini-Hochberg</a:t>
+            </a:r>
+            <a:r>
+              <a:rPr lang="ca-ES" sz="2800" dirty="0"/>
+              <a:t> </a:t>
+            </a:r>
+            <a:r>
+              <a:rPr lang="ca-ES" sz="2800" dirty="0" err="1"/>
+              <a:t>correction</a:t>
+            </a:r>
+            <a:endParaRPr lang="ca-ES" sz="2800" dirty="0"/>
           </a:p>
         </p:txBody>
       </p:sp>
@@ -33066,23 +33644,88 @@
             <p:ph type="title"/>
           </p:nvPr>
         </p:nvSpPr>
-        <p:spPr/>
+        <p:spPr>
+          <a:xfrm>
+            <a:off x="488504" y="44624"/>
+            <a:ext cx="8915400" cy="576064"/>
+          </a:xfrm>
+          <a:solidFill>
+            <a:schemeClr val="bg1"/>
+          </a:solidFill>
+        </p:spPr>
         <p:txBody>
           <a:bodyPr/>
           <a:lstStyle/>
           <a:p>
             <a:r>
               <a:rPr lang="ca-ES" dirty="0" err="1"/>
-              <a:t>Exercise</a:t>
+              <a:t>Some</a:t>
+            </a:r>
+            <a:r>
+              <a:rPr lang="ca-ES" dirty="0"/>
+              <a:t> p-</a:t>
+            </a:r>
+            <a:r>
+              <a:rPr lang="ca-ES" dirty="0" err="1"/>
+              <a:t>value</a:t>
+            </a:r>
+            <a:r>
+              <a:rPr lang="ca-ES" dirty="0"/>
+              <a:t> </a:t>
+            </a:r>
+            <a:r>
+              <a:rPr lang="ca-ES" dirty="0" err="1"/>
+              <a:t>adjustments</a:t>
             </a:r>
             <a:endParaRPr lang="ca-ES" dirty="0"/>
           </a:p>
         </p:txBody>
       </p:sp>
+      <p:pic>
+        <p:nvPicPr>
+          <p:cNvPr id="4" name="Picture 4" descr="http://cdn-static.denofgeek.com/sites/denofgeek/files/styles/article_main_wide_image/public/indiana_jones_bridge.jpg?itok=K-Ho6Zgm"/>
+          <p:cNvPicPr>
+            <a:picLocks noChangeAspect="1" noChangeArrowheads="1"/>
+          </p:cNvPicPr>
+          <p:nvPr/>
+        </p:nvPicPr>
+        <p:blipFill>
+          <a:blip r:embed="rId2" cstate="print">
+            <a:extLst>
+              <a:ext uri="{28A0092B-C50C-407E-A947-70E740481C1C}">
+                <a14:useLocalDpi xmlns:a14="http://schemas.microsoft.com/office/drawing/2010/main" val="0"/>
+              </a:ext>
+            </a:extLst>
+          </a:blip>
+          <a:srcRect/>
+          <a:stretch>
+            <a:fillRect/>
+          </a:stretch>
+        </p:blipFill>
+        <p:spPr bwMode="auto">
+          <a:xfrm>
+            <a:off x="2112516" y="3429000"/>
+            <a:ext cx="5667375" cy="3190876"/>
+          </a:xfrm>
+          <a:prstGeom prst="rect">
+            <a:avLst/>
+          </a:prstGeom>
+          <a:noFill/>
+          <a:extLst>
+            <a:ext uri="{909E8E84-426E-40DD-AFC4-6F175D3DCCD1}">
+              <a14:hiddenFill xmlns:a14="http://schemas.microsoft.com/office/drawing/2010/main">
+                <a:solidFill>
+                  <a:srgbClr val="FFFFFF"/>
+                </a:solidFill>
+              </a14:hiddenFill>
+            </a:ext>
+          </a:extLst>
+        </p:spPr>
+      </p:pic>
     </p:spTree>
     <p:extLst>
       <p:ext uri="{BB962C8B-B14F-4D97-AF65-F5344CB8AC3E}">
-        <p14:creationId xmlns:p14="http://schemas.microsoft.com/office/powerpoint/2010/main" val="3732078842"/>
+        <p14:creationId xmlns:p14="http://schemas.microsoft.com/office/powerpoint/2010/main" val="923270464"/>
       </p:ext>
     </p:extLst>
   </p:cSld>
@@ -33093,6 +33736,531 @@
 </file>
 
 <file path=ppt/slides/slide61.xml><?xml version="1.0" encoding="utf-8"?>
+<p:sld xmlns:a="http://schemas.openxmlformats.org/drawingml/2006/main" xmlns:r="http://schemas.openxmlformats.org/officeDocument/2006/relationships" xmlns:p="http://schemas.openxmlformats.org/presentationml/2006/main">
+  <p:cSld>
+    <p:spTree>
+      <p:nvGrpSpPr>
+        <p:cNvPr id="1" name=""/>
+        <p:cNvGrpSpPr/>
+        <p:nvPr/>
+      </p:nvGrpSpPr>
+      <p:grpSpPr>
+        <a:xfrm>
+          <a:off x="0" y="0"/>
+          <a:ext cx="0" cy="0"/>
+          <a:chOff x="0" y="0"/>
+          <a:chExt cx="0" cy="0"/>
+        </a:xfrm>
+      </p:grpSpPr>
+      <p:sp>
+        <p:nvSpPr>
+          <p:cNvPr id="2" name="Marcador de contenido 1">
+            <a:extLst>
+              <a:ext uri="{FF2B5EF4-FFF2-40B4-BE49-F238E27FC236}">
+                <a16:creationId xmlns:a16="http://schemas.microsoft.com/office/drawing/2014/main" id="{A2DB0843-42D1-4B0C-859F-82DA3BAAA36D}"/>
+              </a:ext>
+            </a:extLst>
+          </p:cNvPr>
+          <p:cNvSpPr>
+            <a:spLocks noGrp="1"/>
+          </p:cNvSpPr>
+          <p:nvPr>
+            <p:ph idx="1"/>
+          </p:nvPr>
+        </p:nvSpPr>
+        <p:spPr>
+          <a:xfrm>
+            <a:off x="495300" y="1484784"/>
+            <a:ext cx="8915400" cy="4641379"/>
+          </a:xfrm>
+        </p:spPr>
+        <p:txBody>
+          <a:bodyPr/>
+          <a:lstStyle/>
+          <a:p>
+            <a:r>
+              <a:rPr lang="en-US" sz="2800" dirty="0"/>
+              <a:t>There are two distinct situations where p-value adjustment may be necessary:</a:t>
+            </a:r>
+          </a:p>
+          <a:p>
+            <a:pPr lvl="1"/>
+            <a:r>
+              <a:rPr lang="en-US" sz="2400" dirty="0"/>
+              <a:t>Post-hoc tests in ANOVA:</a:t>
+            </a:r>
+          </a:p>
+          <a:p>
+            <a:pPr lvl="2"/>
+            <a:r>
+              <a:rPr lang="en-US" sz="2000" dirty="0"/>
+              <a:t>This is usually called multiple comparisons and common methods of adjustment are Tukey, Fisher HSD.</a:t>
+            </a:r>
+          </a:p>
+          <a:p>
+            <a:pPr lvl="1"/>
+            <a:r>
+              <a:rPr lang="en-US" sz="2400" dirty="0"/>
+              <a:t>Testing many variables in the same study</a:t>
+            </a:r>
+          </a:p>
+          <a:p>
+            <a:pPr lvl="2"/>
+            <a:r>
+              <a:rPr lang="en-US" sz="2000" dirty="0"/>
+              <a:t>This is usually called multiple testing and common methods of adjustment are Bonferroni, Holm or </a:t>
+            </a:r>
+            <a:r>
+              <a:rPr lang="en-US" sz="2000" dirty="0" err="1"/>
+              <a:t>Benjamini</a:t>
+            </a:r>
+            <a:r>
+              <a:rPr lang="en-US" sz="2000" dirty="0"/>
+              <a:t> and Hochberg (False Discovery Rate).</a:t>
+            </a:r>
+          </a:p>
+        </p:txBody>
+      </p:sp>
+      <p:sp>
+        <p:nvSpPr>
+          <p:cNvPr id="3" name="Título 2">
+            <a:extLst>
+              <a:ext uri="{FF2B5EF4-FFF2-40B4-BE49-F238E27FC236}">
+                <a16:creationId xmlns:a16="http://schemas.microsoft.com/office/drawing/2014/main" id="{3D63B622-7611-4F66-AA83-B6B1949B3DAD}"/>
+              </a:ext>
+            </a:extLst>
+          </p:cNvPr>
+          <p:cNvSpPr>
+            <a:spLocks noGrp="1"/>
+          </p:cNvSpPr>
+          <p:nvPr>
+            <p:ph type="title"/>
+          </p:nvPr>
+        </p:nvSpPr>
+        <p:spPr>
+          <a:xfrm>
+            <a:off x="495300" y="476672"/>
+            <a:ext cx="8915400" cy="940966"/>
+          </a:xfrm>
+        </p:spPr>
+        <p:txBody>
+          <a:bodyPr/>
+          <a:lstStyle/>
+          <a:p>
+            <a:r>
+              <a:rPr lang="en-US" dirty="0"/>
+              <a:t>Multiple comparisons vs multiple testing</a:t>
+            </a:r>
+          </a:p>
+        </p:txBody>
+      </p:sp>
+    </p:spTree>
+    <p:extLst>
+      <p:ext uri="{BB962C8B-B14F-4D97-AF65-F5344CB8AC3E}">
+        <p14:creationId xmlns:p14="http://schemas.microsoft.com/office/powerpoint/2010/main" val="422077621"/>
+      </p:ext>
+    </p:extLst>
+  </p:cSld>
+  <p:clrMapOvr>
+    <a:masterClrMapping/>
+  </p:clrMapOvr>
+</p:sld>
+</file>
+
+<file path=ppt/slides/slide62.xml><?xml version="1.0" encoding="utf-8"?>
+<p:sld xmlns:a="http://schemas.openxmlformats.org/drawingml/2006/main" xmlns:r="http://schemas.openxmlformats.org/officeDocument/2006/relationships" xmlns:p="http://schemas.openxmlformats.org/presentationml/2006/main">
+  <p:cSld>
+    <p:spTree>
+      <p:nvGrpSpPr>
+        <p:cNvPr id="1" name=""/>
+        <p:cNvGrpSpPr/>
+        <p:nvPr/>
+      </p:nvGrpSpPr>
+      <p:grpSpPr>
+        <a:xfrm>
+          <a:off x="0" y="0"/>
+          <a:ext cx="0" cy="0"/>
+          <a:chOff x="0" y="0"/>
+          <a:chExt cx="0" cy="0"/>
+        </a:xfrm>
+      </p:grpSpPr>
+      <p:sp>
+        <p:nvSpPr>
+          <p:cNvPr id="2" name="Marcador de contenido 1">
+            <a:extLst>
+              <a:ext uri="{FF2B5EF4-FFF2-40B4-BE49-F238E27FC236}">
+                <a16:creationId xmlns:a16="http://schemas.microsoft.com/office/drawing/2014/main" id="{A2DB0843-42D1-4B0C-859F-82DA3BAAA36D}"/>
+              </a:ext>
+            </a:extLst>
+          </p:cNvPr>
+          <p:cNvSpPr>
+            <a:spLocks noGrp="1"/>
+          </p:cNvSpPr>
+          <p:nvPr>
+            <p:ph idx="1"/>
+          </p:nvPr>
+        </p:nvSpPr>
+        <p:spPr>
+          <a:xfrm>
+            <a:off x="495300" y="1484784"/>
+            <a:ext cx="9282236" cy="4641379"/>
+          </a:xfrm>
+        </p:spPr>
+        <p:txBody>
+          <a:bodyPr/>
+          <a:lstStyle/>
+          <a:p>
+            <a:r>
+              <a:rPr lang="en-US" sz="2800" dirty="0"/>
+              <a:t>When many variables are compared independently with the same test </a:t>
+            </a:r>
+          </a:p>
+          <a:p>
+            <a:pPr lvl="1"/>
+            <a:r>
+              <a:rPr lang="en-US" sz="2400" dirty="0"/>
+              <a:t>Find differences between treated/untreated for a set of biomarkers such as cytokines.</a:t>
+            </a:r>
+          </a:p>
+          <a:p>
+            <a:pPr lvl="2"/>
+            <a:r>
+              <a:rPr lang="en-US" sz="2000" dirty="0"/>
+              <a:t>Number of comparisons may be low (“dozens”)</a:t>
+            </a:r>
+          </a:p>
+          <a:p>
+            <a:pPr lvl="1"/>
+            <a:r>
+              <a:rPr lang="en-US" sz="2400" dirty="0"/>
+              <a:t>Find differentially expressed genes, i.e. genes whose expression may change between conditions.</a:t>
+            </a:r>
+          </a:p>
+          <a:p>
+            <a:pPr lvl="2"/>
+            <a:r>
+              <a:rPr lang="en-US" sz="2000" dirty="0"/>
+              <a:t>Number of comparisons high (“hundreds” to “thousands”)</a:t>
+            </a:r>
+          </a:p>
+          <a:p>
+            <a:r>
+              <a:rPr lang="en-US" sz="2800" dirty="0"/>
+              <a:t>This is usually called multiple testing and common methods are Bonferroni, Holm or </a:t>
+            </a:r>
+            <a:r>
+              <a:rPr lang="en-US" sz="2800" dirty="0" err="1"/>
+              <a:t>Benjamini</a:t>
+            </a:r>
+            <a:r>
+              <a:rPr lang="en-US" sz="2800" dirty="0"/>
+              <a:t> and Hochberg (False Discovery Rate).</a:t>
+            </a:r>
+          </a:p>
+          <a:p>
+            <a:endParaRPr lang="en-US" sz="2800" dirty="0"/>
+          </a:p>
+          <a:p>
+            <a:endParaRPr lang="en-US" sz="2800" dirty="0"/>
+          </a:p>
+        </p:txBody>
+      </p:sp>
+      <p:sp>
+        <p:nvSpPr>
+          <p:cNvPr id="3" name="Título 2">
+            <a:extLst>
+              <a:ext uri="{FF2B5EF4-FFF2-40B4-BE49-F238E27FC236}">
+                <a16:creationId xmlns:a16="http://schemas.microsoft.com/office/drawing/2014/main" id="{3D63B622-7611-4F66-AA83-B6B1949B3DAD}"/>
+              </a:ext>
+            </a:extLst>
+          </p:cNvPr>
+          <p:cNvSpPr>
+            <a:spLocks noGrp="1"/>
+          </p:cNvSpPr>
+          <p:nvPr>
+            <p:ph type="title"/>
+          </p:nvPr>
+        </p:nvSpPr>
+        <p:spPr>
+          <a:xfrm>
+            <a:off x="495300" y="476672"/>
+            <a:ext cx="8915400" cy="940966"/>
+          </a:xfrm>
+        </p:spPr>
+        <p:txBody>
+          <a:bodyPr/>
+          <a:lstStyle/>
+          <a:p>
+            <a:r>
+              <a:rPr lang="en-US" dirty="0"/>
+              <a:t>Multiple testing</a:t>
+            </a:r>
+          </a:p>
+        </p:txBody>
+      </p:sp>
+    </p:spTree>
+    <p:extLst>
+      <p:ext uri="{BB962C8B-B14F-4D97-AF65-F5344CB8AC3E}">
+        <p14:creationId xmlns:p14="http://schemas.microsoft.com/office/powerpoint/2010/main" val="3560118582"/>
+      </p:ext>
+    </p:extLst>
+  </p:cSld>
+  <p:clrMapOvr>
+    <a:masterClrMapping/>
+  </p:clrMapOvr>
+</p:sld>
+</file>
+
+<file path=ppt/slides/slide63.xml><?xml version="1.0" encoding="utf-8"?>
+<p:sld xmlns:a="http://schemas.openxmlformats.org/drawingml/2006/main" xmlns:r="http://schemas.openxmlformats.org/officeDocument/2006/relationships" xmlns:p="http://schemas.openxmlformats.org/presentationml/2006/main">
+  <p:cSld>
+    <p:spTree>
+      <p:nvGrpSpPr>
+        <p:cNvPr id="1" name=""/>
+        <p:cNvGrpSpPr/>
+        <p:nvPr/>
+      </p:nvGrpSpPr>
+      <p:grpSpPr>
+        <a:xfrm>
+          <a:off x="0" y="0"/>
+          <a:ext cx="0" cy="0"/>
+          <a:chOff x="0" y="0"/>
+          <a:chExt cx="0" cy="0"/>
+        </a:xfrm>
+      </p:grpSpPr>
+      <p:sp>
+        <p:nvSpPr>
+          <p:cNvPr id="2" name="Marcador de contenido 1">
+            <a:extLst>
+              <a:ext uri="{FF2B5EF4-FFF2-40B4-BE49-F238E27FC236}">
+                <a16:creationId xmlns:a16="http://schemas.microsoft.com/office/drawing/2014/main" id="{A2DB0843-42D1-4B0C-859F-82DA3BAAA36D}"/>
+              </a:ext>
+            </a:extLst>
+          </p:cNvPr>
+          <p:cNvSpPr>
+            <a:spLocks noGrp="1"/>
+          </p:cNvSpPr>
+          <p:nvPr>
+            <p:ph idx="1"/>
+          </p:nvPr>
+        </p:nvSpPr>
+        <p:spPr>
+          <a:xfrm>
+            <a:off x="495300" y="1484784"/>
+            <a:ext cx="8915400" cy="4641379"/>
+          </a:xfrm>
+        </p:spPr>
+        <p:txBody>
+          <a:bodyPr/>
+          <a:lstStyle/>
+          <a:p>
+            <a:r>
+              <a:rPr lang="en-US" sz="2800" dirty="0"/>
+              <a:t>If we wish to compare all means against all means he number of tests increases quickly (to compare all pairs of means if there are k groups (k*k-1)/2 tests are required).</a:t>
+            </a:r>
+            <a:endParaRPr lang="en-US" dirty="0"/>
+          </a:p>
+          <a:p>
+            <a:r>
+              <a:rPr lang="en-US" sz="2800" dirty="0"/>
+              <a:t>This is usually called </a:t>
+            </a:r>
+            <a:r>
+              <a:rPr lang="en-US" sz="2800" b="1" dirty="0"/>
+              <a:t>multiple comparisons </a:t>
+            </a:r>
+            <a:r>
+              <a:rPr lang="en-US" sz="2800" dirty="0"/>
+              <a:t>and common methods of </a:t>
+            </a:r>
+            <a:r>
+              <a:rPr lang="en-US" sz="2800"/>
+              <a:t>adjustment are Tukey</a:t>
+            </a:r>
+            <a:r>
+              <a:rPr lang="en-US" sz="2800" dirty="0"/>
+              <a:t>, Fisher HSD or Bonferroni.	</a:t>
+            </a:r>
+          </a:p>
+        </p:txBody>
+      </p:sp>
+      <p:sp>
+        <p:nvSpPr>
+          <p:cNvPr id="3" name="Título 2">
+            <a:extLst>
+              <a:ext uri="{FF2B5EF4-FFF2-40B4-BE49-F238E27FC236}">
+                <a16:creationId xmlns:a16="http://schemas.microsoft.com/office/drawing/2014/main" id="{3D63B622-7611-4F66-AA83-B6B1949B3DAD}"/>
+              </a:ext>
+            </a:extLst>
+          </p:cNvPr>
+          <p:cNvSpPr>
+            <a:spLocks noGrp="1"/>
+          </p:cNvSpPr>
+          <p:nvPr>
+            <p:ph type="title"/>
+          </p:nvPr>
+        </p:nvSpPr>
+        <p:spPr>
+          <a:xfrm>
+            <a:off x="495300" y="476672"/>
+            <a:ext cx="8915400" cy="940966"/>
+          </a:xfrm>
+        </p:spPr>
+        <p:txBody>
+          <a:bodyPr/>
+          <a:lstStyle/>
+          <a:p>
+            <a:r>
+              <a:rPr lang="en-US" dirty="0"/>
+              <a:t>Post-hoc ANOVA tests</a:t>
+            </a:r>
+          </a:p>
+        </p:txBody>
+      </p:sp>
+    </p:spTree>
+    <p:extLst>
+      <p:ext uri="{BB962C8B-B14F-4D97-AF65-F5344CB8AC3E}">
+        <p14:creationId xmlns:p14="http://schemas.microsoft.com/office/powerpoint/2010/main" val="2738099900"/>
+      </p:ext>
+    </p:extLst>
+  </p:cSld>
+  <p:clrMapOvr>
+    <a:masterClrMapping/>
+  </p:clrMapOvr>
+</p:sld>
+</file>
+
+<file path=ppt/slides/slide64.xml><?xml version="1.0" encoding="utf-8"?>
+<p:sld xmlns:a="http://schemas.openxmlformats.org/drawingml/2006/main" xmlns:r="http://schemas.openxmlformats.org/officeDocument/2006/relationships" xmlns:p="http://schemas.openxmlformats.org/presentationml/2006/main">
+  <p:cSld>
+    <p:spTree>
+      <p:nvGrpSpPr>
+        <p:cNvPr id="1" name=""/>
+        <p:cNvGrpSpPr/>
+        <p:nvPr/>
+      </p:nvGrpSpPr>
+      <p:grpSpPr>
+        <a:xfrm>
+          <a:off x="0" y="0"/>
+          <a:ext cx="0" cy="0"/>
+          <a:chOff x="0" y="0"/>
+          <a:chExt cx="0" cy="0"/>
+        </a:xfrm>
+      </p:grpSpPr>
+      <p:sp>
+        <p:nvSpPr>
+          <p:cNvPr id="4" name="Título 3">
+            <a:extLst>
+              <a:ext uri="{FF2B5EF4-FFF2-40B4-BE49-F238E27FC236}">
+                <a16:creationId xmlns:a16="http://schemas.microsoft.com/office/drawing/2014/main" id="{04E3EB66-71A3-4000-95B5-D346DFD5E1E3}"/>
+              </a:ext>
+            </a:extLst>
+          </p:cNvPr>
+          <p:cNvSpPr>
+            <a:spLocks noGrp="1"/>
+          </p:cNvSpPr>
+          <p:nvPr>
+            <p:ph type="ctrTitle"/>
+          </p:nvPr>
+        </p:nvSpPr>
+        <p:spPr/>
+        <p:txBody>
+          <a:bodyPr/>
+          <a:lstStyle/>
+          <a:p>
+            <a:r>
+              <a:rPr lang="es-ES" altLang="ca-ES" b="1" dirty="0" err="1">
+                <a:latin typeface="Verdana Pro Light" panose="020B0604020202020204" pitchFamily="34" charset="0"/>
+                <a:ea typeface="MS PGothic" pitchFamily="34" charset="-128"/>
+              </a:rPr>
+              <a:t>Common</a:t>
+            </a:r>
+            <a:r>
+              <a:rPr lang="es-ES" altLang="ca-ES" b="1" dirty="0">
+                <a:latin typeface="Verdana Pro Light" panose="020B0604020202020204" pitchFamily="34" charset="0"/>
+                <a:ea typeface="MS PGothic" pitchFamily="34" charset="-128"/>
+              </a:rPr>
+              <a:t> </a:t>
+            </a:r>
+            <a:r>
+              <a:rPr lang="es-ES" altLang="ca-ES" b="1" dirty="0" err="1">
+                <a:latin typeface="Verdana Pro Light" panose="020B0604020202020204" pitchFamily="34" charset="0"/>
+                <a:ea typeface="MS PGothic" pitchFamily="34" charset="-128"/>
+              </a:rPr>
+              <a:t>misunderstandings</a:t>
+            </a:r>
+            <a:r>
+              <a:rPr lang="es-ES" altLang="ca-ES" b="1" dirty="0">
+                <a:latin typeface="Verdana Pro Light" panose="020B0604020202020204" pitchFamily="34" charset="0"/>
+                <a:ea typeface="MS PGothic" pitchFamily="34" charset="-128"/>
+              </a:rPr>
+              <a:t> </a:t>
+            </a:r>
+            <a:br>
+              <a:rPr lang="es-ES" altLang="ca-ES" b="1" dirty="0">
+                <a:latin typeface="Verdana Pro Light" panose="020B0604020202020204" pitchFamily="34" charset="0"/>
+                <a:ea typeface="MS PGothic" pitchFamily="34" charset="-128"/>
+              </a:rPr>
+            </a:br>
+            <a:r>
+              <a:rPr lang="es-ES" altLang="ca-ES" b="1" dirty="0" err="1">
+                <a:latin typeface="Verdana Pro Light" panose="020B0604020202020204" pitchFamily="34" charset="0"/>
+                <a:ea typeface="MS PGothic" pitchFamily="34" charset="-128"/>
+              </a:rPr>
+              <a:t>about</a:t>
+            </a:r>
+            <a:r>
+              <a:rPr lang="es-ES" altLang="ca-ES" b="1" dirty="0">
+                <a:latin typeface="Verdana Pro Light" panose="020B0604020202020204" pitchFamily="34" charset="0"/>
+                <a:ea typeface="MS PGothic" pitchFamily="34" charset="-128"/>
+              </a:rPr>
+              <a:t> </a:t>
+            </a:r>
+            <a:r>
+              <a:rPr lang="es-ES" altLang="ca-ES" b="1" dirty="0" err="1">
+                <a:latin typeface="Verdana Pro Light" panose="020B0604020202020204" pitchFamily="34" charset="0"/>
+                <a:ea typeface="MS PGothic" pitchFamily="34" charset="-128"/>
+              </a:rPr>
+              <a:t>the</a:t>
+            </a:r>
+            <a:r>
+              <a:rPr lang="es-ES" altLang="ca-ES" b="1" dirty="0">
+                <a:latin typeface="Verdana Pro Light" panose="020B0604020202020204" pitchFamily="34" charset="0"/>
+                <a:ea typeface="MS PGothic" pitchFamily="34" charset="-128"/>
+              </a:rPr>
+              <a:t> p-</a:t>
+            </a:r>
+            <a:r>
+              <a:rPr lang="es-ES" altLang="ca-ES" b="1" dirty="0" err="1">
+                <a:latin typeface="Verdana Pro Light" panose="020B0604020202020204" pitchFamily="34" charset="0"/>
+                <a:ea typeface="MS PGothic" pitchFamily="34" charset="-128"/>
+              </a:rPr>
+              <a:t>value</a:t>
+            </a:r>
+            <a:br>
+              <a:rPr lang="es-ES" altLang="ca-ES" b="1" dirty="0">
+                <a:latin typeface="Verdana Pro Light" panose="020B0604020202020204" pitchFamily="34" charset="0"/>
+                <a:ea typeface="MS PGothic" pitchFamily="34" charset="-128"/>
+              </a:rPr>
+            </a:br>
+            <a:endParaRPr lang="en-US" dirty="0"/>
+          </a:p>
+        </p:txBody>
+      </p:sp>
+    </p:spTree>
+    <p:extLst>
+      <p:ext uri="{BB962C8B-B14F-4D97-AF65-F5344CB8AC3E}">
+        <p14:creationId xmlns:p14="http://schemas.microsoft.com/office/powerpoint/2010/main" val="1301628692"/>
+      </p:ext>
+    </p:extLst>
+  </p:cSld>
+  <p:clrMapOvr>
+    <a:masterClrMapping/>
+  </p:clrMapOvr>
+</p:sld>
+</file>
+
+<file path=ppt/slides/slide65.xml><?xml version="1.0" encoding="utf-8"?>
 <p:sld xmlns:a="http://schemas.openxmlformats.org/drawingml/2006/main" xmlns:r="http://schemas.openxmlformats.org/officeDocument/2006/relationships" xmlns:p="http://schemas.openxmlformats.org/presentationml/2006/main">
   <p:cSld>
     <p:spTree>
@@ -35567,8 +36735,8 @@
         </p:nvSpPr>
         <p:spPr bwMode="auto">
           <a:xfrm>
-            <a:off x="415925" y="1206500"/>
-            <a:ext cx="4870450" cy="523875"/>
+            <a:off x="415924" y="1206500"/>
+            <a:ext cx="6121251" cy="584775"/>
           </a:xfrm>
           <a:prstGeom prst="rect">
             <a:avLst/>
@@ -35581,7 +36749,7 @@
           <a:extLst/>
         </p:spPr>
         <p:txBody>
-          <a:bodyPr>
+          <a:bodyPr wrap="square">
             <a:spAutoFit/>
           </a:bodyPr>
           <a:lstStyle/>
@@ -35593,7 +36761,7 @@
               <a:defRPr/>
             </a:pPr>
             <a:r>
-              <a:rPr lang="es-ES_tradnl" altLang="ca-ES" sz="2800" u="none" dirty="0">
+              <a:rPr lang="es-ES_tradnl" altLang="ca-ES" sz="3200" u="none" dirty="0">
                 <a:solidFill>
                   <a:srgbClr val="6600CC"/>
                 </a:solidFill>
@@ -35606,7 +36774,7 @@
               <a:t>Independence </a:t>
             </a:r>
             <a:r>
-              <a:rPr lang="es-ES_tradnl" altLang="ca-ES" sz="2800" u="none" dirty="0" err="1">
+              <a:rPr lang="es-ES_tradnl" altLang="ca-ES" sz="3200" u="none" dirty="0" err="1">
                 <a:solidFill>
                   <a:srgbClr val="6600CC"/>
                 </a:solidFill>
@@ -35618,7 +36786,7 @@
               </a:rPr>
               <a:t>Hypothesis</a:t>
             </a:r>
-            <a:endParaRPr lang="es-ES" altLang="ca-ES" sz="2800" u="none" dirty="0">
+            <a:endParaRPr lang="es-ES" altLang="ca-ES" sz="3200" u="none" dirty="0">
               <a:solidFill>
                 <a:srgbClr val="6600CC"/>
               </a:solidFill>
@@ -36872,7 +38040,7 @@
 </file>
 
 <file path=ppt/slides/slide8.xml><?xml version="1.0" encoding="utf-8"?>
-<p:sld xmlns:a="http://schemas.openxmlformats.org/drawingml/2006/main" xmlns:r="http://schemas.openxmlformats.org/officeDocument/2006/relationships" xmlns:p="http://schemas.openxmlformats.org/presentationml/2006/main" showMasterPhAnim="0" show="0">
+<p:sld xmlns:a="http://schemas.openxmlformats.org/drawingml/2006/main" xmlns:r="http://schemas.openxmlformats.org/officeDocument/2006/relationships" xmlns:p="http://schemas.openxmlformats.org/presentationml/2006/main" showMasterPhAnim="0">
   <p:cSld>
     <p:spTree>
       <p:nvGrpSpPr>
@@ -38642,7 +39810,7 @@
 </file>
 
 <file path=ppt/slides/slide9.xml><?xml version="1.0" encoding="utf-8"?>
-<p:sld xmlns:a="http://schemas.openxmlformats.org/drawingml/2006/main" xmlns:r="http://schemas.openxmlformats.org/officeDocument/2006/relationships" xmlns:p="http://schemas.openxmlformats.org/presentationml/2006/main" showMasterPhAnim="0" show="0">
+<p:sld xmlns:a="http://schemas.openxmlformats.org/drawingml/2006/main" xmlns:r="http://schemas.openxmlformats.org/officeDocument/2006/relationships" xmlns:p="http://schemas.openxmlformats.org/presentationml/2006/main" showMasterPhAnim="0">
   <p:cSld>
     <p:spTree>
       <p:nvGrpSpPr>
@@ -39282,7 +40450,7 @@
                   </a:outerShdw>
                 </a:effectLst>
               </a:rPr>
-              <a:t>Non </a:t>
+              <a:t>Non-</a:t>
             </a:r>
             <a:r>
               <a:rPr lang="es-ES_tradnl" altLang="ca-ES" sz="2800" u="none" dirty="0" err="1">
